--- a/Kronendach-Durchlässigkeit.pptx
+++ b/Kronendach-Durchlässigkeit.pptx
@@ -1,21 +1,23 @@
 
 <file path=ppt/presentation.xml><?xml version="1.0" encoding="utf-8"?>
-<p:presentation xmlns:a="http://schemas.openxmlformats.org/drawingml/2006/main" xmlns:r="http://schemas.openxmlformats.org/officeDocument/2006/relationships" xmlns:p="http://schemas.openxmlformats.org/presentationml/2006/main" saveSubsetFonts="1">
+<p:presentation xmlns:a="http://schemas.openxmlformats.org/drawingml/2006/main" xmlns:r="http://schemas.openxmlformats.org/officeDocument/2006/relationships" xmlns:p="http://schemas.openxmlformats.org/presentationml/2006/main" showSpecialPlsOnTitleSld="0" saveSubsetFonts="1">
   <p:sldMasterIdLst>
-    <p:sldMasterId id="2147483648" r:id="rId1"/>
+    <p:sldMasterId id="2147483708" r:id="rId1"/>
   </p:sldMasterIdLst>
+  <p:notesMasterIdLst>
+    <p:notesMasterId r:id="rId12"/>
+  </p:notesMasterIdLst>
   <p:sldIdLst>
     <p:sldId id="256" r:id="rId2"/>
     <p:sldId id="257" r:id="rId3"/>
     <p:sldId id="265" r:id="rId4"/>
     <p:sldId id="264" r:id="rId5"/>
     <p:sldId id="268" r:id="rId6"/>
-    <p:sldId id="266" r:id="rId7"/>
+    <p:sldId id="267" r:id="rId7"/>
     <p:sldId id="260" r:id="rId8"/>
-    <p:sldId id="267" r:id="rId9"/>
-    <p:sldId id="258" r:id="rId10"/>
-    <p:sldId id="262" r:id="rId11"/>
-    <p:sldId id="261" r:id="rId12"/>
+    <p:sldId id="262" r:id="rId9"/>
+    <p:sldId id="261" r:id="rId10"/>
+    <p:sldId id="269" r:id="rId11"/>
   </p:sldIdLst>
   <p:sldSz cx="12192000" cy="6858000"/>
   <p:notesSz cx="6858000" cy="9144000"/>
@@ -114,7 +116,362 @@
       </a:defRPr>
     </a:lvl9pPr>
   </p:defaultTextStyle>
+  <p:extLst>
+    <p:ext uri="{EFAFB233-063F-42B5-8137-9DF3F51BA10A}">
+      <p15:sldGuideLst xmlns:p15="http://schemas.microsoft.com/office/powerpoint/2012/main"/>
+    </p:ext>
+  </p:extLst>
 </p:presentation>
+</file>
+
+<file path=ppt/notesMasters/notesMaster1.xml><?xml version="1.0" encoding="utf-8"?>
+<p:notesMaster xmlns:a="http://schemas.openxmlformats.org/drawingml/2006/main" xmlns:r="http://schemas.openxmlformats.org/officeDocument/2006/relationships" xmlns:p="http://schemas.openxmlformats.org/presentationml/2006/main">
+  <p:cSld>
+    <p:bg>
+      <p:bgRef idx="1001">
+        <a:schemeClr val="bg1"/>
+      </p:bgRef>
+    </p:bg>
+    <p:spTree>
+      <p:nvGrpSpPr>
+        <p:cNvPr id="1" name=""/>
+        <p:cNvGrpSpPr/>
+        <p:nvPr/>
+      </p:nvGrpSpPr>
+      <p:grpSpPr>
+        <a:xfrm>
+          <a:off x="0" y="0"/>
+          <a:ext cx="0" cy="0"/>
+          <a:chOff x="0" y="0"/>
+          <a:chExt cx="0" cy="0"/>
+        </a:xfrm>
+      </p:grpSpPr>
+      <p:sp>
+        <p:nvSpPr>
+          <p:cNvPr id="2" name="Kopfzeilenplatzhalter 1"/>
+          <p:cNvSpPr>
+            <a:spLocks noGrp="1"/>
+          </p:cNvSpPr>
+          <p:nvPr>
+            <p:ph type="hdr" sz="quarter"/>
+          </p:nvPr>
+        </p:nvSpPr>
+        <p:spPr>
+          <a:xfrm>
+            <a:off x="0" y="0"/>
+            <a:ext cx="2971800" cy="458788"/>
+          </a:xfrm>
+          <a:prstGeom prst="rect">
+            <a:avLst/>
+          </a:prstGeom>
+        </p:spPr>
+        <p:txBody>
+          <a:bodyPr vert="horz" lIns="91440" tIns="45720" rIns="91440" bIns="45720" rtlCol="0"/>
+          <a:lstStyle>
+            <a:lvl1pPr algn="l">
+              <a:defRPr sz="1200"/>
+            </a:lvl1pPr>
+          </a:lstStyle>
+          <a:p>
+            <a:endParaRPr lang="de-DE"/>
+          </a:p>
+        </p:txBody>
+      </p:sp>
+      <p:sp>
+        <p:nvSpPr>
+          <p:cNvPr id="3" name="Datumsplatzhalter 2"/>
+          <p:cNvSpPr>
+            <a:spLocks noGrp="1"/>
+          </p:cNvSpPr>
+          <p:nvPr>
+            <p:ph type="dt" idx="1"/>
+          </p:nvPr>
+        </p:nvSpPr>
+        <p:spPr>
+          <a:xfrm>
+            <a:off x="3884613" y="0"/>
+            <a:ext cx="2971800" cy="458788"/>
+          </a:xfrm>
+          <a:prstGeom prst="rect">
+            <a:avLst/>
+          </a:prstGeom>
+        </p:spPr>
+        <p:txBody>
+          <a:bodyPr vert="horz" lIns="91440" tIns="45720" rIns="91440" bIns="45720" rtlCol="0"/>
+          <a:lstStyle>
+            <a:lvl1pPr algn="r">
+              <a:defRPr sz="1200"/>
+            </a:lvl1pPr>
+          </a:lstStyle>
+          <a:p>
+            <a:fld id="{4A612604-D51F-4676-994C-3FFFDFF8C437}" type="datetimeFigureOut">
+              <a:rPr lang="de-DE" smtClean="0"/>
+              <a:t>28.02.2020</a:t>
+            </a:fld>
+            <a:endParaRPr lang="de-DE"/>
+          </a:p>
+        </p:txBody>
+      </p:sp>
+      <p:sp>
+        <p:nvSpPr>
+          <p:cNvPr id="4" name="Folienbildplatzhalter 3"/>
+          <p:cNvSpPr>
+            <a:spLocks noGrp="1" noRot="1" noChangeAspect="1"/>
+          </p:cNvSpPr>
+          <p:nvPr>
+            <p:ph type="sldImg" idx="2"/>
+          </p:nvPr>
+        </p:nvSpPr>
+        <p:spPr>
+          <a:xfrm>
+            <a:off x="685800" y="1143000"/>
+            <a:ext cx="5486400" cy="3086100"/>
+          </a:xfrm>
+          <a:prstGeom prst="rect">
+            <a:avLst/>
+          </a:prstGeom>
+          <a:noFill/>
+          <a:ln w="12700">
+            <a:solidFill>
+              <a:prstClr val="black"/>
+            </a:solidFill>
+          </a:ln>
+        </p:spPr>
+        <p:txBody>
+          <a:bodyPr vert="horz" lIns="91440" tIns="45720" rIns="91440" bIns="45720" rtlCol="0" anchor="ctr"/>
+          <a:lstStyle/>
+          <a:p>
+            <a:endParaRPr lang="de-DE"/>
+          </a:p>
+        </p:txBody>
+      </p:sp>
+      <p:sp>
+        <p:nvSpPr>
+          <p:cNvPr id="5" name="Notizenplatzhalter 4"/>
+          <p:cNvSpPr>
+            <a:spLocks noGrp="1"/>
+          </p:cNvSpPr>
+          <p:nvPr>
+            <p:ph type="body" sz="quarter" idx="3"/>
+          </p:nvPr>
+        </p:nvSpPr>
+        <p:spPr>
+          <a:xfrm>
+            <a:off x="685800" y="4400550"/>
+            <a:ext cx="5486400" cy="3600450"/>
+          </a:xfrm>
+          <a:prstGeom prst="rect">
+            <a:avLst/>
+          </a:prstGeom>
+        </p:spPr>
+        <p:txBody>
+          <a:bodyPr vert="horz" lIns="91440" tIns="45720" rIns="91440" bIns="45720" rtlCol="0"/>
+          <a:lstStyle/>
+          <a:p>
+            <a:pPr lvl="0"/>
+            <a:r>
+              <a:rPr lang="de-DE" smtClean="0"/>
+              <a:t>Formatvorlagen des Textmasters bearbeiten</a:t>
+            </a:r>
+          </a:p>
+          <a:p>
+            <a:pPr lvl="1"/>
+            <a:r>
+              <a:rPr lang="de-DE" smtClean="0"/>
+              <a:t>Zweite Ebene</a:t>
+            </a:r>
+          </a:p>
+          <a:p>
+            <a:pPr lvl="2"/>
+            <a:r>
+              <a:rPr lang="de-DE" smtClean="0"/>
+              <a:t>Dritte Ebene</a:t>
+            </a:r>
+          </a:p>
+          <a:p>
+            <a:pPr lvl="3"/>
+            <a:r>
+              <a:rPr lang="de-DE" smtClean="0"/>
+              <a:t>Vierte Ebene</a:t>
+            </a:r>
+          </a:p>
+          <a:p>
+            <a:pPr lvl="4"/>
+            <a:r>
+              <a:rPr lang="de-DE" smtClean="0"/>
+              <a:t>Fünfte Ebene</a:t>
+            </a:r>
+            <a:endParaRPr lang="de-DE"/>
+          </a:p>
+        </p:txBody>
+      </p:sp>
+      <p:sp>
+        <p:nvSpPr>
+          <p:cNvPr id="6" name="Fußzeilenplatzhalter 5"/>
+          <p:cNvSpPr>
+            <a:spLocks noGrp="1"/>
+          </p:cNvSpPr>
+          <p:nvPr>
+            <p:ph type="ftr" sz="quarter" idx="4"/>
+          </p:nvPr>
+        </p:nvSpPr>
+        <p:spPr>
+          <a:xfrm>
+            <a:off x="0" y="8685213"/>
+            <a:ext cx="2971800" cy="458787"/>
+          </a:xfrm>
+          <a:prstGeom prst="rect">
+            <a:avLst/>
+          </a:prstGeom>
+        </p:spPr>
+        <p:txBody>
+          <a:bodyPr vert="horz" lIns="91440" tIns="45720" rIns="91440" bIns="45720" rtlCol="0" anchor="b"/>
+          <a:lstStyle>
+            <a:lvl1pPr algn="l">
+              <a:defRPr sz="1200"/>
+            </a:lvl1pPr>
+          </a:lstStyle>
+          <a:p>
+            <a:endParaRPr lang="de-DE"/>
+          </a:p>
+        </p:txBody>
+      </p:sp>
+      <p:sp>
+        <p:nvSpPr>
+          <p:cNvPr id="7" name="Foliennummernplatzhalter 6"/>
+          <p:cNvSpPr>
+            <a:spLocks noGrp="1"/>
+          </p:cNvSpPr>
+          <p:nvPr>
+            <p:ph type="sldNum" sz="quarter" idx="5"/>
+          </p:nvPr>
+        </p:nvSpPr>
+        <p:spPr>
+          <a:xfrm>
+            <a:off x="3884613" y="8685213"/>
+            <a:ext cx="2971800" cy="458787"/>
+          </a:xfrm>
+          <a:prstGeom prst="rect">
+            <a:avLst/>
+          </a:prstGeom>
+        </p:spPr>
+        <p:txBody>
+          <a:bodyPr vert="horz" lIns="91440" tIns="45720" rIns="91440" bIns="45720" rtlCol="0" anchor="b"/>
+          <a:lstStyle>
+            <a:lvl1pPr algn="r">
+              <a:defRPr sz="1200"/>
+            </a:lvl1pPr>
+          </a:lstStyle>
+          <a:p>
+            <a:fld id="{F755AF36-D00A-467C-A1E1-8F3FD23BD727}" type="slidenum">
+              <a:rPr lang="de-DE" smtClean="0"/>
+              <a:t>‹Nr.›</a:t>
+            </a:fld>
+            <a:endParaRPr lang="de-DE"/>
+          </a:p>
+        </p:txBody>
+      </p:sp>
+    </p:spTree>
+    <p:extLst>
+      <p:ext uri="{BB962C8B-B14F-4D97-AF65-F5344CB8AC3E}">
+        <p14:creationId xmlns:p14="http://schemas.microsoft.com/office/powerpoint/2010/main" val="1283821764"/>
+      </p:ext>
+    </p:extLst>
+  </p:cSld>
+  <p:clrMap bg1="lt1" tx1="dk1" bg2="lt2" tx2="dk2" accent1="accent1" accent2="accent2" accent3="accent3" accent4="accent4" accent5="accent5" accent6="accent6" hlink="hlink" folHlink="folHlink"/>
+  <p:notesStyle>
+    <a:lvl1pPr marL="0" algn="l" defTabSz="914400" rtl="0" eaLnBrk="1" latinLnBrk="0" hangingPunct="1">
+      <a:defRPr sz="1200" kern="1200">
+        <a:solidFill>
+          <a:schemeClr val="tx1"/>
+        </a:solidFill>
+        <a:latin typeface="+mn-lt"/>
+        <a:ea typeface="+mn-ea"/>
+        <a:cs typeface="+mn-cs"/>
+      </a:defRPr>
+    </a:lvl1pPr>
+    <a:lvl2pPr marL="457200" algn="l" defTabSz="914400" rtl="0" eaLnBrk="1" latinLnBrk="0" hangingPunct="1">
+      <a:defRPr sz="1200" kern="1200">
+        <a:solidFill>
+          <a:schemeClr val="tx1"/>
+        </a:solidFill>
+        <a:latin typeface="+mn-lt"/>
+        <a:ea typeface="+mn-ea"/>
+        <a:cs typeface="+mn-cs"/>
+      </a:defRPr>
+    </a:lvl2pPr>
+    <a:lvl3pPr marL="914400" algn="l" defTabSz="914400" rtl="0" eaLnBrk="1" latinLnBrk="0" hangingPunct="1">
+      <a:defRPr sz="1200" kern="1200">
+        <a:solidFill>
+          <a:schemeClr val="tx1"/>
+        </a:solidFill>
+        <a:latin typeface="+mn-lt"/>
+        <a:ea typeface="+mn-ea"/>
+        <a:cs typeface="+mn-cs"/>
+      </a:defRPr>
+    </a:lvl3pPr>
+    <a:lvl4pPr marL="1371600" algn="l" defTabSz="914400" rtl="0" eaLnBrk="1" latinLnBrk="0" hangingPunct="1">
+      <a:defRPr sz="1200" kern="1200">
+        <a:solidFill>
+          <a:schemeClr val="tx1"/>
+        </a:solidFill>
+        <a:latin typeface="+mn-lt"/>
+        <a:ea typeface="+mn-ea"/>
+        <a:cs typeface="+mn-cs"/>
+      </a:defRPr>
+    </a:lvl4pPr>
+    <a:lvl5pPr marL="1828800" algn="l" defTabSz="914400" rtl="0" eaLnBrk="1" latinLnBrk="0" hangingPunct="1">
+      <a:defRPr sz="1200" kern="1200">
+        <a:solidFill>
+          <a:schemeClr val="tx1"/>
+        </a:solidFill>
+        <a:latin typeface="+mn-lt"/>
+        <a:ea typeface="+mn-ea"/>
+        <a:cs typeface="+mn-cs"/>
+      </a:defRPr>
+    </a:lvl5pPr>
+    <a:lvl6pPr marL="2286000" algn="l" defTabSz="914400" rtl="0" eaLnBrk="1" latinLnBrk="0" hangingPunct="1">
+      <a:defRPr sz="1200" kern="1200">
+        <a:solidFill>
+          <a:schemeClr val="tx1"/>
+        </a:solidFill>
+        <a:latin typeface="+mn-lt"/>
+        <a:ea typeface="+mn-ea"/>
+        <a:cs typeface="+mn-cs"/>
+      </a:defRPr>
+    </a:lvl6pPr>
+    <a:lvl7pPr marL="2743200" algn="l" defTabSz="914400" rtl="0" eaLnBrk="1" latinLnBrk="0" hangingPunct="1">
+      <a:defRPr sz="1200" kern="1200">
+        <a:solidFill>
+          <a:schemeClr val="tx1"/>
+        </a:solidFill>
+        <a:latin typeface="+mn-lt"/>
+        <a:ea typeface="+mn-ea"/>
+        <a:cs typeface="+mn-cs"/>
+      </a:defRPr>
+    </a:lvl7pPr>
+    <a:lvl8pPr marL="3200400" algn="l" defTabSz="914400" rtl="0" eaLnBrk="1" latinLnBrk="0" hangingPunct="1">
+      <a:defRPr sz="1200" kern="1200">
+        <a:solidFill>
+          <a:schemeClr val="tx1"/>
+        </a:solidFill>
+        <a:latin typeface="+mn-lt"/>
+        <a:ea typeface="+mn-ea"/>
+        <a:cs typeface="+mn-cs"/>
+      </a:defRPr>
+    </a:lvl8pPr>
+    <a:lvl9pPr marL="3657600" algn="l" defTabSz="914400" rtl="0" eaLnBrk="1" latinLnBrk="0" hangingPunct="1">
+      <a:defRPr sz="1200" kern="1200">
+        <a:solidFill>
+          <a:schemeClr val="tx1"/>
+        </a:solidFill>
+        <a:latin typeface="+mn-lt"/>
+        <a:ea typeface="+mn-ea"/>
+        <a:cs typeface="+mn-cs"/>
+      </a:defRPr>
+    </a:lvl9pPr>
+  </p:notesStyle>
+</p:notesMaster>
 </file>
 
 <file path=ppt/slideLayouts/slideLayout1.xml><?xml version="1.0" encoding="utf-8"?>
@@ -136,7 +493,7 @@
       </p:grpSpPr>
       <p:sp>
         <p:nvSpPr>
-          <p:cNvPr id="2" name="Titel 1"/>
+          <p:cNvPr id="2" name="Title 1"/>
           <p:cNvSpPr>
             <a:spLocks noGrp="1"/>
           </p:cNvSpPr>
@@ -146,15 +503,15 @@
         </p:nvSpPr>
         <p:spPr>
           <a:xfrm>
-            <a:off x="1524000" y="1122363"/>
-            <a:ext cx="9144000" cy="2387600"/>
+            <a:off x="1154955" y="1447800"/>
+            <a:ext cx="8825658" cy="3329581"/>
           </a:xfrm>
         </p:spPr>
         <p:txBody>
           <a:bodyPr anchor="b"/>
           <a:lstStyle>
-            <a:lvl1pPr algn="ctr">
-              <a:defRPr sz="6000"/>
+            <a:lvl1pPr>
+              <a:defRPr sz="7200"/>
             </a:lvl1pPr>
           </a:lstStyle>
           <a:p>
@@ -162,13 +519,13 @@
               <a:rPr lang="de-DE" smtClean="0"/>
               <a:t>Titelmasterformat durch Klicken bearbeiten</a:t>
             </a:r>
-            <a:endParaRPr lang="de-DE"/>
-          </a:p>
-        </p:txBody>
-      </p:sp>
-      <p:sp>
-        <p:nvSpPr>
-          <p:cNvPr id="3" name="Untertitel 2"/>
+            <a:endParaRPr lang="en-US" dirty="0"/>
+          </a:p>
+        </p:txBody>
+      </p:sp>
+      <p:sp>
+        <p:nvSpPr>
+          <p:cNvPr id="3" name="Subtitle 2"/>
           <p:cNvSpPr>
             <a:spLocks noGrp="1"/>
           </p:cNvSpPr>
@@ -178,48 +535,103 @@
         </p:nvSpPr>
         <p:spPr>
           <a:xfrm>
-            <a:off x="1524000" y="3602038"/>
-            <a:ext cx="9144000" cy="1655762"/>
+            <a:off x="1154955" y="4777380"/>
+            <a:ext cx="8825658" cy="861420"/>
           </a:xfrm>
         </p:spPr>
         <p:txBody>
-          <a:bodyPr/>
+          <a:bodyPr anchor="t"/>
           <a:lstStyle>
-            <a:lvl1pPr marL="0" indent="0" algn="ctr">
-              <a:buNone/>
-              <a:defRPr sz="2400"/>
+            <a:lvl1pPr marL="0" indent="0" algn="l">
+              <a:buNone/>
+              <a:defRPr cap="all">
+                <a:solidFill>
+                  <a:schemeClr val="bg2">
+                    <a:lumMod val="40000"/>
+                    <a:lumOff val="60000"/>
+                  </a:schemeClr>
+                </a:solidFill>
+              </a:defRPr>
             </a:lvl1pPr>
             <a:lvl2pPr marL="457200" indent="0" algn="ctr">
               <a:buNone/>
-              <a:defRPr sz="2000"/>
+              <a:defRPr>
+                <a:solidFill>
+                  <a:schemeClr val="tx1">
+                    <a:tint val="75000"/>
+                  </a:schemeClr>
+                </a:solidFill>
+              </a:defRPr>
             </a:lvl2pPr>
             <a:lvl3pPr marL="914400" indent="0" algn="ctr">
               <a:buNone/>
-              <a:defRPr sz="1800"/>
+              <a:defRPr>
+                <a:solidFill>
+                  <a:schemeClr val="tx1">
+                    <a:tint val="75000"/>
+                  </a:schemeClr>
+                </a:solidFill>
+              </a:defRPr>
             </a:lvl3pPr>
             <a:lvl4pPr marL="1371600" indent="0" algn="ctr">
               <a:buNone/>
-              <a:defRPr sz="1600"/>
+              <a:defRPr>
+                <a:solidFill>
+                  <a:schemeClr val="tx1">
+                    <a:tint val="75000"/>
+                  </a:schemeClr>
+                </a:solidFill>
+              </a:defRPr>
             </a:lvl4pPr>
             <a:lvl5pPr marL="1828800" indent="0" algn="ctr">
               <a:buNone/>
-              <a:defRPr sz="1600"/>
+              <a:defRPr>
+                <a:solidFill>
+                  <a:schemeClr val="tx1">
+                    <a:tint val="75000"/>
+                  </a:schemeClr>
+                </a:solidFill>
+              </a:defRPr>
             </a:lvl5pPr>
             <a:lvl6pPr marL="2286000" indent="0" algn="ctr">
               <a:buNone/>
-              <a:defRPr sz="1600"/>
+              <a:defRPr>
+                <a:solidFill>
+                  <a:schemeClr val="tx1">
+                    <a:tint val="75000"/>
+                  </a:schemeClr>
+                </a:solidFill>
+              </a:defRPr>
             </a:lvl6pPr>
             <a:lvl7pPr marL="2743200" indent="0" algn="ctr">
               <a:buNone/>
-              <a:defRPr sz="1600"/>
+              <a:defRPr>
+                <a:solidFill>
+                  <a:schemeClr val="tx1">
+                    <a:tint val="75000"/>
+                  </a:schemeClr>
+                </a:solidFill>
+              </a:defRPr>
             </a:lvl7pPr>
             <a:lvl8pPr marL="3200400" indent="0" algn="ctr">
               <a:buNone/>
-              <a:defRPr sz="1600"/>
+              <a:defRPr>
+                <a:solidFill>
+                  <a:schemeClr val="tx1">
+                    <a:tint val="75000"/>
+                  </a:schemeClr>
+                </a:solidFill>
+              </a:defRPr>
             </a:lvl8pPr>
             <a:lvl9pPr marL="3657600" indent="0" algn="ctr">
               <a:buNone/>
-              <a:defRPr sz="1600"/>
+              <a:defRPr>
+                <a:solidFill>
+                  <a:schemeClr val="tx1">
+                    <a:tint val="75000"/>
+                  </a:schemeClr>
+                </a:solidFill>
+              </a:defRPr>
             </a:lvl9pPr>
           </a:lstStyle>
           <a:p>
@@ -227,13 +639,13 @@
               <a:rPr lang="de-DE" smtClean="0"/>
               <a:t>Formatvorlage des Untertitelmasters durch Klicken bearbeiten</a:t>
             </a:r>
-            <a:endParaRPr lang="de-DE"/>
-          </a:p>
-        </p:txBody>
-      </p:sp>
-      <p:sp>
-        <p:nvSpPr>
-          <p:cNvPr id="4" name="Datumsplatzhalter 3"/>
+            <a:endParaRPr lang="en-US" dirty="0"/>
+          </a:p>
+        </p:txBody>
+      </p:sp>
+      <p:sp>
+        <p:nvSpPr>
+          <p:cNvPr id="4" name="Date Placeholder 3"/>
           <p:cNvSpPr>
             <a:spLocks noGrp="1"/>
           </p:cNvSpPr>
@@ -246,9 +658,9 @@
           <a:bodyPr/>
           <a:lstStyle/>
           <a:p>
-            <a:fld id="{764E822D-177B-44F8-9B3B-6AAE9BD6CCA3}" type="datetimeFigureOut">
-              <a:rPr lang="de-DE" smtClean="0"/>
-              <a:t>26.02.2020</a:t>
+            <a:fld id="{CEAFDB86-84E0-4A76-AEC5-9190A64EC944}" type="datetime1">
+              <a:rPr lang="de-DE" smtClean="0"/>
+              <a:t>28.02.2020</a:t>
             </a:fld>
             <a:endParaRPr lang="de-DE"/>
           </a:p>
@@ -256,7 +668,7 @@
       </p:sp>
       <p:sp>
         <p:nvSpPr>
-          <p:cNvPr id="5" name="Fußzeilenplatzhalter 4"/>
+          <p:cNvPr id="5" name="Footer Placeholder 4"/>
           <p:cNvSpPr>
             <a:spLocks noGrp="1"/>
           </p:cNvSpPr>
@@ -275,7 +687,7 @@
       </p:sp>
       <p:sp>
         <p:nvSpPr>
-          <p:cNvPr id="6" name="Foliennummernplatzhalter 5"/>
+          <p:cNvPr id="6" name="Slide Number Placeholder 5"/>
           <p:cNvSpPr>
             <a:spLocks noGrp="1"/>
           </p:cNvSpPr>
@@ -299,7 +711,7 @@
     </p:spTree>
     <p:extLst>
       <p:ext uri="{BB962C8B-B14F-4D97-AF65-F5344CB8AC3E}">
-        <p14:creationId xmlns:p14="http://schemas.microsoft.com/office/powerpoint/2010/main" val="4262898632"/>
+        <p14:creationId xmlns:p14="http://schemas.microsoft.com/office/powerpoint/2010/main" val="2172882699"/>
       </p:ext>
     </p:extLst>
   </p:cSld>
@@ -310,6 +722,2572 @@
 </file>
 
 <file path=ppt/slideLayouts/slideLayout10.xml><?xml version="1.0" encoding="utf-8"?>
+<p:sldLayout xmlns:a="http://schemas.openxmlformats.org/drawingml/2006/main" xmlns:r="http://schemas.openxmlformats.org/officeDocument/2006/relationships" xmlns:p="http://schemas.openxmlformats.org/presentationml/2006/main" preserve="1">
+  <p:cSld name="Panoramabild mit Beschriftung">
+    <p:spTree>
+      <p:nvGrpSpPr>
+        <p:cNvPr id="1" name=""/>
+        <p:cNvGrpSpPr/>
+        <p:nvPr/>
+      </p:nvGrpSpPr>
+      <p:grpSpPr>
+        <a:xfrm>
+          <a:off x="0" y="0"/>
+          <a:ext cx="0" cy="0"/>
+          <a:chOff x="0" y="0"/>
+          <a:chExt cx="0" cy="0"/>
+        </a:xfrm>
+      </p:grpSpPr>
+      <p:sp>
+        <p:nvSpPr>
+          <p:cNvPr id="2" name="Title 1"/>
+          <p:cNvSpPr>
+            <a:spLocks noGrp="1"/>
+          </p:cNvSpPr>
+          <p:nvPr>
+            <p:ph type="title"/>
+          </p:nvPr>
+        </p:nvSpPr>
+        <p:spPr>
+          <a:xfrm>
+            <a:off x="1154956" y="4800587"/>
+            <a:ext cx="8825657" cy="566738"/>
+          </a:xfrm>
+        </p:spPr>
+        <p:txBody>
+          <a:bodyPr anchor="b">
+            <a:normAutofit/>
+          </a:bodyPr>
+          <a:lstStyle>
+            <a:lvl1pPr algn="l">
+              <a:defRPr sz="2400" b="0"/>
+            </a:lvl1pPr>
+          </a:lstStyle>
+          <a:p>
+            <a:r>
+              <a:rPr lang="de-DE" smtClean="0"/>
+              <a:t>Titelmasterformat durch Klicken bearbeiten</a:t>
+            </a:r>
+            <a:endParaRPr lang="en-US" dirty="0"/>
+          </a:p>
+        </p:txBody>
+      </p:sp>
+      <p:sp>
+        <p:nvSpPr>
+          <p:cNvPr id="3" name="Picture Placeholder 2"/>
+          <p:cNvSpPr>
+            <a:spLocks noGrp="1" noChangeAspect="1"/>
+          </p:cNvSpPr>
+          <p:nvPr>
+            <p:ph type="pic" idx="1"/>
+          </p:nvPr>
+        </p:nvSpPr>
+        <p:spPr>
+          <a:xfrm>
+            <a:off x="1154955" y="685800"/>
+            <a:ext cx="8825658" cy="3640666"/>
+          </a:xfrm>
+          <a:prstGeom prst="roundRect">
+            <a:avLst>
+              <a:gd name="adj" fmla="val 1858"/>
+            </a:avLst>
+          </a:prstGeom>
+          <a:effectLst>
+            <a:outerShdw blurRad="50800" dist="50800" dir="5400000" algn="tl" rotWithShape="0">
+              <a:srgbClr val="000000">
+                <a:alpha val="43000"/>
+              </a:srgbClr>
+            </a:outerShdw>
+          </a:effectLst>
+        </p:spPr>
+        <p:txBody>
+          <a:bodyPr anchor="t">
+            <a:normAutofit/>
+          </a:bodyPr>
+          <a:lstStyle>
+            <a:lvl1pPr marL="0" indent="0" algn="ctr">
+              <a:buNone/>
+              <a:defRPr sz="1600"/>
+            </a:lvl1pPr>
+            <a:lvl2pPr marL="457200" indent="0">
+              <a:buNone/>
+              <a:defRPr sz="1600"/>
+            </a:lvl2pPr>
+            <a:lvl3pPr marL="914400" indent="0">
+              <a:buNone/>
+              <a:defRPr sz="1600"/>
+            </a:lvl3pPr>
+            <a:lvl4pPr marL="1371600" indent="0">
+              <a:buNone/>
+              <a:defRPr sz="1600"/>
+            </a:lvl4pPr>
+            <a:lvl5pPr marL="1828800" indent="0">
+              <a:buNone/>
+              <a:defRPr sz="1600"/>
+            </a:lvl5pPr>
+            <a:lvl6pPr marL="2286000" indent="0">
+              <a:buNone/>
+              <a:defRPr sz="1600"/>
+            </a:lvl6pPr>
+            <a:lvl7pPr marL="2743200" indent="0">
+              <a:buNone/>
+              <a:defRPr sz="1600"/>
+            </a:lvl7pPr>
+            <a:lvl8pPr marL="3200400" indent="0">
+              <a:buNone/>
+              <a:defRPr sz="1600"/>
+            </a:lvl8pPr>
+            <a:lvl9pPr marL="3657600" indent="0">
+              <a:buNone/>
+              <a:defRPr sz="1600"/>
+            </a:lvl9pPr>
+          </a:lstStyle>
+          <a:p>
+            <a:r>
+              <a:rPr lang="de-DE" smtClean="0"/>
+              <a:t>Bild durch Klicken auf Symbol hinzufügen</a:t>
+            </a:r>
+            <a:endParaRPr lang="en-US" dirty="0"/>
+          </a:p>
+        </p:txBody>
+      </p:sp>
+      <p:sp>
+        <p:nvSpPr>
+          <p:cNvPr id="4" name="Text Placeholder 3"/>
+          <p:cNvSpPr>
+            <a:spLocks noGrp="1"/>
+          </p:cNvSpPr>
+          <p:nvPr>
+            <p:ph type="body" sz="half" idx="2"/>
+          </p:nvPr>
+        </p:nvSpPr>
+        <p:spPr>
+          <a:xfrm>
+            <a:off x="1154956" y="5367325"/>
+            <a:ext cx="8825656" cy="493712"/>
+          </a:xfrm>
+        </p:spPr>
+        <p:txBody>
+          <a:bodyPr>
+            <a:normAutofit/>
+          </a:bodyPr>
+          <a:lstStyle>
+            <a:lvl1pPr marL="0" indent="0">
+              <a:buNone/>
+              <a:defRPr sz="1200"/>
+            </a:lvl1pPr>
+            <a:lvl2pPr marL="457200" indent="0">
+              <a:buNone/>
+              <a:defRPr sz="1200"/>
+            </a:lvl2pPr>
+            <a:lvl3pPr marL="914400" indent="0">
+              <a:buNone/>
+              <a:defRPr sz="1000"/>
+            </a:lvl3pPr>
+            <a:lvl4pPr marL="1371600" indent="0">
+              <a:buNone/>
+              <a:defRPr sz="900"/>
+            </a:lvl4pPr>
+            <a:lvl5pPr marL="1828800" indent="0">
+              <a:buNone/>
+              <a:defRPr sz="900"/>
+            </a:lvl5pPr>
+            <a:lvl6pPr marL="2286000" indent="0">
+              <a:buNone/>
+              <a:defRPr sz="900"/>
+            </a:lvl6pPr>
+            <a:lvl7pPr marL="2743200" indent="0">
+              <a:buNone/>
+              <a:defRPr sz="900"/>
+            </a:lvl7pPr>
+            <a:lvl8pPr marL="3200400" indent="0">
+              <a:buNone/>
+              <a:defRPr sz="900"/>
+            </a:lvl8pPr>
+            <a:lvl9pPr marL="3657600" indent="0">
+              <a:buNone/>
+              <a:defRPr sz="900"/>
+            </a:lvl9pPr>
+          </a:lstStyle>
+          <a:p>
+            <a:pPr lvl="0"/>
+            <a:r>
+              <a:rPr lang="de-DE" smtClean="0"/>
+              <a:t>Formatvorlagen des Textmasters bearbeiten</a:t>
+            </a:r>
+          </a:p>
+        </p:txBody>
+      </p:sp>
+      <p:sp>
+        <p:nvSpPr>
+          <p:cNvPr id="5" name="Date Placeholder 4"/>
+          <p:cNvSpPr>
+            <a:spLocks noGrp="1"/>
+          </p:cNvSpPr>
+          <p:nvPr>
+            <p:ph type="dt" sz="half" idx="10"/>
+          </p:nvPr>
+        </p:nvSpPr>
+        <p:spPr/>
+        <p:txBody>
+          <a:bodyPr/>
+          <a:lstStyle/>
+          <a:p>
+            <a:fld id="{27F8C9ED-DEFB-4E43-BBAF-AEC85A6FB868}" type="datetime1">
+              <a:rPr lang="de-DE" smtClean="0"/>
+              <a:t>28.02.2020</a:t>
+            </a:fld>
+            <a:endParaRPr lang="de-DE"/>
+          </a:p>
+        </p:txBody>
+      </p:sp>
+      <p:sp>
+        <p:nvSpPr>
+          <p:cNvPr id="6" name="Footer Placeholder 5"/>
+          <p:cNvSpPr>
+            <a:spLocks noGrp="1"/>
+          </p:cNvSpPr>
+          <p:nvPr>
+            <p:ph type="ftr" sz="quarter" idx="11"/>
+          </p:nvPr>
+        </p:nvSpPr>
+        <p:spPr/>
+        <p:txBody>
+          <a:bodyPr/>
+          <a:lstStyle/>
+          <a:p>
+            <a:endParaRPr lang="de-DE"/>
+          </a:p>
+        </p:txBody>
+      </p:sp>
+      <p:sp>
+        <p:nvSpPr>
+          <p:cNvPr id="7" name="Slide Number Placeholder 6"/>
+          <p:cNvSpPr>
+            <a:spLocks noGrp="1"/>
+          </p:cNvSpPr>
+          <p:nvPr>
+            <p:ph type="sldNum" sz="quarter" idx="12"/>
+          </p:nvPr>
+        </p:nvSpPr>
+        <p:spPr/>
+        <p:txBody>
+          <a:bodyPr/>
+          <a:lstStyle/>
+          <a:p>
+            <a:fld id="{4D97A03B-941A-4DB2-9027-144FC3ED8D76}" type="slidenum">
+              <a:rPr lang="de-DE" smtClean="0"/>
+              <a:t>‹Nr.›</a:t>
+            </a:fld>
+            <a:endParaRPr lang="de-DE"/>
+          </a:p>
+        </p:txBody>
+      </p:sp>
+    </p:spTree>
+    <p:extLst>
+      <p:ext uri="{BB962C8B-B14F-4D97-AF65-F5344CB8AC3E}">
+        <p14:creationId xmlns:p14="http://schemas.microsoft.com/office/powerpoint/2010/main" val="495161926"/>
+      </p:ext>
+    </p:extLst>
+  </p:cSld>
+  <p:clrMapOvr>
+    <a:masterClrMapping/>
+  </p:clrMapOvr>
+</p:sldLayout>
+</file>
+
+<file path=ppt/slideLayouts/slideLayout11.xml><?xml version="1.0" encoding="utf-8"?>
+<p:sldLayout xmlns:a="http://schemas.openxmlformats.org/drawingml/2006/main" xmlns:r="http://schemas.openxmlformats.org/officeDocument/2006/relationships" xmlns:p="http://schemas.openxmlformats.org/presentationml/2006/main" preserve="1">
+  <p:cSld name="Titel und Beschriftung">
+    <p:spTree>
+      <p:nvGrpSpPr>
+        <p:cNvPr id="1" name=""/>
+        <p:cNvGrpSpPr/>
+        <p:nvPr/>
+      </p:nvGrpSpPr>
+      <p:grpSpPr>
+        <a:xfrm>
+          <a:off x="0" y="0"/>
+          <a:ext cx="0" cy="0"/>
+          <a:chOff x="0" y="0"/>
+          <a:chExt cx="0" cy="0"/>
+        </a:xfrm>
+      </p:grpSpPr>
+      <p:sp>
+        <p:nvSpPr>
+          <p:cNvPr id="2" name="Title 1"/>
+          <p:cNvSpPr>
+            <a:spLocks noGrp="1"/>
+          </p:cNvSpPr>
+          <p:nvPr>
+            <p:ph type="title"/>
+          </p:nvPr>
+        </p:nvSpPr>
+        <p:spPr>
+          <a:xfrm>
+            <a:off x="1154954" y="1447800"/>
+            <a:ext cx="8825659" cy="1981200"/>
+          </a:xfrm>
+        </p:spPr>
+        <p:txBody>
+          <a:bodyPr/>
+          <a:lstStyle>
+            <a:lvl1pPr>
+              <a:defRPr sz="4800"/>
+            </a:lvl1pPr>
+          </a:lstStyle>
+          <a:p>
+            <a:r>
+              <a:rPr lang="de-DE" smtClean="0"/>
+              <a:t>Titelmasterformat durch Klicken bearbeiten</a:t>
+            </a:r>
+            <a:endParaRPr lang="en-US" dirty="0"/>
+          </a:p>
+        </p:txBody>
+      </p:sp>
+      <p:sp>
+        <p:nvSpPr>
+          <p:cNvPr id="8" name="Text Placeholder 3"/>
+          <p:cNvSpPr>
+            <a:spLocks noGrp="1"/>
+          </p:cNvSpPr>
+          <p:nvPr>
+            <p:ph type="body" sz="half" idx="2"/>
+          </p:nvPr>
+        </p:nvSpPr>
+        <p:spPr>
+          <a:xfrm>
+            <a:off x="1154954" y="3657600"/>
+            <a:ext cx="8825659" cy="2362200"/>
+          </a:xfrm>
+        </p:spPr>
+        <p:txBody>
+          <a:bodyPr anchor="ctr">
+            <a:normAutofit/>
+          </a:bodyPr>
+          <a:lstStyle>
+            <a:lvl1pPr marL="0" indent="0">
+              <a:buNone/>
+              <a:defRPr sz="1800"/>
+            </a:lvl1pPr>
+            <a:lvl2pPr marL="457200" indent="0">
+              <a:buNone/>
+              <a:defRPr sz="1200"/>
+            </a:lvl2pPr>
+            <a:lvl3pPr marL="914400" indent="0">
+              <a:buNone/>
+              <a:defRPr sz="1000"/>
+            </a:lvl3pPr>
+            <a:lvl4pPr marL="1371600" indent="0">
+              <a:buNone/>
+              <a:defRPr sz="900"/>
+            </a:lvl4pPr>
+            <a:lvl5pPr marL="1828800" indent="0">
+              <a:buNone/>
+              <a:defRPr sz="900"/>
+            </a:lvl5pPr>
+            <a:lvl6pPr marL="2286000" indent="0">
+              <a:buNone/>
+              <a:defRPr sz="900"/>
+            </a:lvl6pPr>
+            <a:lvl7pPr marL="2743200" indent="0">
+              <a:buNone/>
+              <a:defRPr sz="900"/>
+            </a:lvl7pPr>
+            <a:lvl8pPr marL="3200400" indent="0">
+              <a:buNone/>
+              <a:defRPr sz="900"/>
+            </a:lvl8pPr>
+            <a:lvl9pPr marL="3657600" indent="0">
+              <a:buNone/>
+              <a:defRPr sz="900"/>
+            </a:lvl9pPr>
+          </a:lstStyle>
+          <a:p>
+            <a:pPr lvl="0"/>
+            <a:r>
+              <a:rPr lang="de-DE" smtClean="0"/>
+              <a:t>Formatvorlagen des Textmasters bearbeiten</a:t>
+            </a:r>
+          </a:p>
+        </p:txBody>
+      </p:sp>
+      <p:sp>
+        <p:nvSpPr>
+          <p:cNvPr id="4" name="Date Placeholder 3"/>
+          <p:cNvSpPr>
+            <a:spLocks noGrp="1"/>
+          </p:cNvSpPr>
+          <p:nvPr>
+            <p:ph type="dt" sz="half" idx="10"/>
+          </p:nvPr>
+        </p:nvSpPr>
+        <p:spPr/>
+        <p:txBody>
+          <a:bodyPr/>
+          <a:lstStyle/>
+          <a:p>
+            <a:fld id="{E5D9D613-BC0A-4438-91F3-68EC7E341B9C}" type="datetime1">
+              <a:rPr lang="de-DE" smtClean="0"/>
+              <a:t>28.02.2020</a:t>
+            </a:fld>
+            <a:endParaRPr lang="de-DE"/>
+          </a:p>
+        </p:txBody>
+      </p:sp>
+      <p:sp>
+        <p:nvSpPr>
+          <p:cNvPr id="5" name="Footer Placeholder 4"/>
+          <p:cNvSpPr>
+            <a:spLocks noGrp="1"/>
+          </p:cNvSpPr>
+          <p:nvPr>
+            <p:ph type="ftr" sz="quarter" idx="11"/>
+          </p:nvPr>
+        </p:nvSpPr>
+        <p:spPr/>
+        <p:txBody>
+          <a:bodyPr/>
+          <a:lstStyle/>
+          <a:p>
+            <a:endParaRPr lang="de-DE"/>
+          </a:p>
+        </p:txBody>
+      </p:sp>
+      <p:sp>
+        <p:nvSpPr>
+          <p:cNvPr id="6" name="Slide Number Placeholder 5"/>
+          <p:cNvSpPr>
+            <a:spLocks noGrp="1"/>
+          </p:cNvSpPr>
+          <p:nvPr>
+            <p:ph type="sldNum" sz="quarter" idx="12"/>
+          </p:nvPr>
+        </p:nvSpPr>
+        <p:spPr/>
+        <p:txBody>
+          <a:bodyPr/>
+          <a:lstStyle/>
+          <a:p>
+            <a:fld id="{4D97A03B-941A-4DB2-9027-144FC3ED8D76}" type="slidenum">
+              <a:rPr lang="de-DE" smtClean="0"/>
+              <a:t>‹Nr.›</a:t>
+            </a:fld>
+            <a:endParaRPr lang="de-DE"/>
+          </a:p>
+        </p:txBody>
+      </p:sp>
+    </p:spTree>
+    <p:extLst>
+      <p:ext uri="{BB962C8B-B14F-4D97-AF65-F5344CB8AC3E}">
+        <p14:creationId xmlns:p14="http://schemas.microsoft.com/office/powerpoint/2010/main" val="3051229939"/>
+      </p:ext>
+    </p:extLst>
+  </p:cSld>
+  <p:clrMapOvr>
+    <a:masterClrMapping/>
+  </p:clrMapOvr>
+</p:sldLayout>
+</file>
+
+<file path=ppt/slideLayouts/slideLayout12.xml><?xml version="1.0" encoding="utf-8"?>
+<p:sldLayout xmlns:a="http://schemas.openxmlformats.org/drawingml/2006/main" xmlns:r="http://schemas.openxmlformats.org/officeDocument/2006/relationships" xmlns:p="http://schemas.openxmlformats.org/presentationml/2006/main" preserve="1">
+  <p:cSld name="Zitat mit Beschriftung">
+    <p:spTree>
+      <p:nvGrpSpPr>
+        <p:cNvPr id="1" name=""/>
+        <p:cNvGrpSpPr/>
+        <p:nvPr/>
+      </p:nvGrpSpPr>
+      <p:grpSpPr>
+        <a:xfrm>
+          <a:off x="0" y="0"/>
+          <a:ext cx="0" cy="0"/>
+          <a:chOff x="0" y="0"/>
+          <a:chExt cx="0" cy="0"/>
+        </a:xfrm>
+      </p:grpSpPr>
+      <p:sp>
+        <p:nvSpPr>
+          <p:cNvPr id="2" name="Title 1"/>
+          <p:cNvSpPr>
+            <a:spLocks noGrp="1"/>
+          </p:cNvSpPr>
+          <p:nvPr>
+            <p:ph type="title"/>
+          </p:nvPr>
+        </p:nvSpPr>
+        <p:spPr>
+          <a:xfrm>
+            <a:off x="1574801" y="1447800"/>
+            <a:ext cx="7999315" cy="2323374"/>
+          </a:xfrm>
+        </p:spPr>
+        <p:txBody>
+          <a:bodyPr/>
+          <a:lstStyle>
+            <a:lvl1pPr>
+              <a:defRPr sz="4800"/>
+            </a:lvl1pPr>
+          </a:lstStyle>
+          <a:p>
+            <a:r>
+              <a:rPr lang="de-DE" smtClean="0"/>
+              <a:t>Titelmasterformat durch Klicken bearbeiten</a:t>
+            </a:r>
+            <a:endParaRPr lang="en-US" dirty="0"/>
+          </a:p>
+        </p:txBody>
+      </p:sp>
+      <p:sp>
+        <p:nvSpPr>
+          <p:cNvPr id="11" name="Text Placeholder 3"/>
+          <p:cNvSpPr>
+            <a:spLocks noGrp="1"/>
+          </p:cNvSpPr>
+          <p:nvPr>
+            <p:ph type="body" sz="half" idx="14"/>
+          </p:nvPr>
+        </p:nvSpPr>
+        <p:spPr>
+          <a:xfrm>
+            <a:off x="1930400" y="3771174"/>
+            <a:ext cx="7279649" cy="342174"/>
+          </a:xfrm>
+        </p:spPr>
+        <p:txBody>
+          <a:bodyPr vert="horz" lIns="91440" tIns="45720" rIns="91440" bIns="45720" rtlCol="0" anchor="t">
+            <a:normAutofit/>
+          </a:bodyPr>
+          <a:lstStyle>
+            <a:lvl1pPr marL="0" indent="0">
+              <a:buNone/>
+              <a:defRPr lang="en-US" sz="1400" b="0" i="0" kern="1200" cap="small" dirty="0">
+                <a:solidFill>
+                  <a:schemeClr val="bg2">
+                    <a:lumMod val="40000"/>
+                    <a:lumOff val="60000"/>
+                  </a:schemeClr>
+                </a:solidFill>
+                <a:latin typeface="+mj-lt"/>
+                <a:ea typeface="+mj-ea"/>
+                <a:cs typeface="+mj-cs"/>
+              </a:defRPr>
+            </a:lvl1pPr>
+            <a:lvl2pPr marL="457200" indent="0">
+              <a:buNone/>
+              <a:defRPr sz="1200"/>
+            </a:lvl2pPr>
+            <a:lvl3pPr marL="914400" indent="0">
+              <a:buNone/>
+              <a:defRPr sz="1000"/>
+            </a:lvl3pPr>
+            <a:lvl4pPr marL="1371600" indent="0">
+              <a:buNone/>
+              <a:defRPr sz="900"/>
+            </a:lvl4pPr>
+            <a:lvl5pPr marL="1828800" indent="0">
+              <a:buNone/>
+              <a:defRPr sz="900"/>
+            </a:lvl5pPr>
+            <a:lvl6pPr marL="2286000" indent="0">
+              <a:buNone/>
+              <a:defRPr sz="900"/>
+            </a:lvl6pPr>
+            <a:lvl7pPr marL="2743200" indent="0">
+              <a:buNone/>
+              <a:defRPr sz="900"/>
+            </a:lvl7pPr>
+            <a:lvl8pPr marL="3200400" indent="0">
+              <a:buNone/>
+              <a:defRPr sz="900"/>
+            </a:lvl8pPr>
+            <a:lvl9pPr marL="3657600" indent="0">
+              <a:buNone/>
+              <a:defRPr sz="900"/>
+            </a:lvl9pPr>
+          </a:lstStyle>
+          <a:p>
+            <a:pPr marL="0" lvl="0" indent="0">
+              <a:buNone/>
+            </a:pPr>
+            <a:r>
+              <a:rPr lang="de-DE" smtClean="0"/>
+              <a:t>Formatvorlagen des Textmasters bearbeiten</a:t>
+            </a:r>
+          </a:p>
+        </p:txBody>
+      </p:sp>
+      <p:sp>
+        <p:nvSpPr>
+          <p:cNvPr id="10" name="Text Placeholder 3"/>
+          <p:cNvSpPr>
+            <a:spLocks noGrp="1"/>
+          </p:cNvSpPr>
+          <p:nvPr>
+            <p:ph type="body" sz="half" idx="2"/>
+          </p:nvPr>
+        </p:nvSpPr>
+        <p:spPr>
+          <a:xfrm>
+            <a:off x="1154954" y="4350657"/>
+            <a:ext cx="8825659" cy="1676400"/>
+          </a:xfrm>
+        </p:spPr>
+        <p:txBody>
+          <a:bodyPr anchor="ctr">
+            <a:normAutofit/>
+          </a:bodyPr>
+          <a:lstStyle>
+            <a:lvl1pPr marL="0" indent="0">
+              <a:buNone/>
+              <a:defRPr sz="1800"/>
+            </a:lvl1pPr>
+            <a:lvl2pPr marL="457200" indent="0">
+              <a:buNone/>
+              <a:defRPr sz="1200"/>
+            </a:lvl2pPr>
+            <a:lvl3pPr marL="914400" indent="0">
+              <a:buNone/>
+              <a:defRPr sz="1000"/>
+            </a:lvl3pPr>
+            <a:lvl4pPr marL="1371600" indent="0">
+              <a:buNone/>
+              <a:defRPr sz="900"/>
+            </a:lvl4pPr>
+            <a:lvl5pPr marL="1828800" indent="0">
+              <a:buNone/>
+              <a:defRPr sz="900"/>
+            </a:lvl5pPr>
+            <a:lvl6pPr marL="2286000" indent="0">
+              <a:buNone/>
+              <a:defRPr sz="900"/>
+            </a:lvl6pPr>
+            <a:lvl7pPr marL="2743200" indent="0">
+              <a:buNone/>
+              <a:defRPr sz="900"/>
+            </a:lvl7pPr>
+            <a:lvl8pPr marL="3200400" indent="0">
+              <a:buNone/>
+              <a:defRPr sz="900"/>
+            </a:lvl8pPr>
+            <a:lvl9pPr marL="3657600" indent="0">
+              <a:buNone/>
+              <a:defRPr sz="900"/>
+            </a:lvl9pPr>
+          </a:lstStyle>
+          <a:p>
+            <a:pPr lvl="0"/>
+            <a:r>
+              <a:rPr lang="de-DE" smtClean="0"/>
+              <a:t>Formatvorlagen des Textmasters bearbeiten</a:t>
+            </a:r>
+          </a:p>
+        </p:txBody>
+      </p:sp>
+      <p:sp>
+        <p:nvSpPr>
+          <p:cNvPr id="4" name="Date Placeholder 3"/>
+          <p:cNvSpPr>
+            <a:spLocks noGrp="1"/>
+          </p:cNvSpPr>
+          <p:nvPr>
+            <p:ph type="dt" sz="half" idx="10"/>
+          </p:nvPr>
+        </p:nvSpPr>
+        <p:spPr/>
+        <p:txBody>
+          <a:bodyPr/>
+          <a:lstStyle/>
+          <a:p>
+            <a:fld id="{378B06CD-6200-497D-86B0-BD113D72146B}" type="datetime1">
+              <a:rPr lang="de-DE" smtClean="0"/>
+              <a:t>28.02.2020</a:t>
+            </a:fld>
+            <a:endParaRPr lang="de-DE"/>
+          </a:p>
+        </p:txBody>
+      </p:sp>
+      <p:sp>
+        <p:nvSpPr>
+          <p:cNvPr id="5" name="Footer Placeholder 4"/>
+          <p:cNvSpPr>
+            <a:spLocks noGrp="1"/>
+          </p:cNvSpPr>
+          <p:nvPr>
+            <p:ph type="ftr" sz="quarter" idx="11"/>
+          </p:nvPr>
+        </p:nvSpPr>
+        <p:spPr/>
+        <p:txBody>
+          <a:bodyPr/>
+          <a:lstStyle/>
+          <a:p>
+            <a:endParaRPr lang="de-DE"/>
+          </a:p>
+        </p:txBody>
+      </p:sp>
+      <p:sp>
+        <p:nvSpPr>
+          <p:cNvPr id="6" name="Slide Number Placeholder 5"/>
+          <p:cNvSpPr>
+            <a:spLocks noGrp="1"/>
+          </p:cNvSpPr>
+          <p:nvPr>
+            <p:ph type="sldNum" sz="quarter" idx="12"/>
+          </p:nvPr>
+        </p:nvSpPr>
+        <p:spPr/>
+        <p:txBody>
+          <a:bodyPr/>
+          <a:lstStyle/>
+          <a:p>
+            <a:fld id="{4D97A03B-941A-4DB2-9027-144FC3ED8D76}" type="slidenum">
+              <a:rPr lang="de-DE" smtClean="0"/>
+              <a:t>‹Nr.›</a:t>
+            </a:fld>
+            <a:endParaRPr lang="de-DE"/>
+          </a:p>
+        </p:txBody>
+      </p:sp>
+      <p:sp>
+        <p:nvSpPr>
+          <p:cNvPr id="12" name="TextBox 11"/>
+          <p:cNvSpPr txBox="1"/>
+          <p:nvPr/>
+        </p:nvSpPr>
+        <p:spPr>
+          <a:xfrm>
+            <a:off x="898295" y="971253"/>
+            <a:ext cx="801912" cy="1969770"/>
+          </a:xfrm>
+          <a:prstGeom prst="rect">
+            <a:avLst/>
+          </a:prstGeom>
+          <a:noFill/>
+        </p:spPr>
+        <p:txBody>
+          <a:bodyPr wrap="square" rtlCol="0">
+            <a:spAutoFit/>
+          </a:bodyPr>
+          <a:lstStyle>
+            <a:defPPr>
+              <a:defRPr lang="en-US"/>
+            </a:defPPr>
+            <a:lvl1pPr algn="r">
+              <a:defRPr sz="12200" b="0" i="0">
+                <a:solidFill>
+                  <a:schemeClr val="bg2">
+                    <a:lumMod val="40000"/>
+                    <a:lumOff val="60000"/>
+                  </a:schemeClr>
+                </a:solidFill>
+                <a:latin typeface="Arial"/>
+                <a:ea typeface="+mj-ea"/>
+                <a:cs typeface="+mj-cs"/>
+              </a:defRPr>
+            </a:lvl1pPr>
+          </a:lstStyle>
+          <a:p>
+            <a:pPr lvl="0"/>
+            <a:r>
+              <a:rPr lang="en-US" dirty="0"/>
+              <a:t>“</a:t>
+            </a:r>
+          </a:p>
+        </p:txBody>
+      </p:sp>
+      <p:sp>
+        <p:nvSpPr>
+          <p:cNvPr id="15" name="TextBox 14"/>
+          <p:cNvSpPr txBox="1"/>
+          <p:nvPr/>
+        </p:nvSpPr>
+        <p:spPr>
+          <a:xfrm>
+            <a:off x="9330490" y="2613787"/>
+            <a:ext cx="801912" cy="1969770"/>
+          </a:xfrm>
+          <a:prstGeom prst="rect">
+            <a:avLst/>
+          </a:prstGeom>
+          <a:noFill/>
+        </p:spPr>
+        <p:txBody>
+          <a:bodyPr wrap="square" rtlCol="0">
+            <a:spAutoFit/>
+          </a:bodyPr>
+          <a:lstStyle>
+            <a:defPPr>
+              <a:defRPr lang="en-US"/>
+            </a:defPPr>
+            <a:lvl1pPr algn="r">
+              <a:defRPr sz="12200" b="0" i="0">
+                <a:solidFill>
+                  <a:schemeClr val="bg2">
+                    <a:lumMod val="40000"/>
+                    <a:lumOff val="60000"/>
+                  </a:schemeClr>
+                </a:solidFill>
+                <a:latin typeface="Arial"/>
+                <a:ea typeface="+mj-ea"/>
+                <a:cs typeface="+mj-cs"/>
+              </a:defRPr>
+            </a:lvl1pPr>
+          </a:lstStyle>
+          <a:p>
+            <a:pPr lvl="0"/>
+            <a:r>
+              <a:rPr lang="en-US" dirty="0"/>
+              <a:t>”</a:t>
+            </a:r>
+          </a:p>
+        </p:txBody>
+      </p:sp>
+    </p:spTree>
+    <p:extLst>
+      <p:ext uri="{BB962C8B-B14F-4D97-AF65-F5344CB8AC3E}">
+        <p14:creationId xmlns:p14="http://schemas.microsoft.com/office/powerpoint/2010/main" val="1461269599"/>
+      </p:ext>
+    </p:extLst>
+  </p:cSld>
+  <p:clrMapOvr>
+    <a:masterClrMapping/>
+  </p:clrMapOvr>
+</p:sldLayout>
+</file>
+
+<file path=ppt/slideLayouts/slideLayout13.xml><?xml version="1.0" encoding="utf-8"?>
+<p:sldLayout xmlns:a="http://schemas.openxmlformats.org/drawingml/2006/main" xmlns:r="http://schemas.openxmlformats.org/officeDocument/2006/relationships" xmlns:p="http://schemas.openxmlformats.org/presentationml/2006/main" preserve="1">
+  <p:cSld name="Namenskarte">
+    <p:spTree>
+      <p:nvGrpSpPr>
+        <p:cNvPr id="1" name=""/>
+        <p:cNvGrpSpPr/>
+        <p:nvPr/>
+      </p:nvGrpSpPr>
+      <p:grpSpPr>
+        <a:xfrm>
+          <a:off x="0" y="0"/>
+          <a:ext cx="0" cy="0"/>
+          <a:chOff x="0" y="0"/>
+          <a:chExt cx="0" cy="0"/>
+        </a:xfrm>
+      </p:grpSpPr>
+      <p:sp>
+        <p:nvSpPr>
+          <p:cNvPr id="2" name="Title 1"/>
+          <p:cNvSpPr>
+            <a:spLocks noGrp="1"/>
+          </p:cNvSpPr>
+          <p:nvPr>
+            <p:ph type="title"/>
+          </p:nvPr>
+        </p:nvSpPr>
+        <p:spPr>
+          <a:xfrm>
+            <a:off x="1154954" y="3124201"/>
+            <a:ext cx="8825660" cy="1653180"/>
+          </a:xfrm>
+        </p:spPr>
+        <p:txBody>
+          <a:bodyPr anchor="b"/>
+          <a:lstStyle>
+            <a:lvl1pPr algn="l">
+              <a:defRPr sz="4000" b="0" cap="none"/>
+            </a:lvl1pPr>
+          </a:lstStyle>
+          <a:p>
+            <a:r>
+              <a:rPr lang="de-DE" smtClean="0"/>
+              <a:t>Titelmasterformat durch Klicken bearbeiten</a:t>
+            </a:r>
+            <a:endParaRPr lang="en-US" dirty="0"/>
+          </a:p>
+        </p:txBody>
+      </p:sp>
+      <p:sp>
+        <p:nvSpPr>
+          <p:cNvPr id="3" name="Text Placeholder 2"/>
+          <p:cNvSpPr>
+            <a:spLocks noGrp="1"/>
+          </p:cNvSpPr>
+          <p:nvPr>
+            <p:ph type="body" idx="1"/>
+          </p:nvPr>
+        </p:nvSpPr>
+        <p:spPr>
+          <a:xfrm>
+            <a:off x="1154954" y="4777381"/>
+            <a:ext cx="8825659" cy="860400"/>
+          </a:xfrm>
+        </p:spPr>
+        <p:txBody>
+          <a:bodyPr anchor="t"/>
+          <a:lstStyle>
+            <a:lvl1pPr marL="0" indent="0" algn="l">
+              <a:buNone/>
+              <a:defRPr sz="2000" cap="none">
+                <a:solidFill>
+                  <a:schemeClr val="bg2">
+                    <a:lumMod val="40000"/>
+                    <a:lumOff val="60000"/>
+                  </a:schemeClr>
+                </a:solidFill>
+              </a:defRPr>
+            </a:lvl1pPr>
+            <a:lvl2pPr marL="457200" indent="0">
+              <a:buNone/>
+              <a:defRPr sz="1800">
+                <a:solidFill>
+                  <a:schemeClr val="tx1">
+                    <a:tint val="75000"/>
+                  </a:schemeClr>
+                </a:solidFill>
+              </a:defRPr>
+            </a:lvl2pPr>
+            <a:lvl3pPr marL="914400" indent="0">
+              <a:buNone/>
+              <a:defRPr sz="1600">
+                <a:solidFill>
+                  <a:schemeClr val="tx1">
+                    <a:tint val="75000"/>
+                  </a:schemeClr>
+                </a:solidFill>
+              </a:defRPr>
+            </a:lvl3pPr>
+            <a:lvl4pPr marL="1371600" indent="0">
+              <a:buNone/>
+              <a:defRPr sz="1400">
+                <a:solidFill>
+                  <a:schemeClr val="tx1">
+                    <a:tint val="75000"/>
+                  </a:schemeClr>
+                </a:solidFill>
+              </a:defRPr>
+            </a:lvl4pPr>
+            <a:lvl5pPr marL="1828800" indent="0">
+              <a:buNone/>
+              <a:defRPr sz="1400">
+                <a:solidFill>
+                  <a:schemeClr val="tx1">
+                    <a:tint val="75000"/>
+                  </a:schemeClr>
+                </a:solidFill>
+              </a:defRPr>
+            </a:lvl5pPr>
+            <a:lvl6pPr marL="2286000" indent="0">
+              <a:buNone/>
+              <a:defRPr sz="1400">
+                <a:solidFill>
+                  <a:schemeClr val="tx1">
+                    <a:tint val="75000"/>
+                  </a:schemeClr>
+                </a:solidFill>
+              </a:defRPr>
+            </a:lvl6pPr>
+            <a:lvl7pPr marL="2743200" indent="0">
+              <a:buNone/>
+              <a:defRPr sz="1400">
+                <a:solidFill>
+                  <a:schemeClr val="tx1">
+                    <a:tint val="75000"/>
+                  </a:schemeClr>
+                </a:solidFill>
+              </a:defRPr>
+            </a:lvl7pPr>
+            <a:lvl8pPr marL="3200400" indent="0">
+              <a:buNone/>
+              <a:defRPr sz="1400">
+                <a:solidFill>
+                  <a:schemeClr val="tx1">
+                    <a:tint val="75000"/>
+                  </a:schemeClr>
+                </a:solidFill>
+              </a:defRPr>
+            </a:lvl8pPr>
+            <a:lvl9pPr marL="3657600" indent="0">
+              <a:buNone/>
+              <a:defRPr sz="1400">
+                <a:solidFill>
+                  <a:schemeClr val="tx1">
+                    <a:tint val="75000"/>
+                  </a:schemeClr>
+                </a:solidFill>
+              </a:defRPr>
+            </a:lvl9pPr>
+          </a:lstStyle>
+          <a:p>
+            <a:pPr lvl="0"/>
+            <a:r>
+              <a:rPr lang="de-DE" smtClean="0"/>
+              <a:t>Formatvorlagen des Textmasters bearbeiten</a:t>
+            </a:r>
+          </a:p>
+        </p:txBody>
+      </p:sp>
+      <p:sp>
+        <p:nvSpPr>
+          <p:cNvPr id="4" name="Date Placeholder 3"/>
+          <p:cNvSpPr>
+            <a:spLocks noGrp="1"/>
+          </p:cNvSpPr>
+          <p:nvPr>
+            <p:ph type="dt" sz="half" idx="10"/>
+          </p:nvPr>
+        </p:nvSpPr>
+        <p:spPr/>
+        <p:txBody>
+          <a:bodyPr/>
+          <a:lstStyle/>
+          <a:p>
+            <a:fld id="{88FDD3F0-D0E8-4768-968C-BF976354E4FE}" type="datetime1">
+              <a:rPr lang="de-DE" smtClean="0"/>
+              <a:t>28.02.2020</a:t>
+            </a:fld>
+            <a:endParaRPr lang="de-DE"/>
+          </a:p>
+        </p:txBody>
+      </p:sp>
+      <p:sp>
+        <p:nvSpPr>
+          <p:cNvPr id="5" name="Footer Placeholder 4"/>
+          <p:cNvSpPr>
+            <a:spLocks noGrp="1"/>
+          </p:cNvSpPr>
+          <p:nvPr>
+            <p:ph type="ftr" sz="quarter" idx="11"/>
+          </p:nvPr>
+        </p:nvSpPr>
+        <p:spPr/>
+        <p:txBody>
+          <a:bodyPr/>
+          <a:lstStyle/>
+          <a:p>
+            <a:endParaRPr lang="de-DE"/>
+          </a:p>
+        </p:txBody>
+      </p:sp>
+      <p:sp>
+        <p:nvSpPr>
+          <p:cNvPr id="6" name="Slide Number Placeholder 5"/>
+          <p:cNvSpPr>
+            <a:spLocks noGrp="1"/>
+          </p:cNvSpPr>
+          <p:nvPr>
+            <p:ph type="sldNum" sz="quarter" idx="12"/>
+          </p:nvPr>
+        </p:nvSpPr>
+        <p:spPr/>
+        <p:txBody>
+          <a:bodyPr/>
+          <a:lstStyle/>
+          <a:p>
+            <a:fld id="{4D97A03B-941A-4DB2-9027-144FC3ED8D76}" type="slidenum">
+              <a:rPr lang="de-DE" smtClean="0"/>
+              <a:t>‹Nr.›</a:t>
+            </a:fld>
+            <a:endParaRPr lang="de-DE"/>
+          </a:p>
+        </p:txBody>
+      </p:sp>
+    </p:spTree>
+    <p:extLst>
+      <p:ext uri="{BB962C8B-B14F-4D97-AF65-F5344CB8AC3E}">
+        <p14:creationId xmlns:p14="http://schemas.microsoft.com/office/powerpoint/2010/main" val="2861084948"/>
+      </p:ext>
+    </p:extLst>
+  </p:cSld>
+  <p:clrMapOvr>
+    <a:masterClrMapping/>
+  </p:clrMapOvr>
+</p:sldLayout>
+</file>
+
+<file path=ppt/slideLayouts/slideLayout14.xml><?xml version="1.0" encoding="utf-8"?>
+<p:sldLayout xmlns:a="http://schemas.openxmlformats.org/drawingml/2006/main" xmlns:r="http://schemas.openxmlformats.org/officeDocument/2006/relationships" xmlns:p="http://schemas.openxmlformats.org/presentationml/2006/main" preserve="1">
+  <p:cSld name="3 Spalte">
+    <p:spTree>
+      <p:nvGrpSpPr>
+        <p:cNvPr id="1" name=""/>
+        <p:cNvGrpSpPr/>
+        <p:nvPr/>
+      </p:nvGrpSpPr>
+      <p:grpSpPr>
+        <a:xfrm>
+          <a:off x="0" y="0"/>
+          <a:ext cx="0" cy="0"/>
+          <a:chOff x="0" y="0"/>
+          <a:chExt cx="0" cy="0"/>
+        </a:xfrm>
+      </p:grpSpPr>
+      <p:sp>
+        <p:nvSpPr>
+          <p:cNvPr id="2" name="Title 1"/>
+          <p:cNvSpPr>
+            <a:spLocks noGrp="1"/>
+          </p:cNvSpPr>
+          <p:nvPr>
+            <p:ph type="title"/>
+          </p:nvPr>
+        </p:nvSpPr>
+        <p:spPr/>
+        <p:txBody>
+          <a:bodyPr/>
+          <a:lstStyle>
+            <a:lvl1pPr>
+              <a:defRPr sz="4200"/>
+            </a:lvl1pPr>
+          </a:lstStyle>
+          <a:p>
+            <a:r>
+              <a:rPr lang="de-DE" smtClean="0"/>
+              <a:t>Titelmasterformat durch Klicken bearbeiten</a:t>
+            </a:r>
+            <a:endParaRPr lang="en-US" dirty="0"/>
+          </a:p>
+        </p:txBody>
+      </p:sp>
+      <p:sp>
+        <p:nvSpPr>
+          <p:cNvPr id="3" name="Text Placeholder 2"/>
+          <p:cNvSpPr>
+            <a:spLocks noGrp="1"/>
+          </p:cNvSpPr>
+          <p:nvPr>
+            <p:ph type="body" idx="1"/>
+          </p:nvPr>
+        </p:nvSpPr>
+        <p:spPr>
+          <a:xfrm>
+            <a:off x="632947" y="1981200"/>
+            <a:ext cx="2946866" cy="576262"/>
+          </a:xfrm>
+        </p:spPr>
+        <p:txBody>
+          <a:bodyPr anchor="b">
+            <a:noAutofit/>
+          </a:bodyPr>
+          <a:lstStyle>
+            <a:lvl1pPr marL="0" indent="0">
+              <a:buNone/>
+              <a:defRPr sz="2400" b="0">
+                <a:solidFill>
+                  <a:schemeClr val="bg2">
+                    <a:lumMod val="40000"/>
+                    <a:lumOff val="60000"/>
+                  </a:schemeClr>
+                </a:solidFill>
+              </a:defRPr>
+            </a:lvl1pPr>
+            <a:lvl2pPr marL="457200" indent="0">
+              <a:buNone/>
+              <a:defRPr sz="2000" b="1"/>
+            </a:lvl2pPr>
+            <a:lvl3pPr marL="914400" indent="0">
+              <a:buNone/>
+              <a:defRPr sz="1800" b="1"/>
+            </a:lvl3pPr>
+            <a:lvl4pPr marL="1371600" indent="0">
+              <a:buNone/>
+              <a:defRPr sz="1600" b="1"/>
+            </a:lvl4pPr>
+            <a:lvl5pPr marL="1828800" indent="0">
+              <a:buNone/>
+              <a:defRPr sz="1600" b="1"/>
+            </a:lvl5pPr>
+            <a:lvl6pPr marL="2286000" indent="0">
+              <a:buNone/>
+              <a:defRPr sz="1600" b="1"/>
+            </a:lvl6pPr>
+            <a:lvl7pPr marL="2743200" indent="0">
+              <a:buNone/>
+              <a:defRPr sz="1600" b="1"/>
+            </a:lvl7pPr>
+            <a:lvl8pPr marL="3200400" indent="0">
+              <a:buNone/>
+              <a:defRPr sz="1600" b="1"/>
+            </a:lvl8pPr>
+            <a:lvl9pPr marL="3657600" indent="0">
+              <a:buNone/>
+              <a:defRPr sz="1600" b="1"/>
+            </a:lvl9pPr>
+          </a:lstStyle>
+          <a:p>
+            <a:pPr lvl="0"/>
+            <a:r>
+              <a:rPr lang="de-DE" smtClean="0"/>
+              <a:t>Formatvorlagen des Textmasters bearbeiten</a:t>
+            </a:r>
+          </a:p>
+        </p:txBody>
+      </p:sp>
+      <p:sp>
+        <p:nvSpPr>
+          <p:cNvPr id="16" name="Text Placeholder 3"/>
+          <p:cNvSpPr>
+            <a:spLocks noGrp="1"/>
+          </p:cNvSpPr>
+          <p:nvPr>
+            <p:ph type="body" sz="half" idx="15"/>
+          </p:nvPr>
+        </p:nvSpPr>
+        <p:spPr>
+          <a:xfrm>
+            <a:off x="652463" y="2667000"/>
+            <a:ext cx="2927350" cy="3589338"/>
+          </a:xfrm>
+        </p:spPr>
+        <p:txBody>
+          <a:bodyPr anchor="t">
+            <a:normAutofit/>
+          </a:bodyPr>
+          <a:lstStyle>
+            <a:lvl1pPr marL="0" indent="0">
+              <a:buNone/>
+              <a:defRPr sz="1400"/>
+            </a:lvl1pPr>
+            <a:lvl2pPr marL="457200" indent="0">
+              <a:buNone/>
+              <a:defRPr sz="1200"/>
+            </a:lvl2pPr>
+            <a:lvl3pPr marL="914400" indent="0">
+              <a:buNone/>
+              <a:defRPr sz="1000"/>
+            </a:lvl3pPr>
+            <a:lvl4pPr marL="1371600" indent="0">
+              <a:buNone/>
+              <a:defRPr sz="900"/>
+            </a:lvl4pPr>
+            <a:lvl5pPr marL="1828800" indent="0">
+              <a:buNone/>
+              <a:defRPr sz="900"/>
+            </a:lvl5pPr>
+            <a:lvl6pPr marL="2286000" indent="0">
+              <a:buNone/>
+              <a:defRPr sz="900"/>
+            </a:lvl6pPr>
+            <a:lvl7pPr marL="2743200" indent="0">
+              <a:buNone/>
+              <a:defRPr sz="900"/>
+            </a:lvl7pPr>
+            <a:lvl8pPr marL="3200400" indent="0">
+              <a:buNone/>
+              <a:defRPr sz="900"/>
+            </a:lvl8pPr>
+            <a:lvl9pPr marL="3657600" indent="0">
+              <a:buNone/>
+              <a:defRPr sz="900"/>
+            </a:lvl9pPr>
+          </a:lstStyle>
+          <a:p>
+            <a:pPr lvl="0"/>
+            <a:r>
+              <a:rPr lang="de-DE" smtClean="0"/>
+              <a:t>Formatvorlagen des Textmasters bearbeiten</a:t>
+            </a:r>
+          </a:p>
+        </p:txBody>
+      </p:sp>
+      <p:sp>
+        <p:nvSpPr>
+          <p:cNvPr id="5" name="Text Placeholder 4"/>
+          <p:cNvSpPr>
+            <a:spLocks noGrp="1"/>
+          </p:cNvSpPr>
+          <p:nvPr>
+            <p:ph type="body" sz="quarter" idx="3"/>
+          </p:nvPr>
+        </p:nvSpPr>
+        <p:spPr>
+          <a:xfrm>
+            <a:off x="3883659" y="1981200"/>
+            <a:ext cx="2936241" cy="576262"/>
+          </a:xfrm>
+        </p:spPr>
+        <p:txBody>
+          <a:bodyPr anchor="b">
+            <a:noAutofit/>
+          </a:bodyPr>
+          <a:lstStyle>
+            <a:lvl1pPr marL="0" indent="0">
+              <a:buNone/>
+              <a:defRPr sz="2400" b="0">
+                <a:solidFill>
+                  <a:schemeClr val="bg2">
+                    <a:lumMod val="40000"/>
+                    <a:lumOff val="60000"/>
+                  </a:schemeClr>
+                </a:solidFill>
+              </a:defRPr>
+            </a:lvl1pPr>
+            <a:lvl2pPr marL="457200" indent="0">
+              <a:buNone/>
+              <a:defRPr sz="2000" b="1"/>
+            </a:lvl2pPr>
+            <a:lvl3pPr marL="914400" indent="0">
+              <a:buNone/>
+              <a:defRPr sz="1800" b="1"/>
+            </a:lvl3pPr>
+            <a:lvl4pPr marL="1371600" indent="0">
+              <a:buNone/>
+              <a:defRPr sz="1600" b="1"/>
+            </a:lvl4pPr>
+            <a:lvl5pPr marL="1828800" indent="0">
+              <a:buNone/>
+              <a:defRPr sz="1600" b="1"/>
+            </a:lvl5pPr>
+            <a:lvl6pPr marL="2286000" indent="0">
+              <a:buNone/>
+              <a:defRPr sz="1600" b="1"/>
+            </a:lvl6pPr>
+            <a:lvl7pPr marL="2743200" indent="0">
+              <a:buNone/>
+              <a:defRPr sz="1600" b="1"/>
+            </a:lvl7pPr>
+            <a:lvl8pPr marL="3200400" indent="0">
+              <a:buNone/>
+              <a:defRPr sz="1600" b="1"/>
+            </a:lvl8pPr>
+            <a:lvl9pPr marL="3657600" indent="0">
+              <a:buNone/>
+              <a:defRPr sz="1600" b="1"/>
+            </a:lvl9pPr>
+          </a:lstStyle>
+          <a:p>
+            <a:pPr lvl="0"/>
+            <a:r>
+              <a:rPr lang="de-DE" smtClean="0"/>
+              <a:t>Formatvorlagen des Textmasters bearbeiten</a:t>
+            </a:r>
+          </a:p>
+        </p:txBody>
+      </p:sp>
+      <p:sp>
+        <p:nvSpPr>
+          <p:cNvPr id="19" name="Text Placeholder 3"/>
+          <p:cNvSpPr>
+            <a:spLocks noGrp="1"/>
+          </p:cNvSpPr>
+          <p:nvPr>
+            <p:ph type="body" sz="half" idx="16"/>
+          </p:nvPr>
+        </p:nvSpPr>
+        <p:spPr>
+          <a:xfrm>
+            <a:off x="3873106" y="2667000"/>
+            <a:ext cx="2946794" cy="3589338"/>
+          </a:xfrm>
+        </p:spPr>
+        <p:txBody>
+          <a:bodyPr anchor="t">
+            <a:normAutofit/>
+          </a:bodyPr>
+          <a:lstStyle>
+            <a:lvl1pPr marL="0" indent="0">
+              <a:buNone/>
+              <a:defRPr sz="1400"/>
+            </a:lvl1pPr>
+            <a:lvl2pPr marL="457200" indent="0">
+              <a:buNone/>
+              <a:defRPr sz="1200"/>
+            </a:lvl2pPr>
+            <a:lvl3pPr marL="914400" indent="0">
+              <a:buNone/>
+              <a:defRPr sz="1000"/>
+            </a:lvl3pPr>
+            <a:lvl4pPr marL="1371600" indent="0">
+              <a:buNone/>
+              <a:defRPr sz="900"/>
+            </a:lvl4pPr>
+            <a:lvl5pPr marL="1828800" indent="0">
+              <a:buNone/>
+              <a:defRPr sz="900"/>
+            </a:lvl5pPr>
+            <a:lvl6pPr marL="2286000" indent="0">
+              <a:buNone/>
+              <a:defRPr sz="900"/>
+            </a:lvl6pPr>
+            <a:lvl7pPr marL="2743200" indent="0">
+              <a:buNone/>
+              <a:defRPr sz="900"/>
+            </a:lvl7pPr>
+            <a:lvl8pPr marL="3200400" indent="0">
+              <a:buNone/>
+              <a:defRPr sz="900"/>
+            </a:lvl8pPr>
+            <a:lvl9pPr marL="3657600" indent="0">
+              <a:buNone/>
+              <a:defRPr sz="900"/>
+            </a:lvl9pPr>
+          </a:lstStyle>
+          <a:p>
+            <a:pPr lvl="0"/>
+            <a:r>
+              <a:rPr lang="de-DE" smtClean="0"/>
+              <a:t>Formatvorlagen des Textmasters bearbeiten</a:t>
+            </a:r>
+          </a:p>
+        </p:txBody>
+      </p:sp>
+      <p:sp>
+        <p:nvSpPr>
+          <p:cNvPr id="14" name="Text Placeholder 4"/>
+          <p:cNvSpPr>
+            <a:spLocks noGrp="1"/>
+          </p:cNvSpPr>
+          <p:nvPr>
+            <p:ph type="body" sz="quarter" idx="13"/>
+          </p:nvPr>
+        </p:nvSpPr>
+        <p:spPr>
+          <a:xfrm>
+            <a:off x="7124700" y="1981200"/>
+            <a:ext cx="2932113" cy="576262"/>
+          </a:xfrm>
+        </p:spPr>
+        <p:txBody>
+          <a:bodyPr anchor="b">
+            <a:noAutofit/>
+          </a:bodyPr>
+          <a:lstStyle>
+            <a:lvl1pPr marL="0" indent="0">
+              <a:buNone/>
+              <a:defRPr sz="2400" b="0">
+                <a:solidFill>
+                  <a:schemeClr val="bg2">
+                    <a:lumMod val="40000"/>
+                    <a:lumOff val="60000"/>
+                  </a:schemeClr>
+                </a:solidFill>
+              </a:defRPr>
+            </a:lvl1pPr>
+            <a:lvl2pPr marL="457200" indent="0">
+              <a:buNone/>
+              <a:defRPr sz="2000" b="1"/>
+            </a:lvl2pPr>
+            <a:lvl3pPr marL="914400" indent="0">
+              <a:buNone/>
+              <a:defRPr sz="1800" b="1"/>
+            </a:lvl3pPr>
+            <a:lvl4pPr marL="1371600" indent="0">
+              <a:buNone/>
+              <a:defRPr sz="1600" b="1"/>
+            </a:lvl4pPr>
+            <a:lvl5pPr marL="1828800" indent="0">
+              <a:buNone/>
+              <a:defRPr sz="1600" b="1"/>
+            </a:lvl5pPr>
+            <a:lvl6pPr marL="2286000" indent="0">
+              <a:buNone/>
+              <a:defRPr sz="1600" b="1"/>
+            </a:lvl6pPr>
+            <a:lvl7pPr marL="2743200" indent="0">
+              <a:buNone/>
+              <a:defRPr sz="1600" b="1"/>
+            </a:lvl7pPr>
+            <a:lvl8pPr marL="3200400" indent="0">
+              <a:buNone/>
+              <a:defRPr sz="1600" b="1"/>
+            </a:lvl8pPr>
+            <a:lvl9pPr marL="3657600" indent="0">
+              <a:buNone/>
+              <a:defRPr sz="1600" b="1"/>
+            </a:lvl9pPr>
+          </a:lstStyle>
+          <a:p>
+            <a:pPr lvl="0"/>
+            <a:r>
+              <a:rPr lang="de-DE" smtClean="0"/>
+              <a:t>Formatvorlagen des Textmasters bearbeiten</a:t>
+            </a:r>
+          </a:p>
+        </p:txBody>
+      </p:sp>
+      <p:sp>
+        <p:nvSpPr>
+          <p:cNvPr id="20" name="Text Placeholder 3"/>
+          <p:cNvSpPr>
+            <a:spLocks noGrp="1"/>
+          </p:cNvSpPr>
+          <p:nvPr>
+            <p:ph type="body" sz="half" idx="17"/>
+          </p:nvPr>
+        </p:nvSpPr>
+        <p:spPr>
+          <a:xfrm>
+            <a:off x="7124700" y="2667000"/>
+            <a:ext cx="2932113" cy="3589338"/>
+          </a:xfrm>
+        </p:spPr>
+        <p:txBody>
+          <a:bodyPr anchor="t">
+            <a:normAutofit/>
+          </a:bodyPr>
+          <a:lstStyle>
+            <a:lvl1pPr marL="0" indent="0">
+              <a:buNone/>
+              <a:defRPr sz="1400"/>
+            </a:lvl1pPr>
+            <a:lvl2pPr marL="457200" indent="0">
+              <a:buNone/>
+              <a:defRPr sz="1200"/>
+            </a:lvl2pPr>
+            <a:lvl3pPr marL="914400" indent="0">
+              <a:buNone/>
+              <a:defRPr sz="1000"/>
+            </a:lvl3pPr>
+            <a:lvl4pPr marL="1371600" indent="0">
+              <a:buNone/>
+              <a:defRPr sz="900"/>
+            </a:lvl4pPr>
+            <a:lvl5pPr marL="1828800" indent="0">
+              <a:buNone/>
+              <a:defRPr sz="900"/>
+            </a:lvl5pPr>
+            <a:lvl6pPr marL="2286000" indent="0">
+              <a:buNone/>
+              <a:defRPr sz="900"/>
+            </a:lvl6pPr>
+            <a:lvl7pPr marL="2743200" indent="0">
+              <a:buNone/>
+              <a:defRPr sz="900"/>
+            </a:lvl7pPr>
+            <a:lvl8pPr marL="3200400" indent="0">
+              <a:buNone/>
+              <a:defRPr sz="900"/>
+            </a:lvl8pPr>
+            <a:lvl9pPr marL="3657600" indent="0">
+              <a:buNone/>
+              <a:defRPr sz="900"/>
+            </a:lvl9pPr>
+          </a:lstStyle>
+          <a:p>
+            <a:pPr lvl="0"/>
+            <a:r>
+              <a:rPr lang="de-DE" smtClean="0"/>
+              <a:t>Formatvorlagen des Textmasters bearbeiten</a:t>
+            </a:r>
+          </a:p>
+        </p:txBody>
+      </p:sp>
+      <p:cxnSp>
+        <p:nvCxnSpPr>
+          <p:cNvPr id="17" name="Straight Connector 16"/>
+          <p:cNvCxnSpPr/>
+          <p:nvPr/>
+        </p:nvCxnSpPr>
+        <p:spPr>
+          <a:xfrm>
+            <a:off x="3726142" y="2133600"/>
+            <a:ext cx="0" cy="3962400"/>
+          </a:xfrm>
+          <a:prstGeom prst="line">
+            <a:avLst/>
+          </a:prstGeom>
+          <a:ln w="12700" cmpd="sng">
+            <a:solidFill>
+              <a:schemeClr val="bg2">
+                <a:lumMod val="40000"/>
+                <a:lumOff val="60000"/>
+                <a:alpha val="40000"/>
+              </a:schemeClr>
+            </a:solidFill>
+          </a:ln>
+        </p:spPr>
+        <p:style>
+          <a:lnRef idx="2">
+            <a:schemeClr val="accent1"/>
+          </a:lnRef>
+          <a:fillRef idx="0">
+            <a:schemeClr val="accent1"/>
+          </a:fillRef>
+          <a:effectRef idx="1">
+            <a:schemeClr val="accent1"/>
+          </a:effectRef>
+          <a:fontRef idx="minor">
+            <a:schemeClr val="tx1"/>
+          </a:fontRef>
+        </p:style>
+      </p:cxnSp>
+      <p:cxnSp>
+        <p:nvCxnSpPr>
+          <p:cNvPr id="18" name="Straight Connector 17"/>
+          <p:cNvCxnSpPr/>
+          <p:nvPr/>
+        </p:nvCxnSpPr>
+        <p:spPr>
+          <a:xfrm>
+            <a:off x="6962227" y="2133600"/>
+            <a:ext cx="0" cy="3966882"/>
+          </a:xfrm>
+          <a:prstGeom prst="line">
+            <a:avLst/>
+          </a:prstGeom>
+          <a:ln w="12700" cmpd="sng">
+            <a:solidFill>
+              <a:schemeClr val="bg2">
+                <a:lumMod val="40000"/>
+                <a:lumOff val="60000"/>
+                <a:alpha val="40000"/>
+              </a:schemeClr>
+            </a:solidFill>
+          </a:ln>
+        </p:spPr>
+        <p:style>
+          <a:lnRef idx="2">
+            <a:schemeClr val="accent1"/>
+          </a:lnRef>
+          <a:fillRef idx="0">
+            <a:schemeClr val="accent1"/>
+          </a:fillRef>
+          <a:effectRef idx="1">
+            <a:schemeClr val="accent1"/>
+          </a:effectRef>
+          <a:fontRef idx="minor">
+            <a:schemeClr val="tx1"/>
+          </a:fontRef>
+        </p:style>
+      </p:cxnSp>
+      <p:sp>
+        <p:nvSpPr>
+          <p:cNvPr id="7" name="Date Placeholder 3"/>
+          <p:cNvSpPr>
+            <a:spLocks noGrp="1"/>
+          </p:cNvSpPr>
+          <p:nvPr>
+            <p:ph type="dt" sz="half" idx="10"/>
+          </p:nvPr>
+        </p:nvSpPr>
+        <p:spPr/>
+        <p:txBody>
+          <a:bodyPr/>
+          <a:lstStyle/>
+          <a:p>
+            <a:fld id="{B5D95102-08F1-4E75-8AF2-FAFFEB11607E}" type="datetime1">
+              <a:rPr lang="de-DE" smtClean="0"/>
+              <a:t>28.02.2020</a:t>
+            </a:fld>
+            <a:endParaRPr lang="de-DE"/>
+          </a:p>
+        </p:txBody>
+      </p:sp>
+      <p:sp>
+        <p:nvSpPr>
+          <p:cNvPr id="4" name="Footer Placeholder 4"/>
+          <p:cNvSpPr>
+            <a:spLocks noGrp="1"/>
+          </p:cNvSpPr>
+          <p:nvPr>
+            <p:ph type="ftr" sz="quarter" idx="11"/>
+          </p:nvPr>
+        </p:nvSpPr>
+        <p:spPr/>
+        <p:txBody>
+          <a:bodyPr/>
+          <a:lstStyle/>
+          <a:p>
+            <a:endParaRPr lang="de-DE"/>
+          </a:p>
+        </p:txBody>
+      </p:sp>
+      <p:sp>
+        <p:nvSpPr>
+          <p:cNvPr id="6" name="Slide Number Placeholder 5"/>
+          <p:cNvSpPr>
+            <a:spLocks noGrp="1"/>
+          </p:cNvSpPr>
+          <p:nvPr>
+            <p:ph type="sldNum" sz="quarter" idx="12"/>
+          </p:nvPr>
+        </p:nvSpPr>
+        <p:spPr/>
+        <p:txBody>
+          <a:bodyPr/>
+          <a:lstStyle/>
+          <a:p>
+            <a:fld id="{4D97A03B-941A-4DB2-9027-144FC3ED8D76}" type="slidenum">
+              <a:rPr lang="de-DE" smtClean="0"/>
+              <a:t>‹Nr.›</a:t>
+            </a:fld>
+            <a:endParaRPr lang="de-DE"/>
+          </a:p>
+        </p:txBody>
+      </p:sp>
+    </p:spTree>
+    <p:extLst>
+      <p:ext uri="{BB962C8B-B14F-4D97-AF65-F5344CB8AC3E}">
+        <p14:creationId xmlns:p14="http://schemas.microsoft.com/office/powerpoint/2010/main" val="3968891855"/>
+      </p:ext>
+    </p:extLst>
+  </p:cSld>
+  <p:clrMapOvr>
+    <a:masterClrMapping/>
+  </p:clrMapOvr>
+</p:sldLayout>
+</file>
+
+<file path=ppt/slideLayouts/slideLayout15.xml><?xml version="1.0" encoding="utf-8"?>
+<p:sldLayout xmlns:a="http://schemas.openxmlformats.org/drawingml/2006/main" xmlns:r="http://schemas.openxmlformats.org/officeDocument/2006/relationships" xmlns:p="http://schemas.openxmlformats.org/presentationml/2006/main" preserve="1">
+  <p:cSld name="3 Bildspalte">
+    <p:spTree>
+      <p:nvGrpSpPr>
+        <p:cNvPr id="1" name=""/>
+        <p:cNvGrpSpPr/>
+        <p:nvPr/>
+      </p:nvGrpSpPr>
+      <p:grpSpPr>
+        <a:xfrm>
+          <a:off x="0" y="0"/>
+          <a:ext cx="0" cy="0"/>
+          <a:chOff x="0" y="0"/>
+          <a:chExt cx="0" cy="0"/>
+        </a:xfrm>
+      </p:grpSpPr>
+      <p:sp>
+        <p:nvSpPr>
+          <p:cNvPr id="2" name="Title 1"/>
+          <p:cNvSpPr>
+            <a:spLocks noGrp="1"/>
+          </p:cNvSpPr>
+          <p:nvPr>
+            <p:ph type="title"/>
+          </p:nvPr>
+        </p:nvSpPr>
+        <p:spPr/>
+        <p:txBody>
+          <a:bodyPr/>
+          <a:lstStyle>
+            <a:lvl1pPr>
+              <a:defRPr sz="4200"/>
+            </a:lvl1pPr>
+          </a:lstStyle>
+          <a:p>
+            <a:r>
+              <a:rPr lang="de-DE" smtClean="0"/>
+              <a:t>Titelmasterformat durch Klicken bearbeiten</a:t>
+            </a:r>
+            <a:endParaRPr lang="en-US" dirty="0"/>
+          </a:p>
+        </p:txBody>
+      </p:sp>
+      <p:sp>
+        <p:nvSpPr>
+          <p:cNvPr id="3" name="Text Placeholder 2"/>
+          <p:cNvSpPr>
+            <a:spLocks noGrp="1"/>
+          </p:cNvSpPr>
+          <p:nvPr>
+            <p:ph type="body" idx="1"/>
+          </p:nvPr>
+        </p:nvSpPr>
+        <p:spPr>
+          <a:xfrm>
+            <a:off x="652463" y="4250949"/>
+            <a:ext cx="2940050" cy="576262"/>
+          </a:xfrm>
+        </p:spPr>
+        <p:txBody>
+          <a:bodyPr anchor="b">
+            <a:noAutofit/>
+          </a:bodyPr>
+          <a:lstStyle>
+            <a:lvl1pPr marL="0" indent="0">
+              <a:buNone/>
+              <a:defRPr sz="2400" b="0">
+                <a:solidFill>
+                  <a:schemeClr val="bg2">
+                    <a:lumMod val="40000"/>
+                    <a:lumOff val="60000"/>
+                  </a:schemeClr>
+                </a:solidFill>
+              </a:defRPr>
+            </a:lvl1pPr>
+            <a:lvl2pPr marL="457200" indent="0">
+              <a:buNone/>
+              <a:defRPr sz="2000" b="1"/>
+            </a:lvl2pPr>
+            <a:lvl3pPr marL="914400" indent="0">
+              <a:buNone/>
+              <a:defRPr sz="1800" b="1"/>
+            </a:lvl3pPr>
+            <a:lvl4pPr marL="1371600" indent="0">
+              <a:buNone/>
+              <a:defRPr sz="1600" b="1"/>
+            </a:lvl4pPr>
+            <a:lvl5pPr marL="1828800" indent="0">
+              <a:buNone/>
+              <a:defRPr sz="1600" b="1"/>
+            </a:lvl5pPr>
+            <a:lvl6pPr marL="2286000" indent="0">
+              <a:buNone/>
+              <a:defRPr sz="1600" b="1"/>
+            </a:lvl6pPr>
+            <a:lvl7pPr marL="2743200" indent="0">
+              <a:buNone/>
+              <a:defRPr sz="1600" b="1"/>
+            </a:lvl7pPr>
+            <a:lvl8pPr marL="3200400" indent="0">
+              <a:buNone/>
+              <a:defRPr sz="1600" b="1"/>
+            </a:lvl8pPr>
+            <a:lvl9pPr marL="3657600" indent="0">
+              <a:buNone/>
+              <a:defRPr sz="1600" b="1"/>
+            </a:lvl9pPr>
+          </a:lstStyle>
+          <a:p>
+            <a:pPr lvl="0"/>
+            <a:r>
+              <a:rPr lang="de-DE" smtClean="0"/>
+              <a:t>Formatvorlagen des Textmasters bearbeiten</a:t>
+            </a:r>
+          </a:p>
+        </p:txBody>
+      </p:sp>
+      <p:sp>
+        <p:nvSpPr>
+          <p:cNvPr id="29" name="Picture Placeholder 2"/>
+          <p:cNvSpPr>
+            <a:spLocks noGrp="1" noChangeAspect="1"/>
+          </p:cNvSpPr>
+          <p:nvPr>
+            <p:ph type="pic" idx="15"/>
+          </p:nvPr>
+        </p:nvSpPr>
+        <p:spPr>
+          <a:xfrm>
+            <a:off x="652463" y="2209800"/>
+            <a:ext cx="2940050" cy="1524000"/>
+          </a:xfrm>
+          <a:prstGeom prst="roundRect">
+            <a:avLst>
+              <a:gd name="adj" fmla="val 1858"/>
+            </a:avLst>
+          </a:prstGeom>
+          <a:effectLst>
+            <a:outerShdw blurRad="50800" dist="50800" dir="5400000" algn="tl" rotWithShape="0">
+              <a:srgbClr val="000000">
+                <a:alpha val="43000"/>
+              </a:srgbClr>
+            </a:outerShdw>
+          </a:effectLst>
+        </p:spPr>
+        <p:txBody>
+          <a:bodyPr anchor="t">
+            <a:normAutofit/>
+          </a:bodyPr>
+          <a:lstStyle>
+            <a:lvl1pPr marL="0" indent="0" algn="ctr">
+              <a:buNone/>
+              <a:defRPr sz="1600"/>
+            </a:lvl1pPr>
+            <a:lvl2pPr marL="457200" indent="0">
+              <a:buNone/>
+              <a:defRPr sz="1600"/>
+            </a:lvl2pPr>
+            <a:lvl3pPr marL="914400" indent="0">
+              <a:buNone/>
+              <a:defRPr sz="1600"/>
+            </a:lvl3pPr>
+            <a:lvl4pPr marL="1371600" indent="0">
+              <a:buNone/>
+              <a:defRPr sz="1600"/>
+            </a:lvl4pPr>
+            <a:lvl5pPr marL="1828800" indent="0">
+              <a:buNone/>
+              <a:defRPr sz="1600"/>
+            </a:lvl5pPr>
+            <a:lvl6pPr marL="2286000" indent="0">
+              <a:buNone/>
+              <a:defRPr sz="1600"/>
+            </a:lvl6pPr>
+            <a:lvl7pPr marL="2743200" indent="0">
+              <a:buNone/>
+              <a:defRPr sz="1600"/>
+            </a:lvl7pPr>
+            <a:lvl8pPr marL="3200400" indent="0">
+              <a:buNone/>
+              <a:defRPr sz="1600"/>
+            </a:lvl8pPr>
+            <a:lvl9pPr marL="3657600" indent="0">
+              <a:buNone/>
+              <a:defRPr sz="1600"/>
+            </a:lvl9pPr>
+          </a:lstStyle>
+          <a:p>
+            <a:r>
+              <a:rPr lang="de-DE" smtClean="0"/>
+              <a:t>Bild durch Klicken auf Symbol hinzufügen</a:t>
+            </a:r>
+            <a:endParaRPr lang="en-US" dirty="0"/>
+          </a:p>
+        </p:txBody>
+      </p:sp>
+      <p:sp>
+        <p:nvSpPr>
+          <p:cNvPr id="22" name="Text Placeholder 3"/>
+          <p:cNvSpPr>
+            <a:spLocks noGrp="1"/>
+          </p:cNvSpPr>
+          <p:nvPr>
+            <p:ph type="body" sz="half" idx="18"/>
+          </p:nvPr>
+        </p:nvSpPr>
+        <p:spPr>
+          <a:xfrm>
+            <a:off x="652463" y="4827211"/>
+            <a:ext cx="2940050" cy="659189"/>
+          </a:xfrm>
+        </p:spPr>
+        <p:txBody>
+          <a:bodyPr anchor="t">
+            <a:normAutofit/>
+          </a:bodyPr>
+          <a:lstStyle>
+            <a:lvl1pPr marL="0" indent="0">
+              <a:buNone/>
+              <a:defRPr sz="1400"/>
+            </a:lvl1pPr>
+            <a:lvl2pPr marL="457200" indent="0">
+              <a:buNone/>
+              <a:defRPr sz="1200"/>
+            </a:lvl2pPr>
+            <a:lvl3pPr marL="914400" indent="0">
+              <a:buNone/>
+              <a:defRPr sz="1000"/>
+            </a:lvl3pPr>
+            <a:lvl4pPr marL="1371600" indent="0">
+              <a:buNone/>
+              <a:defRPr sz="900"/>
+            </a:lvl4pPr>
+            <a:lvl5pPr marL="1828800" indent="0">
+              <a:buNone/>
+              <a:defRPr sz="900"/>
+            </a:lvl5pPr>
+            <a:lvl6pPr marL="2286000" indent="0">
+              <a:buNone/>
+              <a:defRPr sz="900"/>
+            </a:lvl6pPr>
+            <a:lvl7pPr marL="2743200" indent="0">
+              <a:buNone/>
+              <a:defRPr sz="900"/>
+            </a:lvl7pPr>
+            <a:lvl8pPr marL="3200400" indent="0">
+              <a:buNone/>
+              <a:defRPr sz="900"/>
+            </a:lvl8pPr>
+            <a:lvl9pPr marL="3657600" indent="0">
+              <a:buNone/>
+              <a:defRPr sz="900"/>
+            </a:lvl9pPr>
+          </a:lstStyle>
+          <a:p>
+            <a:pPr lvl="0"/>
+            <a:r>
+              <a:rPr lang="de-DE" smtClean="0"/>
+              <a:t>Formatvorlagen des Textmasters bearbeiten</a:t>
+            </a:r>
+          </a:p>
+        </p:txBody>
+      </p:sp>
+      <p:sp>
+        <p:nvSpPr>
+          <p:cNvPr id="5" name="Text Placeholder 4"/>
+          <p:cNvSpPr>
+            <a:spLocks noGrp="1"/>
+          </p:cNvSpPr>
+          <p:nvPr>
+            <p:ph type="body" sz="quarter" idx="3"/>
+          </p:nvPr>
+        </p:nvSpPr>
+        <p:spPr>
+          <a:xfrm>
+            <a:off x="3889375" y="4250949"/>
+            <a:ext cx="2930525" cy="576262"/>
+          </a:xfrm>
+        </p:spPr>
+        <p:txBody>
+          <a:bodyPr anchor="b">
+            <a:noAutofit/>
+          </a:bodyPr>
+          <a:lstStyle>
+            <a:lvl1pPr marL="0" indent="0">
+              <a:buNone/>
+              <a:defRPr sz="2400" b="0">
+                <a:solidFill>
+                  <a:schemeClr val="bg2">
+                    <a:lumMod val="40000"/>
+                    <a:lumOff val="60000"/>
+                  </a:schemeClr>
+                </a:solidFill>
+              </a:defRPr>
+            </a:lvl1pPr>
+            <a:lvl2pPr marL="457200" indent="0">
+              <a:buNone/>
+              <a:defRPr sz="2000" b="1"/>
+            </a:lvl2pPr>
+            <a:lvl3pPr marL="914400" indent="0">
+              <a:buNone/>
+              <a:defRPr sz="1800" b="1"/>
+            </a:lvl3pPr>
+            <a:lvl4pPr marL="1371600" indent="0">
+              <a:buNone/>
+              <a:defRPr sz="1600" b="1"/>
+            </a:lvl4pPr>
+            <a:lvl5pPr marL="1828800" indent="0">
+              <a:buNone/>
+              <a:defRPr sz="1600" b="1"/>
+            </a:lvl5pPr>
+            <a:lvl6pPr marL="2286000" indent="0">
+              <a:buNone/>
+              <a:defRPr sz="1600" b="1"/>
+            </a:lvl6pPr>
+            <a:lvl7pPr marL="2743200" indent="0">
+              <a:buNone/>
+              <a:defRPr sz="1600" b="1"/>
+            </a:lvl7pPr>
+            <a:lvl8pPr marL="3200400" indent="0">
+              <a:buNone/>
+              <a:defRPr sz="1600" b="1"/>
+            </a:lvl8pPr>
+            <a:lvl9pPr marL="3657600" indent="0">
+              <a:buNone/>
+              <a:defRPr sz="1600" b="1"/>
+            </a:lvl9pPr>
+          </a:lstStyle>
+          <a:p>
+            <a:pPr lvl="0"/>
+            <a:r>
+              <a:rPr lang="de-DE" smtClean="0"/>
+              <a:t>Formatvorlagen des Textmasters bearbeiten</a:t>
+            </a:r>
+          </a:p>
+        </p:txBody>
+      </p:sp>
+      <p:sp>
+        <p:nvSpPr>
+          <p:cNvPr id="30" name="Picture Placeholder 2"/>
+          <p:cNvSpPr>
+            <a:spLocks noGrp="1" noChangeAspect="1"/>
+          </p:cNvSpPr>
+          <p:nvPr>
+            <p:ph type="pic" idx="21"/>
+          </p:nvPr>
+        </p:nvSpPr>
+        <p:spPr>
+          <a:xfrm>
+            <a:off x="3889374" y="2209800"/>
+            <a:ext cx="2930525" cy="1524000"/>
+          </a:xfrm>
+          <a:prstGeom prst="roundRect">
+            <a:avLst>
+              <a:gd name="adj" fmla="val 1858"/>
+            </a:avLst>
+          </a:prstGeom>
+          <a:effectLst>
+            <a:outerShdw blurRad="50800" dist="50800" dir="5400000" algn="tl" rotWithShape="0">
+              <a:srgbClr val="000000">
+                <a:alpha val="43000"/>
+              </a:srgbClr>
+            </a:outerShdw>
+          </a:effectLst>
+        </p:spPr>
+        <p:txBody>
+          <a:bodyPr anchor="t">
+            <a:normAutofit/>
+          </a:bodyPr>
+          <a:lstStyle>
+            <a:lvl1pPr marL="0" indent="0" algn="ctr">
+              <a:buNone/>
+              <a:defRPr sz="1600"/>
+            </a:lvl1pPr>
+            <a:lvl2pPr marL="457200" indent="0">
+              <a:buNone/>
+              <a:defRPr sz="1600"/>
+            </a:lvl2pPr>
+            <a:lvl3pPr marL="914400" indent="0">
+              <a:buNone/>
+              <a:defRPr sz="1600"/>
+            </a:lvl3pPr>
+            <a:lvl4pPr marL="1371600" indent="0">
+              <a:buNone/>
+              <a:defRPr sz="1600"/>
+            </a:lvl4pPr>
+            <a:lvl5pPr marL="1828800" indent="0">
+              <a:buNone/>
+              <a:defRPr sz="1600"/>
+            </a:lvl5pPr>
+            <a:lvl6pPr marL="2286000" indent="0">
+              <a:buNone/>
+              <a:defRPr sz="1600"/>
+            </a:lvl6pPr>
+            <a:lvl7pPr marL="2743200" indent="0">
+              <a:buNone/>
+              <a:defRPr sz="1600"/>
+            </a:lvl7pPr>
+            <a:lvl8pPr marL="3200400" indent="0">
+              <a:buNone/>
+              <a:defRPr sz="1600"/>
+            </a:lvl8pPr>
+            <a:lvl9pPr marL="3657600" indent="0">
+              <a:buNone/>
+              <a:defRPr sz="1600"/>
+            </a:lvl9pPr>
+          </a:lstStyle>
+          <a:p>
+            <a:r>
+              <a:rPr lang="de-DE" smtClean="0"/>
+              <a:t>Bild durch Klicken auf Symbol hinzufügen</a:t>
+            </a:r>
+            <a:endParaRPr lang="en-US" dirty="0"/>
+          </a:p>
+        </p:txBody>
+      </p:sp>
+      <p:sp>
+        <p:nvSpPr>
+          <p:cNvPr id="23" name="Text Placeholder 3"/>
+          <p:cNvSpPr>
+            <a:spLocks noGrp="1"/>
+          </p:cNvSpPr>
+          <p:nvPr>
+            <p:ph type="body" sz="half" idx="19"/>
+          </p:nvPr>
+        </p:nvSpPr>
+        <p:spPr>
+          <a:xfrm>
+            <a:off x="3888022" y="4827210"/>
+            <a:ext cx="2934406" cy="659189"/>
+          </a:xfrm>
+        </p:spPr>
+        <p:txBody>
+          <a:bodyPr anchor="t">
+            <a:normAutofit/>
+          </a:bodyPr>
+          <a:lstStyle>
+            <a:lvl1pPr marL="0" indent="0">
+              <a:buNone/>
+              <a:defRPr sz="1400"/>
+            </a:lvl1pPr>
+            <a:lvl2pPr marL="457200" indent="0">
+              <a:buNone/>
+              <a:defRPr sz="1200"/>
+            </a:lvl2pPr>
+            <a:lvl3pPr marL="914400" indent="0">
+              <a:buNone/>
+              <a:defRPr sz="1000"/>
+            </a:lvl3pPr>
+            <a:lvl4pPr marL="1371600" indent="0">
+              <a:buNone/>
+              <a:defRPr sz="900"/>
+            </a:lvl4pPr>
+            <a:lvl5pPr marL="1828800" indent="0">
+              <a:buNone/>
+              <a:defRPr sz="900"/>
+            </a:lvl5pPr>
+            <a:lvl6pPr marL="2286000" indent="0">
+              <a:buNone/>
+              <a:defRPr sz="900"/>
+            </a:lvl6pPr>
+            <a:lvl7pPr marL="2743200" indent="0">
+              <a:buNone/>
+              <a:defRPr sz="900"/>
+            </a:lvl7pPr>
+            <a:lvl8pPr marL="3200400" indent="0">
+              <a:buNone/>
+              <a:defRPr sz="900"/>
+            </a:lvl8pPr>
+            <a:lvl9pPr marL="3657600" indent="0">
+              <a:buNone/>
+              <a:defRPr sz="900"/>
+            </a:lvl9pPr>
+          </a:lstStyle>
+          <a:p>
+            <a:pPr lvl="0"/>
+            <a:r>
+              <a:rPr lang="de-DE" smtClean="0"/>
+              <a:t>Formatvorlagen des Textmasters bearbeiten</a:t>
+            </a:r>
+          </a:p>
+        </p:txBody>
+      </p:sp>
+      <p:sp>
+        <p:nvSpPr>
+          <p:cNvPr id="14" name="Text Placeholder 4"/>
+          <p:cNvSpPr>
+            <a:spLocks noGrp="1"/>
+          </p:cNvSpPr>
+          <p:nvPr>
+            <p:ph type="body" sz="quarter" idx="13"/>
+          </p:nvPr>
+        </p:nvSpPr>
+        <p:spPr>
+          <a:xfrm>
+            <a:off x="7124700" y="4250949"/>
+            <a:ext cx="2932113" cy="576262"/>
+          </a:xfrm>
+        </p:spPr>
+        <p:txBody>
+          <a:bodyPr anchor="b">
+            <a:noAutofit/>
+          </a:bodyPr>
+          <a:lstStyle>
+            <a:lvl1pPr marL="0" indent="0">
+              <a:buNone/>
+              <a:defRPr sz="2400" b="0">
+                <a:solidFill>
+                  <a:schemeClr val="bg2">
+                    <a:lumMod val="40000"/>
+                    <a:lumOff val="60000"/>
+                  </a:schemeClr>
+                </a:solidFill>
+              </a:defRPr>
+            </a:lvl1pPr>
+            <a:lvl2pPr marL="457200" indent="0">
+              <a:buNone/>
+              <a:defRPr sz="2000" b="1"/>
+            </a:lvl2pPr>
+            <a:lvl3pPr marL="914400" indent="0">
+              <a:buNone/>
+              <a:defRPr sz="1800" b="1"/>
+            </a:lvl3pPr>
+            <a:lvl4pPr marL="1371600" indent="0">
+              <a:buNone/>
+              <a:defRPr sz="1600" b="1"/>
+            </a:lvl4pPr>
+            <a:lvl5pPr marL="1828800" indent="0">
+              <a:buNone/>
+              <a:defRPr sz="1600" b="1"/>
+            </a:lvl5pPr>
+            <a:lvl6pPr marL="2286000" indent="0">
+              <a:buNone/>
+              <a:defRPr sz="1600" b="1"/>
+            </a:lvl6pPr>
+            <a:lvl7pPr marL="2743200" indent="0">
+              <a:buNone/>
+              <a:defRPr sz="1600" b="1"/>
+            </a:lvl7pPr>
+            <a:lvl8pPr marL="3200400" indent="0">
+              <a:buNone/>
+              <a:defRPr sz="1600" b="1"/>
+            </a:lvl8pPr>
+            <a:lvl9pPr marL="3657600" indent="0">
+              <a:buNone/>
+              <a:defRPr sz="1600" b="1"/>
+            </a:lvl9pPr>
+          </a:lstStyle>
+          <a:p>
+            <a:pPr lvl="0"/>
+            <a:r>
+              <a:rPr lang="de-DE" smtClean="0"/>
+              <a:t>Formatvorlagen des Textmasters bearbeiten</a:t>
+            </a:r>
+          </a:p>
+        </p:txBody>
+      </p:sp>
+      <p:sp>
+        <p:nvSpPr>
+          <p:cNvPr id="31" name="Picture Placeholder 2"/>
+          <p:cNvSpPr>
+            <a:spLocks noGrp="1" noChangeAspect="1"/>
+          </p:cNvSpPr>
+          <p:nvPr>
+            <p:ph type="pic" idx="22"/>
+          </p:nvPr>
+        </p:nvSpPr>
+        <p:spPr>
+          <a:xfrm>
+            <a:off x="7124699" y="2209800"/>
+            <a:ext cx="2932113" cy="1524000"/>
+          </a:xfrm>
+          <a:prstGeom prst="roundRect">
+            <a:avLst>
+              <a:gd name="adj" fmla="val 1858"/>
+            </a:avLst>
+          </a:prstGeom>
+          <a:effectLst>
+            <a:outerShdw blurRad="50800" dist="50800" dir="5400000" algn="tl" rotWithShape="0">
+              <a:srgbClr val="000000">
+                <a:alpha val="43000"/>
+              </a:srgbClr>
+            </a:outerShdw>
+          </a:effectLst>
+        </p:spPr>
+        <p:txBody>
+          <a:bodyPr anchor="t">
+            <a:normAutofit/>
+          </a:bodyPr>
+          <a:lstStyle>
+            <a:lvl1pPr marL="0" indent="0" algn="ctr">
+              <a:buNone/>
+              <a:defRPr sz="1600"/>
+            </a:lvl1pPr>
+            <a:lvl2pPr marL="457200" indent="0">
+              <a:buNone/>
+              <a:defRPr sz="1600"/>
+            </a:lvl2pPr>
+            <a:lvl3pPr marL="914400" indent="0">
+              <a:buNone/>
+              <a:defRPr sz="1600"/>
+            </a:lvl3pPr>
+            <a:lvl4pPr marL="1371600" indent="0">
+              <a:buNone/>
+              <a:defRPr sz="1600"/>
+            </a:lvl4pPr>
+            <a:lvl5pPr marL="1828800" indent="0">
+              <a:buNone/>
+              <a:defRPr sz="1600"/>
+            </a:lvl5pPr>
+            <a:lvl6pPr marL="2286000" indent="0">
+              <a:buNone/>
+              <a:defRPr sz="1600"/>
+            </a:lvl6pPr>
+            <a:lvl7pPr marL="2743200" indent="0">
+              <a:buNone/>
+              <a:defRPr sz="1600"/>
+            </a:lvl7pPr>
+            <a:lvl8pPr marL="3200400" indent="0">
+              <a:buNone/>
+              <a:defRPr sz="1600"/>
+            </a:lvl8pPr>
+            <a:lvl9pPr marL="3657600" indent="0">
+              <a:buNone/>
+              <a:defRPr sz="1600"/>
+            </a:lvl9pPr>
+          </a:lstStyle>
+          <a:p>
+            <a:r>
+              <a:rPr lang="de-DE" smtClean="0"/>
+              <a:t>Bild durch Klicken auf Symbol hinzufügen</a:t>
+            </a:r>
+            <a:endParaRPr lang="en-US" dirty="0"/>
+          </a:p>
+        </p:txBody>
+      </p:sp>
+      <p:sp>
+        <p:nvSpPr>
+          <p:cNvPr id="24" name="Text Placeholder 3"/>
+          <p:cNvSpPr>
+            <a:spLocks noGrp="1"/>
+          </p:cNvSpPr>
+          <p:nvPr>
+            <p:ph type="body" sz="half" idx="20"/>
+          </p:nvPr>
+        </p:nvSpPr>
+        <p:spPr>
+          <a:xfrm>
+            <a:off x="7124575" y="4827208"/>
+            <a:ext cx="2935997" cy="659189"/>
+          </a:xfrm>
+        </p:spPr>
+        <p:txBody>
+          <a:bodyPr anchor="t">
+            <a:normAutofit/>
+          </a:bodyPr>
+          <a:lstStyle>
+            <a:lvl1pPr marL="0" indent="0">
+              <a:buNone/>
+              <a:defRPr sz="1400"/>
+            </a:lvl1pPr>
+            <a:lvl2pPr marL="457200" indent="0">
+              <a:buNone/>
+              <a:defRPr sz="1200"/>
+            </a:lvl2pPr>
+            <a:lvl3pPr marL="914400" indent="0">
+              <a:buNone/>
+              <a:defRPr sz="1000"/>
+            </a:lvl3pPr>
+            <a:lvl4pPr marL="1371600" indent="0">
+              <a:buNone/>
+              <a:defRPr sz="900"/>
+            </a:lvl4pPr>
+            <a:lvl5pPr marL="1828800" indent="0">
+              <a:buNone/>
+              <a:defRPr sz="900"/>
+            </a:lvl5pPr>
+            <a:lvl6pPr marL="2286000" indent="0">
+              <a:buNone/>
+              <a:defRPr sz="900"/>
+            </a:lvl6pPr>
+            <a:lvl7pPr marL="2743200" indent="0">
+              <a:buNone/>
+              <a:defRPr sz="900"/>
+            </a:lvl7pPr>
+            <a:lvl8pPr marL="3200400" indent="0">
+              <a:buNone/>
+              <a:defRPr sz="900"/>
+            </a:lvl8pPr>
+            <a:lvl9pPr marL="3657600" indent="0">
+              <a:buNone/>
+              <a:defRPr sz="900"/>
+            </a:lvl9pPr>
+          </a:lstStyle>
+          <a:p>
+            <a:pPr lvl="0"/>
+            <a:r>
+              <a:rPr lang="de-DE" smtClean="0"/>
+              <a:t>Formatvorlagen des Textmasters bearbeiten</a:t>
+            </a:r>
+          </a:p>
+        </p:txBody>
+      </p:sp>
+      <p:cxnSp>
+        <p:nvCxnSpPr>
+          <p:cNvPr id="19" name="Straight Connector 18"/>
+          <p:cNvCxnSpPr/>
+          <p:nvPr/>
+        </p:nvCxnSpPr>
+        <p:spPr>
+          <a:xfrm>
+            <a:off x="3726142" y="2133600"/>
+            <a:ext cx="0" cy="3962400"/>
+          </a:xfrm>
+          <a:prstGeom prst="line">
+            <a:avLst/>
+          </a:prstGeom>
+          <a:ln w="12700" cmpd="sng">
+            <a:solidFill>
+              <a:schemeClr val="bg2">
+                <a:lumMod val="40000"/>
+                <a:lumOff val="60000"/>
+                <a:alpha val="40000"/>
+              </a:schemeClr>
+            </a:solidFill>
+          </a:ln>
+        </p:spPr>
+        <p:style>
+          <a:lnRef idx="2">
+            <a:schemeClr val="accent1"/>
+          </a:lnRef>
+          <a:fillRef idx="0">
+            <a:schemeClr val="accent1"/>
+          </a:fillRef>
+          <a:effectRef idx="1">
+            <a:schemeClr val="accent1"/>
+          </a:effectRef>
+          <a:fontRef idx="minor">
+            <a:schemeClr val="tx1"/>
+          </a:fontRef>
+        </p:style>
+      </p:cxnSp>
+      <p:cxnSp>
+        <p:nvCxnSpPr>
+          <p:cNvPr id="20" name="Straight Connector 19"/>
+          <p:cNvCxnSpPr/>
+          <p:nvPr/>
+        </p:nvCxnSpPr>
+        <p:spPr>
+          <a:xfrm>
+            <a:off x="6962227" y="2133600"/>
+            <a:ext cx="0" cy="3966882"/>
+          </a:xfrm>
+          <a:prstGeom prst="line">
+            <a:avLst/>
+          </a:prstGeom>
+          <a:ln w="12700" cmpd="sng">
+            <a:solidFill>
+              <a:schemeClr val="bg2">
+                <a:lumMod val="40000"/>
+                <a:lumOff val="60000"/>
+                <a:alpha val="40000"/>
+              </a:schemeClr>
+            </a:solidFill>
+          </a:ln>
+        </p:spPr>
+        <p:style>
+          <a:lnRef idx="2">
+            <a:schemeClr val="accent1"/>
+          </a:lnRef>
+          <a:fillRef idx="0">
+            <a:schemeClr val="accent1"/>
+          </a:fillRef>
+          <a:effectRef idx="1">
+            <a:schemeClr val="accent1"/>
+          </a:effectRef>
+          <a:fontRef idx="minor">
+            <a:schemeClr val="tx1"/>
+          </a:fontRef>
+        </p:style>
+      </p:cxnSp>
+      <p:sp>
+        <p:nvSpPr>
+          <p:cNvPr id="7" name="Date Placeholder 3"/>
+          <p:cNvSpPr>
+            <a:spLocks noGrp="1"/>
+          </p:cNvSpPr>
+          <p:nvPr>
+            <p:ph type="dt" sz="half" idx="10"/>
+          </p:nvPr>
+        </p:nvSpPr>
+        <p:spPr/>
+        <p:txBody>
+          <a:bodyPr/>
+          <a:lstStyle/>
+          <a:p>
+            <a:fld id="{9A30C9D5-E537-49A5-89A1-057D94699C9E}" type="datetime1">
+              <a:rPr lang="de-DE" smtClean="0"/>
+              <a:t>28.02.2020</a:t>
+            </a:fld>
+            <a:endParaRPr lang="de-DE"/>
+          </a:p>
+        </p:txBody>
+      </p:sp>
+      <p:sp>
+        <p:nvSpPr>
+          <p:cNvPr id="4" name="Footer Placeholder 4"/>
+          <p:cNvSpPr>
+            <a:spLocks noGrp="1"/>
+          </p:cNvSpPr>
+          <p:nvPr>
+            <p:ph type="ftr" sz="quarter" idx="11"/>
+          </p:nvPr>
+        </p:nvSpPr>
+        <p:spPr/>
+        <p:txBody>
+          <a:bodyPr/>
+          <a:lstStyle/>
+          <a:p>
+            <a:endParaRPr lang="de-DE"/>
+          </a:p>
+        </p:txBody>
+      </p:sp>
+      <p:sp>
+        <p:nvSpPr>
+          <p:cNvPr id="6" name="Slide Number Placeholder 5"/>
+          <p:cNvSpPr>
+            <a:spLocks noGrp="1"/>
+          </p:cNvSpPr>
+          <p:nvPr>
+            <p:ph type="sldNum" sz="quarter" idx="12"/>
+          </p:nvPr>
+        </p:nvSpPr>
+        <p:spPr/>
+        <p:txBody>
+          <a:bodyPr/>
+          <a:lstStyle/>
+          <a:p>
+            <a:fld id="{4D97A03B-941A-4DB2-9027-144FC3ED8D76}" type="slidenum">
+              <a:rPr lang="de-DE" smtClean="0"/>
+              <a:t>‹Nr.›</a:t>
+            </a:fld>
+            <a:endParaRPr lang="de-DE"/>
+          </a:p>
+        </p:txBody>
+      </p:sp>
+    </p:spTree>
+    <p:extLst>
+      <p:ext uri="{BB962C8B-B14F-4D97-AF65-F5344CB8AC3E}">
+        <p14:creationId xmlns:p14="http://schemas.microsoft.com/office/powerpoint/2010/main" val="2047107237"/>
+      </p:ext>
+    </p:extLst>
+  </p:cSld>
+  <p:clrMapOvr>
+    <a:masterClrMapping/>
+  </p:clrMapOvr>
+</p:sldLayout>
+</file>
+
+<file path=ppt/slideLayouts/slideLayout16.xml><?xml version="1.0" encoding="utf-8"?>
 <p:sldLayout xmlns:a="http://schemas.openxmlformats.org/drawingml/2006/main" xmlns:r="http://schemas.openxmlformats.org/officeDocument/2006/relationships" xmlns:p="http://schemas.openxmlformats.org/presentationml/2006/main" type="vertTx" preserve="1">
   <p:cSld name="Titel und vertikaler Text">
     <p:spTree>
@@ -328,7 +3306,7 @@
       </p:grpSpPr>
       <p:sp>
         <p:nvSpPr>
-          <p:cNvPr id="2" name="Titel 1"/>
+          <p:cNvPr id="2" name="Title 1"/>
           <p:cNvSpPr>
             <a:spLocks noGrp="1"/>
           </p:cNvSpPr>
@@ -345,13 +3323,13 @@
               <a:rPr lang="de-DE" smtClean="0"/>
               <a:t>Titelmasterformat durch Klicken bearbeiten</a:t>
             </a:r>
-            <a:endParaRPr lang="de-DE"/>
-          </a:p>
-        </p:txBody>
-      </p:sp>
-      <p:sp>
-        <p:nvSpPr>
-          <p:cNvPr id="3" name="Vertikaler Textplatzhalter 2"/>
+            <a:endParaRPr lang="en-US" dirty="0"/>
+          </a:p>
+        </p:txBody>
+      </p:sp>
+      <p:sp>
+        <p:nvSpPr>
+          <p:cNvPr id="3" name="Vertical Text Placeholder 2"/>
           <p:cNvSpPr>
             <a:spLocks noGrp="1"/>
           </p:cNvSpPr>
@@ -361,7 +3339,7 @@
         </p:nvSpPr>
         <p:spPr/>
         <p:txBody>
-          <a:bodyPr vert="eaVert"/>
+          <a:bodyPr vert="eaVert" anchor="t" anchorCtr="0"/>
           <a:lstStyle/>
           <a:p>
             <a:pPr lvl="0"/>
@@ -397,13 +3375,13 @@
               <a:rPr lang="de-DE" smtClean="0"/>
               <a:t>Fünfte Ebene</a:t>
             </a:r>
-            <a:endParaRPr lang="de-DE"/>
-          </a:p>
-        </p:txBody>
-      </p:sp>
-      <p:sp>
-        <p:nvSpPr>
-          <p:cNvPr id="4" name="Datumsplatzhalter 3"/>
+            <a:endParaRPr lang="en-US" dirty="0"/>
+          </a:p>
+        </p:txBody>
+      </p:sp>
+      <p:sp>
+        <p:nvSpPr>
+          <p:cNvPr id="4" name="Date Placeholder 3"/>
           <p:cNvSpPr>
             <a:spLocks noGrp="1"/>
           </p:cNvSpPr>
@@ -416,9 +3394,9 @@
           <a:bodyPr/>
           <a:lstStyle/>
           <a:p>
-            <a:fld id="{764E822D-177B-44F8-9B3B-6AAE9BD6CCA3}" type="datetimeFigureOut">
-              <a:rPr lang="de-DE" smtClean="0"/>
-              <a:t>26.02.2020</a:t>
+            <a:fld id="{5BA2EF30-9014-47DE-8D5A-7969D997B9AF}" type="datetime1">
+              <a:rPr lang="de-DE" smtClean="0"/>
+              <a:t>28.02.2020</a:t>
             </a:fld>
             <a:endParaRPr lang="de-DE"/>
           </a:p>
@@ -426,7 +3404,7 @@
       </p:sp>
       <p:sp>
         <p:nvSpPr>
-          <p:cNvPr id="5" name="Fußzeilenplatzhalter 4"/>
+          <p:cNvPr id="5" name="Footer Placeholder 4"/>
           <p:cNvSpPr>
             <a:spLocks noGrp="1"/>
           </p:cNvSpPr>
@@ -445,7 +3423,7 @@
       </p:sp>
       <p:sp>
         <p:nvSpPr>
-          <p:cNvPr id="6" name="Foliennummernplatzhalter 5"/>
+          <p:cNvPr id="6" name="Slide Number Placeholder 5"/>
           <p:cNvSpPr>
             <a:spLocks noGrp="1"/>
           </p:cNvSpPr>
@@ -469,7 +3447,7 @@
     </p:spTree>
     <p:extLst>
       <p:ext uri="{BB962C8B-B14F-4D97-AF65-F5344CB8AC3E}">
-        <p14:creationId xmlns:p14="http://schemas.microsoft.com/office/powerpoint/2010/main" val="1257844248"/>
+        <p14:creationId xmlns:p14="http://schemas.microsoft.com/office/powerpoint/2010/main" val="2835145981"/>
       </p:ext>
     </p:extLst>
   </p:cSld>
@@ -479,7 +3457,7 @@
 </p:sldLayout>
 </file>
 
-<file path=ppt/slideLayouts/slideLayout11.xml><?xml version="1.0" encoding="utf-8"?>
+<file path=ppt/slideLayouts/slideLayout17.xml><?xml version="1.0" encoding="utf-8"?>
 <p:sldLayout xmlns:a="http://schemas.openxmlformats.org/drawingml/2006/main" xmlns:r="http://schemas.openxmlformats.org/officeDocument/2006/relationships" xmlns:p="http://schemas.openxmlformats.org/presentationml/2006/main" type="vertTitleAndTx" preserve="1">
   <p:cSld name="Vertikaler Titel und Text">
     <p:spTree>
@@ -498,7 +3476,7 @@
       </p:grpSpPr>
       <p:sp>
         <p:nvSpPr>
-          <p:cNvPr id="2" name="Vertikaler Titel 1"/>
+          <p:cNvPr id="2" name="Vertical Title 1"/>
           <p:cNvSpPr>
             <a:spLocks noGrp="1"/>
           </p:cNvSpPr>
@@ -508,25 +3486,25 @@
         </p:nvSpPr>
         <p:spPr>
           <a:xfrm>
-            <a:off x="8724900" y="365125"/>
-            <a:ext cx="2628900" cy="5811838"/>
+            <a:off x="8304212" y="430213"/>
+            <a:ext cx="1752601" cy="5826125"/>
           </a:xfrm>
         </p:spPr>
         <p:txBody>
-          <a:bodyPr vert="eaVert"/>
+          <a:bodyPr vert="eaVert" anchor="b" anchorCtr="0"/>
           <a:lstStyle/>
           <a:p>
             <a:r>
               <a:rPr lang="de-DE" smtClean="0"/>
               <a:t>Titelmasterformat durch Klicken bearbeiten</a:t>
             </a:r>
-            <a:endParaRPr lang="de-DE"/>
-          </a:p>
-        </p:txBody>
-      </p:sp>
-      <p:sp>
-        <p:nvSpPr>
-          <p:cNvPr id="3" name="Vertikaler Textplatzhalter 2"/>
+            <a:endParaRPr lang="en-US" dirty="0"/>
+          </a:p>
+        </p:txBody>
+      </p:sp>
+      <p:sp>
+        <p:nvSpPr>
+          <p:cNvPr id="3" name="Vertical Text Placeholder 2"/>
           <p:cNvSpPr>
             <a:spLocks noGrp="1"/>
           </p:cNvSpPr>
@@ -536,8 +3514,8 @@
         </p:nvSpPr>
         <p:spPr>
           <a:xfrm>
-            <a:off x="838200" y="365125"/>
-            <a:ext cx="7734300" cy="5811838"/>
+            <a:off x="652463" y="887414"/>
+            <a:ext cx="7423149" cy="5368924"/>
           </a:xfrm>
         </p:spPr>
         <p:txBody>
@@ -577,13 +3555,13 @@
               <a:rPr lang="de-DE" smtClean="0"/>
               <a:t>Fünfte Ebene</a:t>
             </a:r>
-            <a:endParaRPr lang="de-DE"/>
-          </a:p>
-        </p:txBody>
-      </p:sp>
-      <p:sp>
-        <p:nvSpPr>
-          <p:cNvPr id="4" name="Datumsplatzhalter 3"/>
+            <a:endParaRPr lang="en-US" dirty="0"/>
+          </a:p>
+        </p:txBody>
+      </p:sp>
+      <p:sp>
+        <p:nvSpPr>
+          <p:cNvPr id="4" name="Date Placeholder 3"/>
           <p:cNvSpPr>
             <a:spLocks noGrp="1"/>
           </p:cNvSpPr>
@@ -596,9 +3574,9 @@
           <a:bodyPr/>
           <a:lstStyle/>
           <a:p>
-            <a:fld id="{764E822D-177B-44F8-9B3B-6AAE9BD6CCA3}" type="datetimeFigureOut">
-              <a:rPr lang="de-DE" smtClean="0"/>
-              <a:t>26.02.2020</a:t>
+            <a:fld id="{B8B2EF94-F135-4D7E-BC97-F0026C6C47FC}" type="datetime1">
+              <a:rPr lang="de-DE" smtClean="0"/>
+              <a:t>28.02.2020</a:t>
             </a:fld>
             <a:endParaRPr lang="de-DE"/>
           </a:p>
@@ -606,7 +3584,7 @@
       </p:sp>
       <p:sp>
         <p:nvSpPr>
-          <p:cNvPr id="5" name="Fußzeilenplatzhalter 4"/>
+          <p:cNvPr id="5" name="Footer Placeholder 4"/>
           <p:cNvSpPr>
             <a:spLocks noGrp="1"/>
           </p:cNvSpPr>
@@ -625,7 +3603,7 @@
       </p:sp>
       <p:sp>
         <p:nvSpPr>
-          <p:cNvPr id="6" name="Foliennummernplatzhalter 5"/>
+          <p:cNvPr id="6" name="Slide Number Placeholder 5"/>
           <p:cNvSpPr>
             <a:spLocks noGrp="1"/>
           </p:cNvSpPr>
@@ -649,7 +3627,7 @@
     </p:spTree>
     <p:extLst>
       <p:ext uri="{BB962C8B-B14F-4D97-AF65-F5344CB8AC3E}">
-        <p14:creationId xmlns:p14="http://schemas.microsoft.com/office/powerpoint/2010/main" val="3673719148"/>
+        <p14:creationId xmlns:p14="http://schemas.microsoft.com/office/powerpoint/2010/main" val="2213603033"/>
       </p:ext>
     </p:extLst>
   </p:cSld>
@@ -678,7 +3656,7 @@
       </p:grpSpPr>
       <p:sp>
         <p:nvSpPr>
-          <p:cNvPr id="2" name="Titel 1"/>
+          <p:cNvPr id="2" name="Title 1"/>
           <p:cNvSpPr>
             <a:spLocks noGrp="1"/>
           </p:cNvSpPr>
@@ -695,13 +3673,13 @@
               <a:rPr lang="de-DE" smtClean="0"/>
               <a:t>Titelmasterformat durch Klicken bearbeiten</a:t>
             </a:r>
-            <a:endParaRPr lang="de-DE"/>
-          </a:p>
-        </p:txBody>
-      </p:sp>
-      <p:sp>
-        <p:nvSpPr>
-          <p:cNvPr id="3" name="Inhaltsplatzhalter 2"/>
+            <a:endParaRPr lang="en-US" dirty="0"/>
+          </a:p>
+        </p:txBody>
+      </p:sp>
+      <p:sp>
+        <p:nvSpPr>
+          <p:cNvPr id="3" name="Content Placeholder 2"/>
           <p:cNvSpPr>
             <a:spLocks noGrp="1"/>
           </p:cNvSpPr>
@@ -747,13 +3725,13 @@
               <a:rPr lang="de-DE" smtClean="0"/>
               <a:t>Fünfte Ebene</a:t>
             </a:r>
-            <a:endParaRPr lang="de-DE"/>
-          </a:p>
-        </p:txBody>
-      </p:sp>
-      <p:sp>
-        <p:nvSpPr>
-          <p:cNvPr id="4" name="Datumsplatzhalter 3"/>
+            <a:endParaRPr lang="en-US" dirty="0"/>
+          </a:p>
+        </p:txBody>
+      </p:sp>
+      <p:sp>
+        <p:nvSpPr>
+          <p:cNvPr id="7" name="Date Placeholder 3"/>
           <p:cNvSpPr>
             <a:spLocks noGrp="1"/>
           </p:cNvSpPr>
@@ -766,9 +3744,9 @@
           <a:bodyPr/>
           <a:lstStyle/>
           <a:p>
-            <a:fld id="{764E822D-177B-44F8-9B3B-6AAE9BD6CCA3}" type="datetimeFigureOut">
-              <a:rPr lang="de-DE" smtClean="0"/>
-              <a:t>26.02.2020</a:t>
+            <a:fld id="{977F8881-C82B-444D-876A-450E449B5089}" type="datetime1">
+              <a:rPr lang="de-DE" smtClean="0"/>
+              <a:t>28.02.2020</a:t>
             </a:fld>
             <a:endParaRPr lang="de-DE"/>
           </a:p>
@@ -776,7 +3754,7 @@
       </p:sp>
       <p:sp>
         <p:nvSpPr>
-          <p:cNvPr id="5" name="Fußzeilenplatzhalter 4"/>
+          <p:cNvPr id="5" name="Footer Placeholder 4"/>
           <p:cNvSpPr>
             <a:spLocks noGrp="1"/>
           </p:cNvSpPr>
@@ -795,7 +3773,7 @@
       </p:sp>
       <p:sp>
         <p:nvSpPr>
-          <p:cNvPr id="6" name="Foliennummernplatzhalter 5"/>
+          <p:cNvPr id="6" name="Slide Number Placeholder 5"/>
           <p:cNvSpPr>
             <a:spLocks noGrp="1"/>
           </p:cNvSpPr>
@@ -819,7 +3797,7 @@
     </p:spTree>
     <p:extLst>
       <p:ext uri="{BB962C8B-B14F-4D97-AF65-F5344CB8AC3E}">
-        <p14:creationId xmlns:p14="http://schemas.microsoft.com/office/powerpoint/2010/main" val="2294671028"/>
+        <p14:creationId xmlns:p14="http://schemas.microsoft.com/office/powerpoint/2010/main" val="484245891"/>
       </p:ext>
     </p:extLst>
   </p:cSld>
@@ -848,7 +3826,7 @@
       </p:grpSpPr>
       <p:sp>
         <p:nvSpPr>
-          <p:cNvPr id="2" name="Titel 1"/>
+          <p:cNvPr id="2" name="Title 1"/>
           <p:cNvSpPr>
             <a:spLocks noGrp="1"/>
           </p:cNvSpPr>
@@ -858,15 +3836,15 @@
         </p:nvSpPr>
         <p:spPr>
           <a:xfrm>
-            <a:off x="831850" y="1709738"/>
-            <a:ext cx="10515600" cy="2852737"/>
+            <a:off x="1154956" y="2861733"/>
+            <a:ext cx="8825657" cy="1915647"/>
           </a:xfrm>
         </p:spPr>
         <p:txBody>
           <a:bodyPr anchor="b"/>
           <a:lstStyle>
-            <a:lvl1pPr>
-              <a:defRPr sz="6000"/>
+            <a:lvl1pPr algn="l">
+              <a:defRPr sz="4000" b="0" cap="none"/>
             </a:lvl1pPr>
           </a:lstStyle>
           <a:p>
@@ -874,13 +3852,13 @@
               <a:rPr lang="de-DE" smtClean="0"/>
               <a:t>Titelmasterformat durch Klicken bearbeiten</a:t>
             </a:r>
-            <a:endParaRPr lang="de-DE"/>
-          </a:p>
-        </p:txBody>
-      </p:sp>
-      <p:sp>
-        <p:nvSpPr>
-          <p:cNvPr id="3" name="Textplatzhalter 2"/>
+            <a:endParaRPr lang="en-US" dirty="0"/>
+          </a:p>
+        </p:txBody>
+      </p:sp>
+      <p:sp>
+        <p:nvSpPr>
+          <p:cNvPr id="3" name="Text Placeholder 2"/>
           <p:cNvSpPr>
             <a:spLocks noGrp="1"/>
           </p:cNvSpPr>
@@ -890,26 +3868,27 @@
         </p:nvSpPr>
         <p:spPr>
           <a:xfrm>
-            <a:off x="831850" y="4589463"/>
-            <a:ext cx="10515600" cy="1500187"/>
+            <a:off x="1154955" y="4777381"/>
+            <a:ext cx="8825658" cy="860400"/>
           </a:xfrm>
         </p:spPr>
         <p:txBody>
-          <a:bodyPr/>
+          <a:bodyPr anchor="t"/>
           <a:lstStyle>
-            <a:lvl1pPr marL="0" indent="0">
-              <a:buNone/>
-              <a:defRPr sz="2400">
+            <a:lvl1pPr marL="0" indent="0" algn="l">
+              <a:buNone/>
+              <a:defRPr sz="2000" cap="all">
                 <a:solidFill>
-                  <a:schemeClr val="tx1">
-                    <a:tint val="75000"/>
+                  <a:schemeClr val="bg2">
+                    <a:lumMod val="40000"/>
+                    <a:lumOff val="60000"/>
                   </a:schemeClr>
                 </a:solidFill>
               </a:defRPr>
             </a:lvl1pPr>
             <a:lvl2pPr marL="457200" indent="0">
               <a:buNone/>
-              <a:defRPr sz="2000">
+              <a:defRPr sz="1800">
                 <a:solidFill>
                   <a:schemeClr val="tx1">
                     <a:tint val="75000"/>
@@ -919,7 +3898,7 @@
             </a:lvl2pPr>
             <a:lvl3pPr marL="914400" indent="0">
               <a:buNone/>
-              <a:defRPr sz="1800">
+              <a:defRPr sz="1600">
                 <a:solidFill>
                   <a:schemeClr val="tx1">
                     <a:tint val="75000"/>
@@ -929,7 +3908,7 @@
             </a:lvl3pPr>
             <a:lvl4pPr marL="1371600" indent="0">
               <a:buNone/>
-              <a:defRPr sz="1600">
+              <a:defRPr sz="1400">
                 <a:solidFill>
                   <a:schemeClr val="tx1">
                     <a:tint val="75000"/>
@@ -939,7 +3918,7 @@
             </a:lvl4pPr>
             <a:lvl5pPr marL="1828800" indent="0">
               <a:buNone/>
-              <a:defRPr sz="1600">
+              <a:defRPr sz="1400">
                 <a:solidFill>
                   <a:schemeClr val="tx1">
                     <a:tint val="75000"/>
@@ -949,7 +3928,7 @@
             </a:lvl5pPr>
             <a:lvl6pPr marL="2286000" indent="0">
               <a:buNone/>
-              <a:defRPr sz="1600">
+              <a:defRPr sz="1400">
                 <a:solidFill>
                   <a:schemeClr val="tx1">
                     <a:tint val="75000"/>
@@ -959,7 +3938,7 @@
             </a:lvl6pPr>
             <a:lvl7pPr marL="2743200" indent="0">
               <a:buNone/>
-              <a:defRPr sz="1600">
+              <a:defRPr sz="1400">
                 <a:solidFill>
                   <a:schemeClr val="tx1">
                     <a:tint val="75000"/>
@@ -969,7 +3948,7 @@
             </a:lvl7pPr>
             <a:lvl8pPr marL="3200400" indent="0">
               <a:buNone/>
-              <a:defRPr sz="1600">
+              <a:defRPr sz="1400">
                 <a:solidFill>
                   <a:schemeClr val="tx1">
                     <a:tint val="75000"/>
@@ -979,7 +3958,7 @@
             </a:lvl8pPr>
             <a:lvl9pPr marL="3657600" indent="0">
               <a:buNone/>
-              <a:defRPr sz="1600">
+              <a:defRPr sz="1400">
                 <a:solidFill>
                   <a:schemeClr val="tx1">
                     <a:tint val="75000"/>
@@ -999,7 +3978,7 @@
       </p:sp>
       <p:sp>
         <p:nvSpPr>
-          <p:cNvPr id="4" name="Datumsplatzhalter 3"/>
+          <p:cNvPr id="4" name="Date Placeholder 3"/>
           <p:cNvSpPr>
             <a:spLocks noGrp="1"/>
           </p:cNvSpPr>
@@ -1012,9 +3991,9 @@
           <a:bodyPr/>
           <a:lstStyle/>
           <a:p>
-            <a:fld id="{764E822D-177B-44F8-9B3B-6AAE9BD6CCA3}" type="datetimeFigureOut">
-              <a:rPr lang="de-DE" smtClean="0"/>
-              <a:t>26.02.2020</a:t>
+            <a:fld id="{B4B3257F-53C7-4B20-9859-42C788895DFE}" type="datetime1">
+              <a:rPr lang="de-DE" smtClean="0"/>
+              <a:t>28.02.2020</a:t>
             </a:fld>
             <a:endParaRPr lang="de-DE"/>
           </a:p>
@@ -1022,7 +4001,7 @@
       </p:sp>
       <p:sp>
         <p:nvSpPr>
-          <p:cNvPr id="5" name="Fußzeilenplatzhalter 4"/>
+          <p:cNvPr id="5" name="Footer Placeholder 4"/>
           <p:cNvSpPr>
             <a:spLocks noGrp="1"/>
           </p:cNvSpPr>
@@ -1041,7 +4020,7 @@
       </p:sp>
       <p:sp>
         <p:nvSpPr>
-          <p:cNvPr id="6" name="Foliennummernplatzhalter 5"/>
+          <p:cNvPr id="6" name="Slide Number Placeholder 5"/>
           <p:cNvSpPr>
             <a:spLocks noGrp="1"/>
           </p:cNvSpPr>
@@ -1065,7 +4044,7 @@
     </p:spTree>
     <p:extLst>
       <p:ext uri="{BB962C8B-B14F-4D97-AF65-F5344CB8AC3E}">
-        <p14:creationId xmlns:p14="http://schemas.microsoft.com/office/powerpoint/2010/main" val="1759340110"/>
+        <p14:creationId xmlns:p14="http://schemas.microsoft.com/office/powerpoint/2010/main" val="2970200115"/>
       </p:ext>
     </p:extLst>
   </p:cSld>
@@ -1094,7 +4073,7 @@
       </p:grpSpPr>
       <p:sp>
         <p:nvSpPr>
-          <p:cNvPr id="2" name="Titel 1"/>
+          <p:cNvPr id="2" name="Title 1"/>
           <p:cNvSpPr>
             <a:spLocks noGrp="1"/>
           </p:cNvSpPr>
@@ -1111,13 +4090,13 @@
               <a:rPr lang="de-DE" smtClean="0"/>
               <a:t>Titelmasterformat durch Klicken bearbeiten</a:t>
             </a:r>
-            <a:endParaRPr lang="de-DE"/>
-          </a:p>
-        </p:txBody>
-      </p:sp>
-      <p:sp>
-        <p:nvSpPr>
-          <p:cNvPr id="3" name="Inhaltsplatzhalter 2"/>
+            <a:endParaRPr lang="en-US" dirty="0"/>
+          </a:p>
+        </p:txBody>
+      </p:sp>
+      <p:sp>
+        <p:nvSpPr>
+          <p:cNvPr id="3" name="Content Placeholder 2"/>
           <p:cNvSpPr>
             <a:spLocks noGrp="1"/>
           </p:cNvSpPr>
@@ -1127,13 +4106,43 @@
         </p:nvSpPr>
         <p:spPr>
           <a:xfrm>
-            <a:off x="838200" y="1825625"/>
-            <a:ext cx="5181600" cy="4351338"/>
+            <a:off x="1103312" y="2060575"/>
+            <a:ext cx="4396339" cy="4195763"/>
           </a:xfrm>
         </p:spPr>
         <p:txBody>
-          <a:bodyPr/>
-          <a:lstStyle/>
+          <a:bodyPr>
+            <a:normAutofit/>
+          </a:bodyPr>
+          <a:lstStyle>
+            <a:lvl1pPr>
+              <a:defRPr sz="1800"/>
+            </a:lvl1pPr>
+            <a:lvl2pPr>
+              <a:defRPr sz="1600"/>
+            </a:lvl2pPr>
+            <a:lvl3pPr>
+              <a:defRPr sz="1400"/>
+            </a:lvl3pPr>
+            <a:lvl4pPr>
+              <a:defRPr sz="1200"/>
+            </a:lvl4pPr>
+            <a:lvl5pPr>
+              <a:defRPr sz="1200"/>
+            </a:lvl5pPr>
+            <a:lvl6pPr>
+              <a:defRPr sz="1200"/>
+            </a:lvl6pPr>
+            <a:lvl7pPr>
+              <a:defRPr sz="1200"/>
+            </a:lvl7pPr>
+            <a:lvl8pPr>
+              <a:defRPr sz="1200"/>
+            </a:lvl8pPr>
+            <a:lvl9pPr>
+              <a:defRPr sz="1200"/>
+            </a:lvl9pPr>
+          </a:lstStyle>
           <a:p>
             <a:pPr lvl="0"/>
             <a:r>
@@ -1168,13 +4177,13 @@
               <a:rPr lang="de-DE" smtClean="0"/>
               <a:t>Fünfte Ebene</a:t>
             </a:r>
-            <a:endParaRPr lang="de-DE"/>
-          </a:p>
-        </p:txBody>
-      </p:sp>
-      <p:sp>
-        <p:nvSpPr>
-          <p:cNvPr id="4" name="Inhaltsplatzhalter 3"/>
+            <a:endParaRPr lang="en-US" dirty="0"/>
+          </a:p>
+        </p:txBody>
+      </p:sp>
+      <p:sp>
+        <p:nvSpPr>
+          <p:cNvPr id="4" name="Content Placeholder 3"/>
           <p:cNvSpPr>
             <a:spLocks noGrp="1"/>
           </p:cNvSpPr>
@@ -1184,69 +4193,99 @@
         </p:nvSpPr>
         <p:spPr>
           <a:xfrm>
-            <a:off x="6172200" y="1825625"/>
-            <a:ext cx="5181600" cy="4351338"/>
+            <a:off x="5654493" y="2056092"/>
+            <a:ext cx="4396341" cy="4200245"/>
           </a:xfrm>
         </p:spPr>
         <p:txBody>
+          <a:bodyPr>
+            <a:normAutofit/>
+          </a:bodyPr>
+          <a:lstStyle>
+            <a:lvl1pPr>
+              <a:defRPr sz="1800"/>
+            </a:lvl1pPr>
+            <a:lvl2pPr>
+              <a:defRPr sz="1600"/>
+            </a:lvl2pPr>
+            <a:lvl3pPr>
+              <a:defRPr sz="1400"/>
+            </a:lvl3pPr>
+            <a:lvl4pPr>
+              <a:defRPr sz="1200"/>
+            </a:lvl4pPr>
+            <a:lvl5pPr>
+              <a:defRPr sz="1200"/>
+            </a:lvl5pPr>
+            <a:lvl6pPr>
+              <a:defRPr sz="1200"/>
+            </a:lvl6pPr>
+            <a:lvl7pPr>
+              <a:defRPr sz="1200"/>
+            </a:lvl7pPr>
+            <a:lvl8pPr>
+              <a:defRPr sz="1200"/>
+            </a:lvl8pPr>
+            <a:lvl9pPr>
+              <a:defRPr sz="1200"/>
+            </a:lvl9pPr>
+          </a:lstStyle>
+          <a:p>
+            <a:pPr lvl="0"/>
+            <a:r>
+              <a:rPr lang="de-DE" smtClean="0"/>
+              <a:t>Formatvorlagen des Textmasters bearbeiten</a:t>
+            </a:r>
+          </a:p>
+          <a:p>
+            <a:pPr lvl="1"/>
+            <a:r>
+              <a:rPr lang="de-DE" smtClean="0"/>
+              <a:t>Zweite Ebene</a:t>
+            </a:r>
+          </a:p>
+          <a:p>
+            <a:pPr lvl="2"/>
+            <a:r>
+              <a:rPr lang="de-DE" smtClean="0"/>
+              <a:t>Dritte Ebene</a:t>
+            </a:r>
+          </a:p>
+          <a:p>
+            <a:pPr lvl="3"/>
+            <a:r>
+              <a:rPr lang="de-DE" smtClean="0"/>
+              <a:t>Vierte Ebene</a:t>
+            </a:r>
+          </a:p>
+          <a:p>
+            <a:pPr lvl="4"/>
+            <a:r>
+              <a:rPr lang="de-DE" smtClean="0"/>
+              <a:t>Fünfte Ebene</a:t>
+            </a:r>
+            <a:endParaRPr lang="en-US" dirty="0"/>
+          </a:p>
+        </p:txBody>
+      </p:sp>
+      <p:sp>
+        <p:nvSpPr>
+          <p:cNvPr id="5" name="Date Placeholder 4"/>
+          <p:cNvSpPr>
+            <a:spLocks noGrp="1"/>
+          </p:cNvSpPr>
+          <p:nvPr>
+            <p:ph type="dt" sz="half" idx="10"/>
+          </p:nvPr>
+        </p:nvSpPr>
+        <p:spPr/>
+        <p:txBody>
           <a:bodyPr/>
           <a:lstStyle/>
           <a:p>
-            <a:pPr lvl="0"/>
-            <a:r>
-              <a:rPr lang="de-DE" smtClean="0"/>
-              <a:t>Formatvorlagen des Textmasters bearbeiten</a:t>
-            </a:r>
-          </a:p>
-          <a:p>
-            <a:pPr lvl="1"/>
-            <a:r>
-              <a:rPr lang="de-DE" smtClean="0"/>
-              <a:t>Zweite Ebene</a:t>
-            </a:r>
-          </a:p>
-          <a:p>
-            <a:pPr lvl="2"/>
-            <a:r>
-              <a:rPr lang="de-DE" smtClean="0"/>
-              <a:t>Dritte Ebene</a:t>
-            </a:r>
-          </a:p>
-          <a:p>
-            <a:pPr lvl="3"/>
-            <a:r>
-              <a:rPr lang="de-DE" smtClean="0"/>
-              <a:t>Vierte Ebene</a:t>
-            </a:r>
-          </a:p>
-          <a:p>
-            <a:pPr lvl="4"/>
-            <a:r>
-              <a:rPr lang="de-DE" smtClean="0"/>
-              <a:t>Fünfte Ebene</a:t>
-            </a:r>
-            <a:endParaRPr lang="de-DE"/>
-          </a:p>
-        </p:txBody>
-      </p:sp>
-      <p:sp>
-        <p:nvSpPr>
-          <p:cNvPr id="5" name="Datumsplatzhalter 4"/>
-          <p:cNvSpPr>
-            <a:spLocks noGrp="1"/>
-          </p:cNvSpPr>
-          <p:nvPr>
-            <p:ph type="dt" sz="half" idx="10"/>
-          </p:nvPr>
-        </p:nvSpPr>
-        <p:spPr/>
-        <p:txBody>
-          <a:bodyPr/>
-          <a:lstStyle/>
-          <a:p>
-            <a:fld id="{764E822D-177B-44F8-9B3B-6AAE9BD6CCA3}" type="datetimeFigureOut">
-              <a:rPr lang="de-DE" smtClean="0"/>
-              <a:t>26.02.2020</a:t>
+            <a:fld id="{76B6F65B-A750-4F2D-B685-AFA4F026C73F}" type="datetime1">
+              <a:rPr lang="de-DE" smtClean="0"/>
+              <a:t>28.02.2020</a:t>
             </a:fld>
             <a:endParaRPr lang="de-DE"/>
           </a:p>
@@ -1254,7 +4293,7 @@
       </p:sp>
       <p:sp>
         <p:nvSpPr>
-          <p:cNvPr id="6" name="Fußzeilenplatzhalter 5"/>
+          <p:cNvPr id="6" name="Footer Placeholder 5"/>
           <p:cNvSpPr>
             <a:spLocks noGrp="1"/>
           </p:cNvSpPr>
@@ -1273,7 +4312,7 @@
       </p:sp>
       <p:sp>
         <p:nvSpPr>
-          <p:cNvPr id="7" name="Foliennummernplatzhalter 6"/>
+          <p:cNvPr id="7" name="Slide Number Placeholder 6"/>
           <p:cNvSpPr>
             <a:spLocks noGrp="1"/>
           </p:cNvSpPr>
@@ -1297,7 +4336,7 @@
     </p:spTree>
     <p:extLst>
       <p:ext uri="{BB962C8B-B14F-4D97-AF65-F5344CB8AC3E}">
-        <p14:creationId xmlns:p14="http://schemas.microsoft.com/office/powerpoint/2010/main" val="1131627068"/>
+        <p14:creationId xmlns:p14="http://schemas.microsoft.com/office/powerpoint/2010/main" val="3499975723"/>
       </p:ext>
     </p:extLst>
   </p:cSld>
@@ -1326,54 +4365,62 @@
       </p:grpSpPr>
       <p:sp>
         <p:nvSpPr>
-          <p:cNvPr id="2" name="Titel 1"/>
+          <p:cNvPr id="2" name="Title 1"/>
           <p:cNvSpPr>
             <a:spLocks noGrp="1"/>
           </p:cNvSpPr>
           <p:nvPr>
             <p:ph type="title"/>
+          </p:nvPr>
+        </p:nvSpPr>
+        <p:spPr/>
+        <p:txBody>
+          <a:bodyPr/>
+          <a:lstStyle>
+            <a:lvl1pPr>
+              <a:defRPr/>
+            </a:lvl1pPr>
+          </a:lstStyle>
+          <a:p>
+            <a:r>
+              <a:rPr lang="de-DE" smtClean="0"/>
+              <a:t>Titelmasterformat durch Klicken bearbeiten</a:t>
+            </a:r>
+            <a:endParaRPr lang="en-US" dirty="0"/>
+          </a:p>
+        </p:txBody>
+      </p:sp>
+      <p:sp>
+        <p:nvSpPr>
+          <p:cNvPr id="3" name="Text Placeholder 2"/>
+          <p:cNvSpPr>
+            <a:spLocks noGrp="1"/>
+          </p:cNvSpPr>
+          <p:nvPr>
+            <p:ph type="body" idx="1"/>
           </p:nvPr>
         </p:nvSpPr>
         <p:spPr>
           <a:xfrm>
-            <a:off x="839788" y="365125"/>
-            <a:ext cx="10515600" cy="1325563"/>
+            <a:off x="1103313" y="1905000"/>
+            <a:ext cx="4396338" cy="576262"/>
           </a:xfrm>
         </p:spPr>
         <p:txBody>
-          <a:bodyPr/>
-          <a:lstStyle/>
-          <a:p>
-            <a:r>
-              <a:rPr lang="de-DE" smtClean="0"/>
-              <a:t>Titelmasterformat durch Klicken bearbeiten</a:t>
-            </a:r>
-            <a:endParaRPr lang="de-DE"/>
-          </a:p>
-        </p:txBody>
-      </p:sp>
-      <p:sp>
-        <p:nvSpPr>
-          <p:cNvPr id="3" name="Textplatzhalter 2"/>
-          <p:cNvSpPr>
-            <a:spLocks noGrp="1"/>
-          </p:cNvSpPr>
-          <p:nvPr>
-            <p:ph type="body" idx="1"/>
-          </p:nvPr>
-        </p:nvSpPr>
-        <p:spPr>
-          <a:xfrm>
-            <a:off x="839788" y="1681163"/>
-            <a:ext cx="5157787" cy="823912"/>
-          </a:xfrm>
-        </p:spPr>
-        <p:txBody>
-          <a:bodyPr anchor="b"/>
+          <a:bodyPr anchor="b">
+            <a:noAutofit/>
+          </a:bodyPr>
           <a:lstStyle>
             <a:lvl1pPr marL="0" indent="0">
               <a:buNone/>
-              <a:defRPr sz="2400" b="1"/>
+              <a:defRPr sz="2400" b="0">
+                <a:solidFill>
+                  <a:schemeClr val="bg2">
+                    <a:lumMod val="40000"/>
+                    <a:lumOff val="60000"/>
+                  </a:schemeClr>
+                </a:solidFill>
+              </a:defRPr>
             </a:lvl1pPr>
             <a:lvl2pPr marL="457200" indent="0">
               <a:buNone/>
@@ -1419,7 +4466,7 @@
       </p:sp>
       <p:sp>
         <p:nvSpPr>
-          <p:cNvPr id="4" name="Inhaltsplatzhalter 3"/>
+          <p:cNvPr id="4" name="Content Placeholder 3"/>
           <p:cNvSpPr>
             <a:spLocks noGrp="1"/>
           </p:cNvSpPr>
@@ -1429,13 +4476,43 @@
         </p:nvSpPr>
         <p:spPr>
           <a:xfrm>
-            <a:off x="839788" y="2505075"/>
-            <a:ext cx="5157787" cy="3684588"/>
+            <a:off x="1103312" y="2514600"/>
+            <a:ext cx="4396339" cy="3741738"/>
           </a:xfrm>
         </p:spPr>
         <p:txBody>
-          <a:bodyPr/>
-          <a:lstStyle/>
+          <a:bodyPr>
+            <a:normAutofit/>
+          </a:bodyPr>
+          <a:lstStyle>
+            <a:lvl1pPr>
+              <a:defRPr sz="1800"/>
+            </a:lvl1pPr>
+            <a:lvl2pPr>
+              <a:defRPr sz="1600"/>
+            </a:lvl2pPr>
+            <a:lvl3pPr>
+              <a:defRPr sz="1400"/>
+            </a:lvl3pPr>
+            <a:lvl4pPr>
+              <a:defRPr sz="1200"/>
+            </a:lvl4pPr>
+            <a:lvl5pPr>
+              <a:defRPr sz="1200"/>
+            </a:lvl5pPr>
+            <a:lvl6pPr>
+              <a:defRPr sz="1200"/>
+            </a:lvl6pPr>
+            <a:lvl7pPr>
+              <a:defRPr sz="1200"/>
+            </a:lvl7pPr>
+            <a:lvl8pPr>
+              <a:defRPr sz="1200"/>
+            </a:lvl8pPr>
+            <a:lvl9pPr>
+              <a:defRPr sz="1200"/>
+            </a:lvl9pPr>
+          </a:lstStyle>
           <a:p>
             <a:pPr lvl="0"/>
             <a:r>
@@ -1470,13 +4547,13 @@
               <a:rPr lang="de-DE" smtClean="0"/>
               <a:t>Fünfte Ebene</a:t>
             </a:r>
-            <a:endParaRPr lang="de-DE"/>
-          </a:p>
-        </p:txBody>
-      </p:sp>
-      <p:sp>
-        <p:nvSpPr>
-          <p:cNvPr id="5" name="Textplatzhalter 4"/>
+            <a:endParaRPr lang="en-US" dirty="0"/>
+          </a:p>
+        </p:txBody>
+      </p:sp>
+      <p:sp>
+        <p:nvSpPr>
+          <p:cNvPr id="5" name="Text Placeholder 4"/>
           <p:cNvSpPr>
             <a:spLocks noGrp="1"/>
           </p:cNvSpPr>
@@ -1486,16 +4563,25 @@
         </p:nvSpPr>
         <p:spPr>
           <a:xfrm>
-            <a:off x="6172200" y="1681163"/>
-            <a:ext cx="5183188" cy="823912"/>
+            <a:off x="5654495" y="1905000"/>
+            <a:ext cx="4396339" cy="576262"/>
           </a:xfrm>
         </p:spPr>
         <p:txBody>
-          <a:bodyPr anchor="b"/>
+          <a:bodyPr anchor="b">
+            <a:noAutofit/>
+          </a:bodyPr>
           <a:lstStyle>
             <a:lvl1pPr marL="0" indent="0">
               <a:buNone/>
-              <a:defRPr sz="2400" b="1"/>
+              <a:defRPr sz="2400" b="0">
+                <a:solidFill>
+                  <a:schemeClr val="bg2">
+                    <a:lumMod val="40000"/>
+                    <a:lumOff val="60000"/>
+                  </a:schemeClr>
+                </a:solidFill>
+              </a:defRPr>
             </a:lvl1pPr>
             <a:lvl2pPr marL="457200" indent="0">
               <a:buNone/>
@@ -1541,7 +4627,7 @@
       </p:sp>
       <p:sp>
         <p:nvSpPr>
-          <p:cNvPr id="6" name="Inhaltsplatzhalter 5"/>
+          <p:cNvPr id="6" name="Content Placeholder 5"/>
           <p:cNvSpPr>
             <a:spLocks noGrp="1"/>
           </p:cNvSpPr>
@@ -1551,69 +4637,99 @@
         </p:nvSpPr>
         <p:spPr>
           <a:xfrm>
-            <a:off x="6172200" y="2505075"/>
-            <a:ext cx="5183188" cy="3684588"/>
+            <a:off x="5654495" y="2514600"/>
+            <a:ext cx="4396339" cy="3741738"/>
           </a:xfrm>
         </p:spPr>
         <p:txBody>
+          <a:bodyPr>
+            <a:normAutofit/>
+          </a:bodyPr>
+          <a:lstStyle>
+            <a:lvl1pPr>
+              <a:defRPr sz="1800"/>
+            </a:lvl1pPr>
+            <a:lvl2pPr>
+              <a:defRPr sz="1600"/>
+            </a:lvl2pPr>
+            <a:lvl3pPr>
+              <a:defRPr sz="1400"/>
+            </a:lvl3pPr>
+            <a:lvl4pPr>
+              <a:defRPr sz="1200"/>
+            </a:lvl4pPr>
+            <a:lvl5pPr>
+              <a:defRPr sz="1200"/>
+            </a:lvl5pPr>
+            <a:lvl6pPr>
+              <a:defRPr sz="1200"/>
+            </a:lvl6pPr>
+            <a:lvl7pPr>
+              <a:defRPr sz="1200"/>
+            </a:lvl7pPr>
+            <a:lvl8pPr>
+              <a:defRPr sz="1200"/>
+            </a:lvl8pPr>
+            <a:lvl9pPr>
+              <a:defRPr sz="1200"/>
+            </a:lvl9pPr>
+          </a:lstStyle>
+          <a:p>
+            <a:pPr lvl="0"/>
+            <a:r>
+              <a:rPr lang="de-DE" smtClean="0"/>
+              <a:t>Formatvorlagen des Textmasters bearbeiten</a:t>
+            </a:r>
+          </a:p>
+          <a:p>
+            <a:pPr lvl="1"/>
+            <a:r>
+              <a:rPr lang="de-DE" smtClean="0"/>
+              <a:t>Zweite Ebene</a:t>
+            </a:r>
+          </a:p>
+          <a:p>
+            <a:pPr lvl="2"/>
+            <a:r>
+              <a:rPr lang="de-DE" smtClean="0"/>
+              <a:t>Dritte Ebene</a:t>
+            </a:r>
+          </a:p>
+          <a:p>
+            <a:pPr lvl="3"/>
+            <a:r>
+              <a:rPr lang="de-DE" smtClean="0"/>
+              <a:t>Vierte Ebene</a:t>
+            </a:r>
+          </a:p>
+          <a:p>
+            <a:pPr lvl="4"/>
+            <a:r>
+              <a:rPr lang="de-DE" smtClean="0"/>
+              <a:t>Fünfte Ebene</a:t>
+            </a:r>
+            <a:endParaRPr lang="en-US" dirty="0"/>
+          </a:p>
+        </p:txBody>
+      </p:sp>
+      <p:sp>
+        <p:nvSpPr>
+          <p:cNvPr id="7" name="Date Placeholder 6"/>
+          <p:cNvSpPr>
+            <a:spLocks noGrp="1"/>
+          </p:cNvSpPr>
+          <p:nvPr>
+            <p:ph type="dt" sz="half" idx="10"/>
+          </p:nvPr>
+        </p:nvSpPr>
+        <p:spPr/>
+        <p:txBody>
           <a:bodyPr/>
           <a:lstStyle/>
           <a:p>
-            <a:pPr lvl="0"/>
-            <a:r>
-              <a:rPr lang="de-DE" smtClean="0"/>
-              <a:t>Formatvorlagen des Textmasters bearbeiten</a:t>
-            </a:r>
-          </a:p>
-          <a:p>
-            <a:pPr lvl="1"/>
-            <a:r>
-              <a:rPr lang="de-DE" smtClean="0"/>
-              <a:t>Zweite Ebene</a:t>
-            </a:r>
-          </a:p>
-          <a:p>
-            <a:pPr lvl="2"/>
-            <a:r>
-              <a:rPr lang="de-DE" smtClean="0"/>
-              <a:t>Dritte Ebene</a:t>
-            </a:r>
-          </a:p>
-          <a:p>
-            <a:pPr lvl="3"/>
-            <a:r>
-              <a:rPr lang="de-DE" smtClean="0"/>
-              <a:t>Vierte Ebene</a:t>
-            </a:r>
-          </a:p>
-          <a:p>
-            <a:pPr lvl="4"/>
-            <a:r>
-              <a:rPr lang="de-DE" smtClean="0"/>
-              <a:t>Fünfte Ebene</a:t>
-            </a:r>
-            <a:endParaRPr lang="de-DE"/>
-          </a:p>
-        </p:txBody>
-      </p:sp>
-      <p:sp>
-        <p:nvSpPr>
-          <p:cNvPr id="7" name="Datumsplatzhalter 6"/>
-          <p:cNvSpPr>
-            <a:spLocks noGrp="1"/>
-          </p:cNvSpPr>
-          <p:nvPr>
-            <p:ph type="dt" sz="half" idx="10"/>
-          </p:nvPr>
-        </p:nvSpPr>
-        <p:spPr/>
-        <p:txBody>
-          <a:bodyPr/>
-          <a:lstStyle/>
-          <a:p>
-            <a:fld id="{764E822D-177B-44F8-9B3B-6AAE9BD6CCA3}" type="datetimeFigureOut">
-              <a:rPr lang="de-DE" smtClean="0"/>
-              <a:t>26.02.2020</a:t>
+            <a:fld id="{0EBB3498-17FC-4A69-9610-0662D3E39FAD}" type="datetime1">
+              <a:rPr lang="de-DE" smtClean="0"/>
+              <a:t>28.02.2020</a:t>
             </a:fld>
             <a:endParaRPr lang="de-DE"/>
           </a:p>
@@ -1621,7 +4737,7 @@
       </p:sp>
       <p:sp>
         <p:nvSpPr>
-          <p:cNvPr id="8" name="Fußzeilenplatzhalter 7"/>
+          <p:cNvPr id="8" name="Footer Placeholder 7"/>
           <p:cNvSpPr>
             <a:spLocks noGrp="1"/>
           </p:cNvSpPr>
@@ -1640,7 +4756,7 @@
       </p:sp>
       <p:sp>
         <p:nvSpPr>
-          <p:cNvPr id="9" name="Foliennummernplatzhalter 8"/>
+          <p:cNvPr id="9" name="Slide Number Placeholder 8"/>
           <p:cNvSpPr>
             <a:spLocks noGrp="1"/>
           </p:cNvSpPr>
@@ -1664,7 +4780,7 @@
     </p:spTree>
     <p:extLst>
       <p:ext uri="{BB962C8B-B14F-4D97-AF65-F5344CB8AC3E}">
-        <p14:creationId xmlns:p14="http://schemas.microsoft.com/office/powerpoint/2010/main" val="2543824295"/>
+        <p14:creationId xmlns:p14="http://schemas.microsoft.com/office/powerpoint/2010/main" val="3875814853"/>
       </p:ext>
     </p:extLst>
   </p:cSld>
@@ -1693,7 +4809,7 @@
       </p:grpSpPr>
       <p:sp>
         <p:nvSpPr>
-          <p:cNvPr id="2" name="Titel 1"/>
+          <p:cNvPr id="2" name="Title 1"/>
           <p:cNvSpPr>
             <a:spLocks noGrp="1"/>
           </p:cNvSpPr>
@@ -1710,13 +4826,13 @@
               <a:rPr lang="de-DE" smtClean="0"/>
               <a:t>Titelmasterformat durch Klicken bearbeiten</a:t>
             </a:r>
-            <a:endParaRPr lang="de-DE"/>
-          </a:p>
-        </p:txBody>
-      </p:sp>
-      <p:sp>
-        <p:nvSpPr>
-          <p:cNvPr id="3" name="Datumsplatzhalter 2"/>
+            <a:endParaRPr lang="en-US" dirty="0"/>
+          </a:p>
+        </p:txBody>
+      </p:sp>
+      <p:sp>
+        <p:nvSpPr>
+          <p:cNvPr id="7" name="Date Placeholder 2"/>
           <p:cNvSpPr>
             <a:spLocks noGrp="1"/>
           </p:cNvSpPr>
@@ -1729,9 +4845,9 @@
           <a:bodyPr/>
           <a:lstStyle/>
           <a:p>
-            <a:fld id="{764E822D-177B-44F8-9B3B-6AAE9BD6CCA3}" type="datetimeFigureOut">
-              <a:rPr lang="de-DE" smtClean="0"/>
-              <a:t>26.02.2020</a:t>
+            <a:fld id="{9064E1DE-77C7-46FE-8B69-C0C72F3F403A}" type="datetime1">
+              <a:rPr lang="de-DE" smtClean="0"/>
+              <a:t>28.02.2020</a:t>
             </a:fld>
             <a:endParaRPr lang="de-DE"/>
           </a:p>
@@ -1739,7 +4855,7 @@
       </p:sp>
       <p:sp>
         <p:nvSpPr>
-          <p:cNvPr id="4" name="Fußzeilenplatzhalter 3"/>
+          <p:cNvPr id="5" name="Footer Placeholder 3"/>
           <p:cNvSpPr>
             <a:spLocks noGrp="1"/>
           </p:cNvSpPr>
@@ -1758,7 +4874,7 @@
       </p:sp>
       <p:sp>
         <p:nvSpPr>
-          <p:cNvPr id="5" name="Foliennummernplatzhalter 4"/>
+          <p:cNvPr id="6" name="Slide Number Placeholder 4"/>
           <p:cNvSpPr>
             <a:spLocks noGrp="1"/>
           </p:cNvSpPr>
@@ -1782,7 +4898,7 @@
     </p:spTree>
     <p:extLst>
       <p:ext uri="{BB962C8B-B14F-4D97-AF65-F5344CB8AC3E}">
-        <p14:creationId xmlns:p14="http://schemas.microsoft.com/office/powerpoint/2010/main" val="2694956826"/>
+        <p14:creationId xmlns:p14="http://schemas.microsoft.com/office/powerpoint/2010/main" val="403992958"/>
       </p:ext>
     </p:extLst>
   </p:cSld>
@@ -1811,7 +4927,7 @@
       </p:grpSpPr>
       <p:sp>
         <p:nvSpPr>
-          <p:cNvPr id="2" name="Datumsplatzhalter 1"/>
+          <p:cNvPr id="7" name="Date Placeholder 1"/>
           <p:cNvSpPr>
             <a:spLocks noGrp="1"/>
           </p:cNvSpPr>
@@ -1824,9 +4940,9 @@
           <a:bodyPr/>
           <a:lstStyle/>
           <a:p>
-            <a:fld id="{764E822D-177B-44F8-9B3B-6AAE9BD6CCA3}" type="datetimeFigureOut">
-              <a:rPr lang="de-DE" smtClean="0"/>
-              <a:t>26.02.2020</a:t>
+            <a:fld id="{2377E3E1-09FA-438B-9FF7-A536EB648596}" type="datetime1">
+              <a:rPr lang="de-DE" smtClean="0"/>
+              <a:t>28.02.2020</a:t>
             </a:fld>
             <a:endParaRPr lang="de-DE"/>
           </a:p>
@@ -1834,7 +4950,7 @@
       </p:sp>
       <p:sp>
         <p:nvSpPr>
-          <p:cNvPr id="3" name="Fußzeilenplatzhalter 2"/>
+          <p:cNvPr id="5" name="Footer Placeholder 2"/>
           <p:cNvSpPr>
             <a:spLocks noGrp="1"/>
           </p:cNvSpPr>
@@ -1853,7 +4969,7 @@
       </p:sp>
       <p:sp>
         <p:nvSpPr>
-          <p:cNvPr id="4" name="Foliennummernplatzhalter 3"/>
+          <p:cNvPr id="6" name="Slide Number Placeholder 3"/>
           <p:cNvSpPr>
             <a:spLocks noGrp="1"/>
           </p:cNvSpPr>
@@ -1877,7 +4993,7 @@
     </p:spTree>
     <p:extLst>
       <p:ext uri="{BB962C8B-B14F-4D97-AF65-F5344CB8AC3E}">
-        <p14:creationId xmlns:p14="http://schemas.microsoft.com/office/powerpoint/2010/main" val="3095411601"/>
+        <p14:creationId xmlns:p14="http://schemas.microsoft.com/office/powerpoint/2010/main" val="2674933957"/>
       </p:ext>
     </p:extLst>
   </p:cSld>
@@ -1906,7 +5022,7 @@
       </p:grpSpPr>
       <p:sp>
         <p:nvSpPr>
-          <p:cNvPr id="2" name="Titel 1"/>
+          <p:cNvPr id="2" name="Title 1"/>
           <p:cNvSpPr>
             <a:spLocks noGrp="1"/>
           </p:cNvSpPr>
@@ -1916,15 +5032,15 @@
         </p:nvSpPr>
         <p:spPr>
           <a:xfrm>
-            <a:off x="839788" y="457200"/>
-            <a:ext cx="3932237" cy="1600200"/>
+            <a:off x="1154953" y="1447800"/>
+            <a:ext cx="3401064" cy="1447800"/>
           </a:xfrm>
         </p:spPr>
         <p:txBody>
           <a:bodyPr anchor="b"/>
           <a:lstStyle>
-            <a:lvl1pPr>
-              <a:defRPr sz="3200"/>
+            <a:lvl1pPr algn="l">
+              <a:defRPr sz="2400" b="0"/>
             </a:lvl1pPr>
           </a:lstStyle>
           <a:p>
@@ -1932,13 +5048,13 @@
               <a:rPr lang="de-DE" smtClean="0"/>
               <a:t>Titelmasterformat durch Klicken bearbeiten</a:t>
             </a:r>
-            <a:endParaRPr lang="de-DE"/>
-          </a:p>
-        </p:txBody>
-      </p:sp>
-      <p:sp>
-        <p:nvSpPr>
-          <p:cNvPr id="3" name="Inhaltsplatzhalter 2"/>
+            <a:endParaRPr lang="en-US" dirty="0"/>
+          </a:p>
+        </p:txBody>
+      </p:sp>
+      <p:sp>
+        <p:nvSpPr>
+          <p:cNvPr id="3" name="Content Placeholder 2"/>
           <p:cNvSpPr>
             <a:spLocks noGrp="1"/>
           </p:cNvSpPr>
@@ -1948,39 +5064,41 @@
         </p:nvSpPr>
         <p:spPr>
           <a:xfrm>
-            <a:off x="5183188" y="987425"/>
-            <a:ext cx="6172200" cy="4873625"/>
+            <a:off x="4784616" y="1447800"/>
+            <a:ext cx="5195997" cy="4572000"/>
           </a:xfrm>
         </p:spPr>
         <p:txBody>
-          <a:bodyPr/>
+          <a:bodyPr anchor="ctr">
+            <a:normAutofit/>
+          </a:bodyPr>
           <a:lstStyle>
             <a:lvl1pPr>
-              <a:defRPr sz="3200"/>
+              <a:defRPr sz="2000"/>
             </a:lvl1pPr>
             <a:lvl2pPr>
-              <a:defRPr sz="2800"/>
+              <a:defRPr sz="1800"/>
             </a:lvl2pPr>
             <a:lvl3pPr>
-              <a:defRPr sz="2400"/>
+              <a:defRPr sz="1600"/>
             </a:lvl3pPr>
             <a:lvl4pPr>
-              <a:defRPr sz="2000"/>
+              <a:defRPr sz="1400"/>
             </a:lvl4pPr>
             <a:lvl5pPr>
-              <a:defRPr sz="2000"/>
+              <a:defRPr sz="1400"/>
             </a:lvl5pPr>
             <a:lvl6pPr>
-              <a:defRPr sz="2000"/>
+              <a:defRPr sz="1400"/>
             </a:lvl6pPr>
             <a:lvl7pPr>
-              <a:defRPr sz="2000"/>
+              <a:defRPr sz="1400"/>
             </a:lvl7pPr>
             <a:lvl8pPr>
-              <a:defRPr sz="2000"/>
+              <a:defRPr sz="1400"/>
             </a:lvl8pPr>
             <a:lvl9pPr>
-              <a:defRPr sz="2000"/>
+              <a:defRPr sz="1400"/>
             </a:lvl9pPr>
           </a:lstStyle>
           <a:p>
@@ -2017,13 +5135,13 @@
               <a:rPr lang="de-DE" smtClean="0"/>
               <a:t>Fünfte Ebene</a:t>
             </a:r>
-            <a:endParaRPr lang="de-DE"/>
-          </a:p>
-        </p:txBody>
-      </p:sp>
-      <p:sp>
-        <p:nvSpPr>
-          <p:cNvPr id="4" name="Textplatzhalter 3"/>
+            <a:endParaRPr lang="en-US" dirty="0"/>
+          </a:p>
+        </p:txBody>
+      </p:sp>
+      <p:sp>
+        <p:nvSpPr>
+          <p:cNvPr id="4" name="Text Placeholder 3"/>
           <p:cNvSpPr>
             <a:spLocks noGrp="1"/>
           </p:cNvSpPr>
@@ -2033,8 +5151,8 @@
         </p:nvSpPr>
         <p:spPr>
           <a:xfrm>
-            <a:off x="839788" y="2057400"/>
-            <a:ext cx="3932237" cy="3811588"/>
+            <a:off x="1154953" y="3129280"/>
+            <a:ext cx="3401063" cy="2895599"/>
           </a:xfrm>
         </p:spPr>
         <p:txBody>
@@ -2042,39 +5160,39 @@
           <a:lstStyle>
             <a:lvl1pPr marL="0" indent="0">
               <a:buNone/>
-              <a:defRPr sz="1600"/>
+              <a:defRPr sz="1400"/>
             </a:lvl1pPr>
             <a:lvl2pPr marL="457200" indent="0">
               <a:buNone/>
-              <a:defRPr sz="1400"/>
+              <a:defRPr sz="1200"/>
             </a:lvl2pPr>
             <a:lvl3pPr marL="914400" indent="0">
               <a:buNone/>
-              <a:defRPr sz="1200"/>
+              <a:defRPr sz="1000"/>
             </a:lvl3pPr>
             <a:lvl4pPr marL="1371600" indent="0">
               <a:buNone/>
-              <a:defRPr sz="1000"/>
+              <a:defRPr sz="900"/>
             </a:lvl4pPr>
             <a:lvl5pPr marL="1828800" indent="0">
               <a:buNone/>
-              <a:defRPr sz="1000"/>
+              <a:defRPr sz="900"/>
             </a:lvl5pPr>
             <a:lvl6pPr marL="2286000" indent="0">
               <a:buNone/>
-              <a:defRPr sz="1000"/>
+              <a:defRPr sz="900"/>
             </a:lvl6pPr>
             <a:lvl7pPr marL="2743200" indent="0">
               <a:buNone/>
-              <a:defRPr sz="1000"/>
+              <a:defRPr sz="900"/>
             </a:lvl7pPr>
             <a:lvl8pPr marL="3200400" indent="0">
               <a:buNone/>
-              <a:defRPr sz="1000"/>
+              <a:defRPr sz="900"/>
             </a:lvl8pPr>
             <a:lvl9pPr marL="3657600" indent="0">
               <a:buNone/>
-              <a:defRPr sz="1000"/>
+              <a:defRPr sz="900"/>
             </a:lvl9pPr>
           </a:lstStyle>
           <a:p>
@@ -2088,7 +5206,7 @@
       </p:sp>
       <p:sp>
         <p:nvSpPr>
-          <p:cNvPr id="5" name="Datumsplatzhalter 4"/>
+          <p:cNvPr id="7" name="Date Placeholder 4"/>
           <p:cNvSpPr>
             <a:spLocks noGrp="1"/>
           </p:cNvSpPr>
@@ -2101,9 +5219,9 @@
           <a:bodyPr/>
           <a:lstStyle/>
           <a:p>
-            <a:fld id="{764E822D-177B-44F8-9B3B-6AAE9BD6CCA3}" type="datetimeFigureOut">
-              <a:rPr lang="de-DE" smtClean="0"/>
-              <a:t>26.02.2020</a:t>
+            <a:fld id="{7AFB8B8F-955C-4494-8B96-1E4DA4344C5C}" type="datetime1">
+              <a:rPr lang="de-DE" smtClean="0"/>
+              <a:t>28.02.2020</a:t>
             </a:fld>
             <a:endParaRPr lang="de-DE"/>
           </a:p>
@@ -2111,7 +5229,7 @@
       </p:sp>
       <p:sp>
         <p:nvSpPr>
-          <p:cNvPr id="6" name="Fußzeilenplatzhalter 5"/>
+          <p:cNvPr id="5" name="Footer Placeholder 5"/>
           <p:cNvSpPr>
             <a:spLocks noGrp="1"/>
           </p:cNvSpPr>
@@ -2130,7 +5248,7 @@
       </p:sp>
       <p:sp>
         <p:nvSpPr>
-          <p:cNvPr id="7" name="Foliennummernplatzhalter 6"/>
+          <p:cNvPr id="6" name="Slide Number Placeholder 6"/>
           <p:cNvSpPr>
             <a:spLocks noGrp="1"/>
           </p:cNvSpPr>
@@ -2154,7 +5272,7 @@
     </p:spTree>
     <p:extLst>
       <p:ext uri="{BB962C8B-B14F-4D97-AF65-F5344CB8AC3E}">
-        <p14:creationId xmlns:p14="http://schemas.microsoft.com/office/powerpoint/2010/main" val="2168850386"/>
+        <p14:creationId xmlns:p14="http://schemas.microsoft.com/office/powerpoint/2010/main" val="3586361927"/>
       </p:ext>
     </p:extLst>
   </p:cSld>
@@ -2183,7 +5301,7 @@
       </p:grpSpPr>
       <p:sp>
         <p:nvSpPr>
-          <p:cNvPr id="2" name="Titel 1"/>
+          <p:cNvPr id="2" name="Title 1"/>
           <p:cNvSpPr>
             <a:spLocks noGrp="1"/>
           </p:cNvSpPr>
@@ -2193,15 +5311,17 @@
         </p:nvSpPr>
         <p:spPr>
           <a:xfrm>
-            <a:off x="839788" y="457200"/>
-            <a:ext cx="3932237" cy="1600200"/>
+            <a:off x="1153907" y="1854192"/>
+            <a:ext cx="5092906" cy="1574808"/>
           </a:xfrm>
         </p:spPr>
         <p:txBody>
-          <a:bodyPr anchor="b"/>
+          <a:bodyPr anchor="b">
+            <a:normAutofit/>
+          </a:bodyPr>
           <a:lstStyle>
-            <a:lvl1pPr>
-              <a:defRPr sz="3200"/>
+            <a:lvl1pPr algn="l">
+              <a:defRPr sz="3600" b="0"/>
             </a:lvl1pPr>
           </a:lstStyle>
           <a:p>
@@ -2209,15 +5329,15 @@
               <a:rPr lang="de-DE" smtClean="0"/>
               <a:t>Titelmasterformat durch Klicken bearbeiten</a:t>
             </a:r>
-            <a:endParaRPr lang="de-DE"/>
-          </a:p>
-        </p:txBody>
-      </p:sp>
-      <p:sp>
-        <p:nvSpPr>
-          <p:cNvPr id="3" name="Bildplatzhalter 2"/>
-          <p:cNvSpPr>
-            <a:spLocks noGrp="1"/>
+            <a:endParaRPr lang="en-US" dirty="0"/>
+          </a:p>
+        </p:txBody>
+      </p:sp>
+      <p:sp>
+        <p:nvSpPr>
+          <p:cNvPr id="3" name="Picture Placeholder 2"/>
+          <p:cNvSpPr>
+            <a:spLocks noGrp="1" noChangeAspect="1"/>
           </p:cNvSpPr>
           <p:nvPr>
             <p:ph type="pic" idx="1"/>
@@ -2225,112 +5345,132 @@
         </p:nvSpPr>
         <p:spPr>
           <a:xfrm>
-            <a:off x="5183188" y="987425"/>
-            <a:ext cx="6172200" cy="4873625"/>
+            <a:off x="6949546" y="1143000"/>
+            <a:ext cx="3200400" cy="4572000"/>
           </a:xfrm>
+          <a:prstGeom prst="roundRect">
+            <a:avLst>
+              <a:gd name="adj" fmla="val 1858"/>
+            </a:avLst>
+          </a:prstGeom>
+          <a:effectLst>
+            <a:outerShdw blurRad="50800" dist="50800" dir="5400000" algn="tl" rotWithShape="0">
+              <a:srgbClr val="000000">
+                <a:alpha val="43000"/>
+              </a:srgbClr>
+            </a:outerShdw>
+          </a:effectLst>
         </p:spPr>
         <p:txBody>
-          <a:bodyPr/>
+          <a:bodyPr anchor="t">
+            <a:normAutofit/>
+          </a:bodyPr>
           <a:lstStyle>
-            <a:lvl1pPr marL="0" indent="0">
-              <a:buNone/>
-              <a:defRPr sz="3200"/>
-            </a:lvl1pPr>
-            <a:lvl2pPr marL="457200" indent="0">
-              <a:buNone/>
-              <a:defRPr sz="2800"/>
-            </a:lvl2pPr>
-            <a:lvl3pPr marL="914400" indent="0">
-              <a:buNone/>
-              <a:defRPr sz="2400"/>
-            </a:lvl3pPr>
-            <a:lvl4pPr marL="1371600" indent="0">
-              <a:buNone/>
-              <a:defRPr sz="2000"/>
-            </a:lvl4pPr>
-            <a:lvl5pPr marL="1828800" indent="0">
-              <a:buNone/>
-              <a:defRPr sz="2000"/>
-            </a:lvl5pPr>
-            <a:lvl6pPr marL="2286000" indent="0">
-              <a:buNone/>
-              <a:defRPr sz="2000"/>
-            </a:lvl6pPr>
-            <a:lvl7pPr marL="2743200" indent="0">
-              <a:buNone/>
-              <a:defRPr sz="2000"/>
-            </a:lvl7pPr>
-            <a:lvl8pPr marL="3200400" indent="0">
-              <a:buNone/>
-              <a:defRPr sz="2000"/>
-            </a:lvl8pPr>
-            <a:lvl9pPr marL="3657600" indent="0">
-              <a:buNone/>
-              <a:defRPr sz="2000"/>
-            </a:lvl9pPr>
-          </a:lstStyle>
-          <a:p>
-            <a:endParaRPr lang="de-DE"/>
-          </a:p>
-        </p:txBody>
-      </p:sp>
-      <p:sp>
-        <p:nvSpPr>
-          <p:cNvPr id="4" name="Textplatzhalter 3"/>
-          <p:cNvSpPr>
-            <a:spLocks noGrp="1"/>
-          </p:cNvSpPr>
-          <p:nvPr>
-            <p:ph type="body" sz="half" idx="2"/>
-          </p:nvPr>
-        </p:nvSpPr>
-        <p:spPr>
-          <a:xfrm>
-            <a:off x="839788" y="2057400"/>
-            <a:ext cx="3932237" cy="3811588"/>
-          </a:xfrm>
-        </p:spPr>
-        <p:txBody>
-          <a:bodyPr/>
-          <a:lstStyle>
-            <a:lvl1pPr marL="0" indent="0">
+            <a:lvl1pPr marL="0" indent="0" algn="ctr">
               <a:buNone/>
               <a:defRPr sz="1600"/>
             </a:lvl1pPr>
             <a:lvl2pPr marL="457200" indent="0">
               <a:buNone/>
-              <a:defRPr sz="1400"/>
+              <a:defRPr sz="1600"/>
             </a:lvl2pPr>
             <a:lvl3pPr marL="914400" indent="0">
               <a:buNone/>
-              <a:defRPr sz="1200"/>
+              <a:defRPr sz="1600"/>
             </a:lvl3pPr>
             <a:lvl4pPr marL="1371600" indent="0">
               <a:buNone/>
-              <a:defRPr sz="1000"/>
+              <a:defRPr sz="1600"/>
             </a:lvl4pPr>
             <a:lvl5pPr marL="1828800" indent="0">
               <a:buNone/>
-              <a:defRPr sz="1000"/>
+              <a:defRPr sz="1600"/>
             </a:lvl5pPr>
             <a:lvl6pPr marL="2286000" indent="0">
               <a:buNone/>
-              <a:defRPr sz="1000"/>
+              <a:defRPr sz="1600"/>
             </a:lvl6pPr>
             <a:lvl7pPr marL="2743200" indent="0">
               <a:buNone/>
-              <a:defRPr sz="1000"/>
+              <a:defRPr sz="1600"/>
             </a:lvl7pPr>
             <a:lvl8pPr marL="3200400" indent="0">
               <a:buNone/>
-              <a:defRPr sz="1000"/>
+              <a:defRPr sz="1600"/>
             </a:lvl8pPr>
             <a:lvl9pPr marL="3657600" indent="0">
               <a:buNone/>
-              <a:defRPr sz="1000"/>
+              <a:defRPr sz="1600"/>
             </a:lvl9pPr>
           </a:lstStyle>
           <a:p>
+            <a:r>
+              <a:rPr lang="de-DE" smtClean="0"/>
+              <a:t>Bild durch Klicken auf Symbol hinzufügen</a:t>
+            </a:r>
+            <a:endParaRPr lang="en-US" dirty="0"/>
+          </a:p>
+        </p:txBody>
+      </p:sp>
+      <p:sp>
+        <p:nvSpPr>
+          <p:cNvPr id="4" name="Text Placeholder 3"/>
+          <p:cNvSpPr>
+            <a:spLocks noGrp="1"/>
+          </p:cNvSpPr>
+          <p:nvPr>
+            <p:ph type="body" sz="half" idx="2"/>
+          </p:nvPr>
+        </p:nvSpPr>
+        <p:spPr>
+          <a:xfrm>
+            <a:off x="1154954" y="3657600"/>
+            <a:ext cx="5084979" cy="1371600"/>
+          </a:xfrm>
+        </p:spPr>
+        <p:txBody>
+          <a:bodyPr>
+            <a:normAutofit/>
+          </a:bodyPr>
+          <a:lstStyle>
+            <a:lvl1pPr marL="0" indent="0">
+              <a:buNone/>
+              <a:defRPr sz="1400"/>
+            </a:lvl1pPr>
+            <a:lvl2pPr marL="457200" indent="0">
+              <a:buNone/>
+              <a:defRPr sz="1200"/>
+            </a:lvl2pPr>
+            <a:lvl3pPr marL="914400" indent="0">
+              <a:buNone/>
+              <a:defRPr sz="1000"/>
+            </a:lvl3pPr>
+            <a:lvl4pPr marL="1371600" indent="0">
+              <a:buNone/>
+              <a:defRPr sz="900"/>
+            </a:lvl4pPr>
+            <a:lvl5pPr marL="1828800" indent="0">
+              <a:buNone/>
+              <a:defRPr sz="900"/>
+            </a:lvl5pPr>
+            <a:lvl6pPr marL="2286000" indent="0">
+              <a:buNone/>
+              <a:defRPr sz="900"/>
+            </a:lvl6pPr>
+            <a:lvl7pPr marL="2743200" indent="0">
+              <a:buNone/>
+              <a:defRPr sz="900"/>
+            </a:lvl7pPr>
+            <a:lvl8pPr marL="3200400" indent="0">
+              <a:buNone/>
+              <a:defRPr sz="900"/>
+            </a:lvl8pPr>
+            <a:lvl9pPr marL="3657600" indent="0">
+              <a:buNone/>
+              <a:defRPr sz="900"/>
+            </a:lvl9pPr>
+          </a:lstStyle>
+          <a:p>
             <a:pPr lvl="0"/>
             <a:r>
               <a:rPr lang="de-DE" smtClean="0"/>
@@ -2341,7 +5481,7 @@
       </p:sp>
       <p:sp>
         <p:nvSpPr>
-          <p:cNvPr id="5" name="Datumsplatzhalter 4"/>
+          <p:cNvPr id="5" name="Date Placeholder 4"/>
           <p:cNvSpPr>
             <a:spLocks noGrp="1"/>
           </p:cNvSpPr>
@@ -2354,9 +5494,9 @@
           <a:bodyPr/>
           <a:lstStyle/>
           <a:p>
-            <a:fld id="{764E822D-177B-44F8-9B3B-6AAE9BD6CCA3}" type="datetimeFigureOut">
-              <a:rPr lang="de-DE" smtClean="0"/>
-              <a:t>26.02.2020</a:t>
+            <a:fld id="{AA502E4A-DAB0-4577-868D-BFF5495A1588}" type="datetime1">
+              <a:rPr lang="de-DE" smtClean="0"/>
+              <a:t>28.02.2020</a:t>
             </a:fld>
             <a:endParaRPr lang="de-DE"/>
           </a:p>
@@ -2364,7 +5504,7 @@
       </p:sp>
       <p:sp>
         <p:nvSpPr>
-          <p:cNvPr id="6" name="Fußzeilenplatzhalter 5"/>
+          <p:cNvPr id="6" name="Footer Placeholder 5"/>
           <p:cNvSpPr>
             <a:spLocks noGrp="1"/>
           </p:cNvSpPr>
@@ -2383,7 +5523,7 @@
       </p:sp>
       <p:sp>
         <p:nvSpPr>
-          <p:cNvPr id="7" name="Foliennummernplatzhalter 6"/>
+          <p:cNvPr id="7" name="Slide Number Placeholder 6"/>
           <p:cNvSpPr>
             <a:spLocks noGrp="1"/>
           </p:cNvSpPr>
@@ -2407,7 +5547,7 @@
     </p:spTree>
     <p:extLst>
       <p:ext uri="{BB962C8B-B14F-4D97-AF65-F5344CB8AC3E}">
-        <p14:creationId xmlns:p14="http://schemas.microsoft.com/office/powerpoint/2010/main" val="4024346065"/>
+        <p14:creationId xmlns:p14="http://schemas.microsoft.com/office/powerpoint/2010/main" val="3846184037"/>
       </p:ext>
     </p:extLst>
   </p:cSld>
@@ -2421,8 +5561,8 @@
 <p:sldMaster xmlns:a="http://schemas.openxmlformats.org/drawingml/2006/main" xmlns:r="http://schemas.openxmlformats.org/officeDocument/2006/relationships" xmlns:p="http://schemas.openxmlformats.org/presentationml/2006/main">
   <p:cSld>
     <p:bg>
-      <p:bgRef idx="1001">
-        <a:schemeClr val="bg1"/>
+      <p:bgRef idx="1003">
+        <a:schemeClr val="bg2"/>
       </p:bgRef>
     </p:bg>
     <p:spTree>
@@ -2439,125 +5579,420 @@
           <a:chExt cx="0" cy="0"/>
         </a:xfrm>
       </p:grpSpPr>
-      <p:sp>
-        <p:nvSpPr>
-          <p:cNvPr id="2" name="Titelplatzhalter 1"/>
-          <p:cNvSpPr>
-            <a:spLocks noGrp="1"/>
-          </p:cNvSpPr>
-          <p:nvPr>
-            <p:ph type="title"/>
-          </p:nvPr>
-        </p:nvSpPr>
+      <p:pic>
+        <p:nvPicPr>
+          <p:cNvPr id="8" name="Picture 7"/>
+          <p:cNvPicPr>
+            <a:picLocks noChangeAspect="1"/>
+          </p:cNvPicPr>
+          <p:nvPr/>
+        </p:nvPicPr>
+        <p:blipFill rotWithShape="1">
+          <a:blip r:embed="rId19">
+            <a:extLst>
+              <a:ext uri="{28A0092B-C50C-407E-A947-70E740481C1C}">
+                <a14:useLocalDpi xmlns:a14="http://schemas.microsoft.com/office/drawing/2010/main" val="0"/>
+              </a:ext>
+            </a:extLst>
+          </a:blip>
+          <a:srcRect l="3613"/>
+          <a:stretch/>
+        </p:blipFill>
         <p:spPr>
           <a:xfrm>
-            <a:off x="838200" y="365125"/>
-            <a:ext cx="10515600" cy="1325563"/>
+            <a:off x="0" y="2669685"/>
+            <a:ext cx="4037012" cy="4188315"/>
           </a:xfrm>
           <a:prstGeom prst="rect">
             <a:avLst/>
           </a:prstGeom>
         </p:spPr>
-        <p:txBody>
-          <a:bodyPr vert="horz" lIns="91440" tIns="45720" rIns="91440" bIns="45720" rtlCol="0" anchor="ctr">
-            <a:normAutofit/>
-          </a:bodyPr>
-          <a:lstStyle/>
-          <a:p>
-            <a:r>
-              <a:rPr lang="de-DE" smtClean="0"/>
-              <a:t>Titelmasterformat durch Klicken bearbeiten</a:t>
-            </a:r>
-            <a:endParaRPr lang="de-DE"/>
-          </a:p>
-        </p:txBody>
-      </p:sp>
-      <p:sp>
-        <p:nvSpPr>
-          <p:cNvPr id="3" name="Textplatzhalter 2"/>
-          <p:cNvSpPr>
-            <a:spLocks noGrp="1"/>
-          </p:cNvSpPr>
-          <p:nvPr>
-            <p:ph type="body" idx="1"/>
-          </p:nvPr>
-        </p:nvSpPr>
+      </p:pic>
+      <p:pic>
+        <p:nvPicPr>
+          <p:cNvPr id="7" name="Picture 6"/>
+          <p:cNvPicPr>
+            <a:picLocks noChangeAspect="1"/>
+          </p:cNvPicPr>
+          <p:nvPr/>
+        </p:nvPicPr>
+        <p:blipFill rotWithShape="1">
+          <a:blip r:embed="rId20">
+            <a:extLst>
+              <a:ext uri="{28A0092B-C50C-407E-A947-70E740481C1C}">
+                <a14:useLocalDpi xmlns:a14="http://schemas.microsoft.com/office/drawing/2010/main" val="0"/>
+              </a:ext>
+            </a:extLst>
+          </a:blip>
+          <a:srcRect l="35640"/>
+          <a:stretch/>
+        </p:blipFill>
         <p:spPr>
           <a:xfrm>
-            <a:off x="838200" y="1825625"/>
-            <a:ext cx="10515600" cy="4351338"/>
+            <a:off x="0" y="2892347"/>
+            <a:ext cx="1522412" cy="2365453"/>
           </a:xfrm>
           <a:prstGeom prst="rect">
             <a:avLst/>
           </a:prstGeom>
         </p:spPr>
-        <p:txBody>
-          <a:bodyPr vert="horz" lIns="91440" tIns="45720" rIns="91440" bIns="45720" rtlCol="0">
-            <a:normAutofit/>
-          </a:bodyPr>
-          <a:lstStyle/>
-          <a:p>
-            <a:pPr lvl="0"/>
-            <a:r>
-              <a:rPr lang="de-DE" smtClean="0"/>
-              <a:t>Formatvorlagen des Textmasters bearbeiten</a:t>
-            </a:r>
-          </a:p>
-          <a:p>
-            <a:pPr lvl="1"/>
-            <a:r>
-              <a:rPr lang="de-DE" smtClean="0"/>
-              <a:t>Zweite Ebene</a:t>
-            </a:r>
-          </a:p>
-          <a:p>
-            <a:pPr lvl="2"/>
-            <a:r>
-              <a:rPr lang="de-DE" smtClean="0"/>
-              <a:t>Dritte Ebene</a:t>
-            </a:r>
-          </a:p>
-          <a:p>
-            <a:pPr lvl="3"/>
-            <a:r>
-              <a:rPr lang="de-DE" smtClean="0"/>
-              <a:t>Vierte Ebene</a:t>
-            </a:r>
-          </a:p>
-          <a:p>
-            <a:pPr lvl="4"/>
-            <a:r>
-              <a:rPr lang="de-DE" smtClean="0"/>
-              <a:t>Fünfte Ebene</a:t>
-            </a:r>
-            <a:endParaRPr lang="de-DE"/>
-          </a:p>
-        </p:txBody>
-      </p:sp>
-      <p:sp>
-        <p:nvSpPr>
-          <p:cNvPr id="4" name="Datumsplatzhalter 3"/>
-          <p:cNvSpPr>
-            <a:spLocks noGrp="1"/>
-          </p:cNvSpPr>
-          <p:nvPr>
-            <p:ph type="dt" sz="half" idx="2"/>
-          </p:nvPr>
+      </p:pic>
+      <p:sp>
+        <p:nvSpPr>
+          <p:cNvPr id="16" name="Oval 15"/>
+          <p:cNvSpPr/>
+          <p:nvPr/>
         </p:nvSpPr>
         <p:spPr>
           <a:xfrm>
-            <a:off x="838200" y="6356350"/>
-            <a:ext cx="2743200" cy="365125"/>
+            <a:off x="8609012" y="1676400"/>
+            <a:ext cx="2819400" cy="2819400"/>
+          </a:xfrm>
+          <a:prstGeom prst="ellipse">
+            <a:avLst/>
+          </a:prstGeom>
+          <a:gradFill flip="none" rotWithShape="1">
+            <a:gsLst>
+              <a:gs pos="0">
+                <a:schemeClr val="bg2">
+                  <a:lumMod val="60000"/>
+                  <a:lumOff val="40000"/>
+                  <a:alpha val="7000"/>
+                </a:schemeClr>
+              </a:gs>
+              <a:gs pos="69000">
+                <a:schemeClr val="bg2">
+                  <a:lumMod val="60000"/>
+                  <a:lumOff val="40000"/>
+                  <a:alpha val="0"/>
+                </a:schemeClr>
+              </a:gs>
+              <a:gs pos="36000">
+                <a:schemeClr val="bg2">
+                  <a:lumMod val="60000"/>
+                  <a:lumOff val="40000"/>
+                  <a:alpha val="6000"/>
+                </a:schemeClr>
+              </a:gs>
+            </a:gsLst>
+            <a:path path="circle">
+              <a:fillToRect l="50000" t="50000" r="50000" b="50000"/>
+            </a:path>
+            <a:tileRect/>
+          </a:gradFill>
+          <a:ln>
+            <a:noFill/>
+          </a:ln>
+          <a:effectLst/>
+        </p:spPr>
+        <p:style>
+          <a:lnRef idx="1">
+            <a:schemeClr val="accent1"/>
+          </a:lnRef>
+          <a:fillRef idx="3">
+            <a:schemeClr val="accent1"/>
+          </a:fillRef>
+          <a:effectRef idx="2">
+            <a:schemeClr val="accent1"/>
+          </a:effectRef>
+          <a:fontRef idx="minor">
+            <a:schemeClr val="lt1"/>
+          </a:fontRef>
+        </p:style>
+      </p:sp>
+      <p:pic>
+        <p:nvPicPr>
+          <p:cNvPr id="9" name="Picture 8"/>
+          <p:cNvPicPr>
+            <a:picLocks noChangeAspect="1"/>
+          </p:cNvPicPr>
+          <p:nvPr/>
+        </p:nvPicPr>
+        <p:blipFill rotWithShape="1">
+          <a:blip r:embed="rId21">
+            <a:extLst>
+              <a:ext uri="{28A0092B-C50C-407E-A947-70E740481C1C}">
+                <a14:useLocalDpi xmlns:a14="http://schemas.microsoft.com/office/drawing/2010/main" val="0"/>
+              </a:ext>
+            </a:extLst>
+          </a:blip>
+          <a:srcRect t="28813"/>
+          <a:stretch/>
+        </p:blipFill>
+        <p:spPr>
+          <a:xfrm>
+            <a:off x="7999412" y="0"/>
+            <a:ext cx="1603387" cy="1141407"/>
           </a:xfrm>
           <a:prstGeom prst="rect">
             <a:avLst/>
           </a:prstGeom>
         </p:spPr>
-        <p:txBody>
-          <a:bodyPr vert="horz" lIns="91440" tIns="45720" rIns="91440" bIns="45720" rtlCol="0" anchor="ctr"/>
+      </p:pic>
+      <p:pic>
+        <p:nvPicPr>
+          <p:cNvPr id="10" name="Picture 9"/>
+          <p:cNvPicPr>
+            <a:picLocks noChangeAspect="1"/>
+          </p:cNvPicPr>
+          <p:nvPr/>
+        </p:nvPicPr>
+        <p:blipFill rotWithShape="1">
+          <a:blip r:embed="rId22">
+            <a:extLst>
+              <a:ext uri="{28A0092B-C50C-407E-A947-70E740481C1C}">
+                <a14:useLocalDpi xmlns:a14="http://schemas.microsoft.com/office/drawing/2010/main" val="0"/>
+              </a:ext>
+            </a:extLst>
+          </a:blip>
+          <a:srcRect b="23320"/>
+          <a:stretch/>
+        </p:blipFill>
+        <p:spPr>
+          <a:xfrm>
+            <a:off x="8605878" y="6096000"/>
+            <a:ext cx="993734" cy="762000"/>
+          </a:xfrm>
+          <a:prstGeom prst="rect">
+            <a:avLst/>
+          </a:prstGeom>
+        </p:spPr>
+      </p:pic>
+      <p:sp>
+        <p:nvSpPr>
+          <p:cNvPr id="14" name="Rectangle 13"/>
+          <p:cNvSpPr/>
+          <p:nvPr/>
+        </p:nvSpPr>
+        <p:spPr>
+          <a:xfrm>
+            <a:off x="10437812" y="0"/>
+            <a:ext cx="685800" cy="1143000"/>
+          </a:xfrm>
+          <a:prstGeom prst="rect">
+            <a:avLst/>
+          </a:prstGeom>
+          <a:solidFill>
+            <a:schemeClr val="accent1"/>
+          </a:solidFill>
+          <a:ln>
+            <a:noFill/>
+          </a:ln>
+        </p:spPr>
+        <p:style>
+          <a:lnRef idx="1">
+            <a:schemeClr val="accent1"/>
+          </a:lnRef>
+          <a:fillRef idx="3">
+            <a:schemeClr val="accent1"/>
+          </a:fillRef>
+          <a:effectRef idx="2">
+            <a:schemeClr val="accent1"/>
+          </a:effectRef>
+          <a:fontRef idx="minor">
+            <a:schemeClr val="lt1"/>
+          </a:fontRef>
+        </p:style>
+      </p:sp>
+      <p:sp>
+        <p:nvSpPr>
+          <p:cNvPr id="2" name="Title Placeholder 1"/>
+          <p:cNvSpPr>
+            <a:spLocks noGrp="1"/>
+          </p:cNvSpPr>
+          <p:nvPr>
+            <p:ph type="title"/>
+          </p:nvPr>
+        </p:nvSpPr>
+        <p:spPr>
+          <a:xfrm>
+            <a:off x="646111" y="452718"/>
+            <a:ext cx="9404723" cy="1400530"/>
+          </a:xfrm>
+          <a:prstGeom prst="rect">
+            <a:avLst/>
+          </a:prstGeom>
+        </p:spPr>
+        <p:txBody>
+          <a:bodyPr vert="horz" lIns="91440" tIns="45720" rIns="91440" bIns="45720" rtlCol="0" anchor="t">
+            <a:noAutofit/>
+          </a:bodyPr>
+          <a:lstStyle/>
+          <a:p>
+            <a:r>
+              <a:rPr lang="de-DE" smtClean="0"/>
+              <a:t>Titelmasterformat durch Klicken bearbeiten</a:t>
+            </a:r>
+            <a:endParaRPr lang="en-US" dirty="0"/>
+          </a:p>
+        </p:txBody>
+      </p:sp>
+      <p:sp>
+        <p:nvSpPr>
+          <p:cNvPr id="3" name="Text Placeholder 2"/>
+          <p:cNvSpPr>
+            <a:spLocks noGrp="1"/>
+          </p:cNvSpPr>
+          <p:nvPr>
+            <p:ph type="body" idx="1"/>
+          </p:nvPr>
+        </p:nvSpPr>
+        <p:spPr>
+          <a:xfrm>
+            <a:off x="1103312" y="2052918"/>
+            <a:ext cx="8946541" cy="4195481"/>
+          </a:xfrm>
+          <a:prstGeom prst="rect">
+            <a:avLst/>
+          </a:prstGeom>
+        </p:spPr>
+        <p:txBody>
+          <a:bodyPr vert="horz" lIns="91440" tIns="45720" rIns="91440" bIns="45720" rtlCol="0">
+            <a:normAutofit/>
+          </a:bodyPr>
+          <a:lstStyle/>
+          <a:p>
+            <a:pPr lvl="0"/>
+            <a:r>
+              <a:rPr lang="de-DE" smtClean="0"/>
+              <a:t>Formatvorlagen des Textmasters bearbeiten</a:t>
+            </a:r>
+          </a:p>
+          <a:p>
+            <a:pPr lvl="1"/>
+            <a:r>
+              <a:rPr lang="de-DE" smtClean="0"/>
+              <a:t>Zweite Ebene</a:t>
+            </a:r>
+          </a:p>
+          <a:p>
+            <a:pPr lvl="2"/>
+            <a:r>
+              <a:rPr lang="de-DE" smtClean="0"/>
+              <a:t>Dritte Ebene</a:t>
+            </a:r>
+          </a:p>
+          <a:p>
+            <a:pPr lvl="3"/>
+            <a:r>
+              <a:rPr lang="de-DE" smtClean="0"/>
+              <a:t>Vierte Ebene</a:t>
+            </a:r>
+          </a:p>
+          <a:p>
+            <a:pPr lvl="4"/>
+            <a:r>
+              <a:rPr lang="de-DE" smtClean="0"/>
+              <a:t>Fünfte Ebene</a:t>
+            </a:r>
+            <a:endParaRPr lang="en-US" dirty="0"/>
+          </a:p>
+        </p:txBody>
+      </p:sp>
+      <p:sp>
+        <p:nvSpPr>
+          <p:cNvPr id="4" name="Date Placeholder 3"/>
+          <p:cNvSpPr>
+            <a:spLocks noGrp="1"/>
+          </p:cNvSpPr>
+          <p:nvPr>
+            <p:ph type="dt" sz="half" idx="2"/>
+          </p:nvPr>
+        </p:nvSpPr>
+        <p:spPr>
+          <a:xfrm rot="5400000">
+            <a:off x="10155639" y="1790701"/>
+            <a:ext cx="990599" cy="304799"/>
+          </a:xfrm>
+          <a:prstGeom prst="rect">
+            <a:avLst/>
+          </a:prstGeom>
+        </p:spPr>
+        <p:txBody>
+          <a:bodyPr vert="horz" lIns="91440" tIns="45720" rIns="91440" bIns="45720" rtlCol="0" anchor="t"/>
           <a:lstStyle>
             <a:lvl1pPr algn="l">
-              <a:defRPr sz="1200">
+              <a:defRPr sz="1100" b="0" i="0">
+                <a:solidFill>
+                  <a:schemeClr val="tx1">
+                    <a:tint val="75000"/>
+                    <a:alpha val="60000"/>
+                  </a:schemeClr>
+                </a:solidFill>
+              </a:defRPr>
+            </a:lvl1pPr>
+          </a:lstStyle>
+          <a:p>
+            <a:fld id="{32CFB004-B958-4666-8D88-FD442C79D70C}" type="datetime1">
+              <a:rPr lang="de-DE" smtClean="0"/>
+              <a:t>28.02.2020</a:t>
+            </a:fld>
+            <a:endParaRPr lang="de-DE"/>
+          </a:p>
+        </p:txBody>
+      </p:sp>
+      <p:sp>
+        <p:nvSpPr>
+          <p:cNvPr id="5" name="Footer Placeholder 4"/>
+          <p:cNvSpPr>
+            <a:spLocks noGrp="1"/>
+          </p:cNvSpPr>
+          <p:nvPr>
+            <p:ph type="ftr" sz="quarter" idx="3"/>
+          </p:nvPr>
+        </p:nvSpPr>
+        <p:spPr>
+          <a:xfrm rot="5400000">
+            <a:off x="8951573" y="3225297"/>
+            <a:ext cx="3859795" cy="304801"/>
+          </a:xfrm>
+          <a:prstGeom prst="rect">
+            <a:avLst/>
+          </a:prstGeom>
+        </p:spPr>
+        <p:txBody>
+          <a:bodyPr vert="horz" lIns="91440" tIns="45720" rIns="91440" bIns="45720" rtlCol="0" anchor="b"/>
+          <a:lstStyle>
+            <a:lvl1pPr algn="l">
+              <a:defRPr sz="1100" b="0" i="0">
+                <a:solidFill>
+                  <a:schemeClr val="tx1">
+                    <a:tint val="75000"/>
+                    <a:alpha val="60000"/>
+                  </a:schemeClr>
+                </a:solidFill>
+              </a:defRPr>
+            </a:lvl1pPr>
+          </a:lstStyle>
+          <a:p>
+            <a:endParaRPr lang="de-DE"/>
+          </a:p>
+        </p:txBody>
+      </p:sp>
+      <p:sp>
+        <p:nvSpPr>
+          <p:cNvPr id="6" name="Slide Number Placeholder 5"/>
+          <p:cNvSpPr>
+            <a:spLocks noGrp="1"/>
+          </p:cNvSpPr>
+          <p:nvPr>
+            <p:ph type="sldNum" sz="quarter" idx="4"/>
+          </p:nvPr>
+        </p:nvSpPr>
+        <p:spPr bwMode="gray">
+          <a:xfrm>
+            <a:off x="10352540" y="295729"/>
+            <a:ext cx="838199" cy="767687"/>
+          </a:xfrm>
+          <a:prstGeom prst="rect">
+            <a:avLst/>
+          </a:prstGeom>
+        </p:spPr>
+        <p:txBody>
+          <a:bodyPr vert="horz" lIns="91440" tIns="45720" rIns="91440" bIns="45720" rtlCol="0" anchor="b"/>
+          <a:lstStyle>
+            <a:lvl1pPr algn="ctr">
+              <a:defRPr sz="2800" b="0" i="0">
                 <a:solidFill>
                   <a:schemeClr val="tx1">
                     <a:tint val="75000"/>
@@ -2567,84 +6002,6 @@
             </a:lvl1pPr>
           </a:lstStyle>
           <a:p>
-            <a:fld id="{764E822D-177B-44F8-9B3B-6AAE9BD6CCA3}" type="datetimeFigureOut">
-              <a:rPr lang="de-DE" smtClean="0"/>
-              <a:t>26.02.2020</a:t>
-            </a:fld>
-            <a:endParaRPr lang="de-DE"/>
-          </a:p>
-        </p:txBody>
-      </p:sp>
-      <p:sp>
-        <p:nvSpPr>
-          <p:cNvPr id="5" name="Fußzeilenplatzhalter 4"/>
-          <p:cNvSpPr>
-            <a:spLocks noGrp="1"/>
-          </p:cNvSpPr>
-          <p:nvPr>
-            <p:ph type="ftr" sz="quarter" idx="3"/>
-          </p:nvPr>
-        </p:nvSpPr>
-        <p:spPr>
-          <a:xfrm>
-            <a:off x="4038600" y="6356350"/>
-            <a:ext cx="4114800" cy="365125"/>
-          </a:xfrm>
-          <a:prstGeom prst="rect">
-            <a:avLst/>
-          </a:prstGeom>
-        </p:spPr>
-        <p:txBody>
-          <a:bodyPr vert="horz" lIns="91440" tIns="45720" rIns="91440" bIns="45720" rtlCol="0" anchor="ctr"/>
-          <a:lstStyle>
-            <a:lvl1pPr algn="ctr">
-              <a:defRPr sz="1200">
-                <a:solidFill>
-                  <a:schemeClr val="tx1">
-                    <a:tint val="75000"/>
-                  </a:schemeClr>
-                </a:solidFill>
-              </a:defRPr>
-            </a:lvl1pPr>
-          </a:lstStyle>
-          <a:p>
-            <a:endParaRPr lang="de-DE"/>
-          </a:p>
-        </p:txBody>
-      </p:sp>
-      <p:sp>
-        <p:nvSpPr>
-          <p:cNvPr id="6" name="Foliennummernplatzhalter 5"/>
-          <p:cNvSpPr>
-            <a:spLocks noGrp="1"/>
-          </p:cNvSpPr>
-          <p:nvPr>
-            <p:ph type="sldNum" sz="quarter" idx="4"/>
-          </p:nvPr>
-        </p:nvSpPr>
-        <p:spPr>
-          <a:xfrm>
-            <a:off x="8610600" y="6356350"/>
-            <a:ext cx="2743200" cy="365125"/>
-          </a:xfrm>
-          <a:prstGeom prst="rect">
-            <a:avLst/>
-          </a:prstGeom>
-        </p:spPr>
-        <p:txBody>
-          <a:bodyPr vert="horz" lIns="91440" tIns="45720" rIns="91440" bIns="45720" rtlCol="0" anchor="ctr"/>
-          <a:lstStyle>
-            <a:lvl1pPr algn="r">
-              <a:defRPr sz="1200">
-                <a:solidFill>
-                  <a:schemeClr val="tx1">
-                    <a:tint val="75000"/>
-                  </a:schemeClr>
-                </a:solidFill>
-              </a:defRPr>
-            </a:lvl1pPr>
-          </a:lstStyle>
-          <a:p>
             <a:fld id="{4D97A03B-941A-4DB2-9027-144FC3ED8D76}" type="slidenum">
               <a:rPr lang="de-DE" smtClean="0"/>
               <a:t>‹Nr.›</a:t>
@@ -2656,35 +6013,122 @@
     </p:spTree>
     <p:extLst>
       <p:ext uri="{BB962C8B-B14F-4D97-AF65-F5344CB8AC3E}">
-        <p14:creationId xmlns:p14="http://schemas.microsoft.com/office/powerpoint/2010/main" val="3624570225"/>
+        <p14:creationId xmlns:p14="http://schemas.microsoft.com/office/powerpoint/2010/main" val="3594832361"/>
       </p:ext>
     </p:extLst>
   </p:cSld>
-  <p:clrMap bg1="lt1" tx1="dk1" bg2="lt2" tx2="dk2" accent1="accent1" accent2="accent2" accent3="accent3" accent4="accent4" accent5="accent5" accent6="accent6" hlink="hlink" folHlink="folHlink"/>
+  <p:clrMap bg1="dk1" tx1="lt1" bg2="dk2" tx2="lt2" accent1="accent1" accent2="accent2" accent3="accent3" accent4="accent4" accent5="accent5" accent6="accent6" hlink="hlink" folHlink="folHlink"/>
   <p:sldLayoutIdLst>
-    <p:sldLayoutId id="2147483649" r:id="rId1"/>
-    <p:sldLayoutId id="2147483650" r:id="rId2"/>
-    <p:sldLayoutId id="2147483651" r:id="rId3"/>
-    <p:sldLayoutId id="2147483652" r:id="rId4"/>
-    <p:sldLayoutId id="2147483653" r:id="rId5"/>
-    <p:sldLayoutId id="2147483654" r:id="rId6"/>
-    <p:sldLayoutId id="2147483655" r:id="rId7"/>
-    <p:sldLayoutId id="2147483656" r:id="rId8"/>
-    <p:sldLayoutId id="2147483657" r:id="rId9"/>
-    <p:sldLayoutId id="2147483658" r:id="rId10"/>
-    <p:sldLayoutId id="2147483659" r:id="rId11"/>
+    <p:sldLayoutId id="2147483709" r:id="rId1"/>
+    <p:sldLayoutId id="2147483710" r:id="rId2"/>
+    <p:sldLayoutId id="2147483711" r:id="rId3"/>
+    <p:sldLayoutId id="2147483712" r:id="rId4"/>
+    <p:sldLayoutId id="2147483713" r:id="rId5"/>
+    <p:sldLayoutId id="2147483714" r:id="rId6"/>
+    <p:sldLayoutId id="2147483715" r:id="rId7"/>
+    <p:sldLayoutId id="2147483716" r:id="rId8"/>
+    <p:sldLayoutId id="2147483717" r:id="rId9"/>
+    <p:sldLayoutId id="2147483718" r:id="rId10"/>
+    <p:sldLayoutId id="2147483719" r:id="rId11"/>
+    <p:sldLayoutId id="2147483720" r:id="rId12"/>
+    <p:sldLayoutId id="2147483721" r:id="rId13"/>
+    <p:sldLayoutId id="2147483722" r:id="rId14"/>
+    <p:sldLayoutId id="2147483723" r:id="rId15"/>
+    <p:sldLayoutId id="2147483724" r:id="rId16"/>
+    <p:sldLayoutId id="2147483725" r:id="rId17"/>
   </p:sldLayoutIdLst>
+  <p:hf hdr="0" ftr="0" dt="0"/>
   <p:txStyles>
     <p:titleStyle>
-      <a:lvl1pPr algn="l" defTabSz="914400" rtl="0" eaLnBrk="1" latinLnBrk="0" hangingPunct="1">
-        <a:lnSpc>
-          <a:spcPct val="90000"/>
-        </a:lnSpc>
+      <a:lvl1pPr algn="l" defTabSz="457200" rtl="0" eaLnBrk="1" latinLnBrk="0" hangingPunct="1">
         <a:spcBef>
           <a:spcPct val="0"/>
         </a:spcBef>
         <a:buNone/>
-        <a:defRPr sz="4400" kern="1200">
+        <a:defRPr sz="4200" b="0" i="0" kern="1200">
+          <a:solidFill>
+            <a:schemeClr val="tx2"/>
+          </a:solidFill>
+          <a:latin typeface="+mj-lt"/>
+          <a:ea typeface="+mj-ea"/>
+          <a:cs typeface="+mj-cs"/>
+        </a:defRPr>
+      </a:lvl1pPr>
+      <a:lvl2pPr eaLnBrk="1" hangingPunct="1">
+        <a:defRPr>
+          <a:solidFill>
+            <a:schemeClr val="tx2"/>
+          </a:solidFill>
+        </a:defRPr>
+      </a:lvl2pPr>
+      <a:lvl3pPr eaLnBrk="1" hangingPunct="1">
+        <a:defRPr>
+          <a:solidFill>
+            <a:schemeClr val="tx2"/>
+          </a:solidFill>
+        </a:defRPr>
+      </a:lvl3pPr>
+      <a:lvl4pPr eaLnBrk="1" hangingPunct="1">
+        <a:defRPr>
+          <a:solidFill>
+            <a:schemeClr val="tx2"/>
+          </a:solidFill>
+        </a:defRPr>
+      </a:lvl4pPr>
+      <a:lvl5pPr eaLnBrk="1" hangingPunct="1">
+        <a:defRPr>
+          <a:solidFill>
+            <a:schemeClr val="tx2"/>
+          </a:solidFill>
+        </a:defRPr>
+      </a:lvl5pPr>
+      <a:lvl6pPr eaLnBrk="1" hangingPunct="1">
+        <a:defRPr>
+          <a:solidFill>
+            <a:schemeClr val="tx2"/>
+          </a:solidFill>
+        </a:defRPr>
+      </a:lvl6pPr>
+      <a:lvl7pPr eaLnBrk="1" hangingPunct="1">
+        <a:defRPr>
+          <a:solidFill>
+            <a:schemeClr val="tx2"/>
+          </a:solidFill>
+        </a:defRPr>
+      </a:lvl7pPr>
+      <a:lvl8pPr eaLnBrk="1" hangingPunct="1">
+        <a:defRPr>
+          <a:solidFill>
+            <a:schemeClr val="tx2"/>
+          </a:solidFill>
+        </a:defRPr>
+      </a:lvl8pPr>
+      <a:lvl9pPr eaLnBrk="1" hangingPunct="1">
+        <a:defRPr>
+          <a:solidFill>
+            <a:schemeClr val="tx2"/>
+          </a:solidFill>
+        </a:defRPr>
+      </a:lvl9pPr>
+    </p:titleStyle>
+    <p:bodyStyle>
+      <a:lvl1pPr marL="342900" indent="-342900" algn="l" defTabSz="457200" rtl="0" eaLnBrk="1" latinLnBrk="0" hangingPunct="1">
+        <a:spcBef>
+          <a:spcPts val="1000"/>
+        </a:spcBef>
+        <a:spcAft>
+          <a:spcPts val="0"/>
+        </a:spcAft>
+        <a:buClr>
+          <a:schemeClr val="bg2">
+            <a:lumMod val="40000"/>
+            <a:lumOff val="60000"/>
+          </a:schemeClr>
+        </a:buClr>
+        <a:buSzPct val="80000"/>
+        <a:buFont typeface="Wingdings 3" charset="2"/>
+        <a:buChar char=""/>
+        <a:defRPr sz="2000" b="0" i="0" kern="1200">
           <a:solidFill>
             <a:schemeClr val="tx1"/>
           </a:solidFill>
@@ -2693,18 +6137,213 @@
           <a:cs typeface="+mj-cs"/>
         </a:defRPr>
       </a:lvl1pPr>
-    </p:titleStyle>
-    <p:bodyStyle>
-      <a:lvl1pPr marL="228600" indent="-228600" algn="l" defTabSz="914400" rtl="0" eaLnBrk="1" latinLnBrk="0" hangingPunct="1">
-        <a:lnSpc>
-          <a:spcPct val="90000"/>
-        </a:lnSpc>
+      <a:lvl2pPr marL="742950" indent="-285750" algn="l" defTabSz="457200" rtl="0" eaLnBrk="1" latinLnBrk="0" hangingPunct="1">
         <a:spcBef>
           <a:spcPts val="1000"/>
         </a:spcBef>
-        <a:buFont typeface="Arial" panose="020B0604020202020204" pitchFamily="34" charset="0"/>
-        <a:buChar char="•"/>
-        <a:defRPr sz="2800" kern="1200">
+        <a:spcAft>
+          <a:spcPts val="0"/>
+        </a:spcAft>
+        <a:buClr>
+          <a:schemeClr val="bg2">
+            <a:lumMod val="40000"/>
+            <a:lumOff val="60000"/>
+          </a:schemeClr>
+        </a:buClr>
+        <a:buSzPct val="80000"/>
+        <a:buFont typeface="Wingdings 3" charset="2"/>
+        <a:buChar char=""/>
+        <a:defRPr sz="1800" b="0" i="0" kern="1200">
+          <a:solidFill>
+            <a:schemeClr val="tx1"/>
+          </a:solidFill>
+          <a:latin typeface="+mj-lt"/>
+          <a:ea typeface="+mj-ea"/>
+          <a:cs typeface="+mj-cs"/>
+        </a:defRPr>
+      </a:lvl2pPr>
+      <a:lvl3pPr marL="1143000" indent="-228600" algn="l" defTabSz="457200" rtl="0" eaLnBrk="1" latinLnBrk="0" hangingPunct="1">
+        <a:spcBef>
+          <a:spcPts val="1000"/>
+        </a:spcBef>
+        <a:spcAft>
+          <a:spcPts val="0"/>
+        </a:spcAft>
+        <a:buClr>
+          <a:schemeClr val="bg2">
+            <a:lumMod val="40000"/>
+            <a:lumOff val="60000"/>
+          </a:schemeClr>
+        </a:buClr>
+        <a:buSzPct val="80000"/>
+        <a:buFont typeface="Wingdings 3" charset="2"/>
+        <a:buChar char=""/>
+        <a:defRPr sz="1600" b="0" i="0" kern="1200">
+          <a:solidFill>
+            <a:schemeClr val="tx1"/>
+          </a:solidFill>
+          <a:latin typeface="+mj-lt"/>
+          <a:ea typeface="+mj-ea"/>
+          <a:cs typeface="+mj-cs"/>
+        </a:defRPr>
+      </a:lvl3pPr>
+      <a:lvl4pPr marL="1600200" indent="-228600" algn="l" defTabSz="457200" rtl="0" eaLnBrk="1" latinLnBrk="0" hangingPunct="1">
+        <a:spcBef>
+          <a:spcPts val="1000"/>
+        </a:spcBef>
+        <a:spcAft>
+          <a:spcPts val="0"/>
+        </a:spcAft>
+        <a:buClr>
+          <a:schemeClr val="bg2">
+            <a:lumMod val="40000"/>
+            <a:lumOff val="60000"/>
+          </a:schemeClr>
+        </a:buClr>
+        <a:buSzPct val="80000"/>
+        <a:buFont typeface="Wingdings 3" charset="2"/>
+        <a:buChar char=""/>
+        <a:defRPr sz="1400" b="0" i="0" kern="1200">
+          <a:solidFill>
+            <a:schemeClr val="tx1"/>
+          </a:solidFill>
+          <a:latin typeface="+mj-lt"/>
+          <a:ea typeface="+mj-ea"/>
+          <a:cs typeface="+mj-cs"/>
+        </a:defRPr>
+      </a:lvl4pPr>
+      <a:lvl5pPr marL="2057400" indent="-228600" algn="l" defTabSz="457200" rtl="0" eaLnBrk="1" latinLnBrk="0" hangingPunct="1">
+        <a:spcBef>
+          <a:spcPts val="1000"/>
+        </a:spcBef>
+        <a:spcAft>
+          <a:spcPts val="0"/>
+        </a:spcAft>
+        <a:buClr>
+          <a:schemeClr val="bg2">
+            <a:lumMod val="40000"/>
+            <a:lumOff val="60000"/>
+          </a:schemeClr>
+        </a:buClr>
+        <a:buSzPct val="80000"/>
+        <a:buFont typeface="Wingdings 3" charset="2"/>
+        <a:buChar char=""/>
+        <a:defRPr sz="1400" b="0" i="0" kern="1200">
+          <a:solidFill>
+            <a:schemeClr val="tx1"/>
+          </a:solidFill>
+          <a:latin typeface="+mj-lt"/>
+          <a:ea typeface="+mj-ea"/>
+          <a:cs typeface="+mj-cs"/>
+        </a:defRPr>
+      </a:lvl5pPr>
+      <a:lvl6pPr marL="2506000" indent="-228600" algn="l" defTabSz="457200" rtl="0" eaLnBrk="1" latinLnBrk="0" hangingPunct="1">
+        <a:spcBef>
+          <a:spcPts val="1000"/>
+        </a:spcBef>
+        <a:spcAft>
+          <a:spcPts val="0"/>
+        </a:spcAft>
+        <a:buClr>
+          <a:schemeClr val="bg2">
+            <a:lumMod val="40000"/>
+            <a:lumOff val="60000"/>
+          </a:schemeClr>
+        </a:buClr>
+        <a:buSzPct val="80000"/>
+        <a:buFont typeface="Wingdings 3" charset="2"/>
+        <a:buChar char=""/>
+        <a:defRPr sz="1400" b="0" i="0" kern="1200">
+          <a:solidFill>
+            <a:schemeClr val="tx1"/>
+          </a:solidFill>
+          <a:latin typeface="+mj-lt"/>
+          <a:ea typeface="+mj-ea"/>
+          <a:cs typeface="+mj-cs"/>
+        </a:defRPr>
+      </a:lvl6pPr>
+      <a:lvl7pPr marL="2971800" indent="-228600" algn="l" defTabSz="457200" rtl="0" eaLnBrk="1" latinLnBrk="0" hangingPunct="1">
+        <a:spcBef>
+          <a:spcPts val="1000"/>
+        </a:spcBef>
+        <a:spcAft>
+          <a:spcPts val="0"/>
+        </a:spcAft>
+        <a:buClr>
+          <a:schemeClr val="bg2">
+            <a:lumMod val="40000"/>
+            <a:lumOff val="60000"/>
+          </a:schemeClr>
+        </a:buClr>
+        <a:buSzPct val="80000"/>
+        <a:buFont typeface="Wingdings 3" charset="2"/>
+        <a:buChar char=""/>
+        <a:defRPr sz="1400" b="0" i="0" kern="1200">
+          <a:solidFill>
+            <a:schemeClr val="tx1"/>
+          </a:solidFill>
+          <a:latin typeface="+mj-lt"/>
+          <a:ea typeface="+mj-ea"/>
+          <a:cs typeface="+mj-cs"/>
+        </a:defRPr>
+      </a:lvl7pPr>
+      <a:lvl8pPr marL="3429000" indent="-228600" algn="l" defTabSz="457200" rtl="0" eaLnBrk="1" latinLnBrk="0" hangingPunct="1">
+        <a:spcBef>
+          <a:spcPts val="1000"/>
+        </a:spcBef>
+        <a:spcAft>
+          <a:spcPts val="0"/>
+        </a:spcAft>
+        <a:buClr>
+          <a:schemeClr val="bg2">
+            <a:lumMod val="40000"/>
+            <a:lumOff val="60000"/>
+          </a:schemeClr>
+        </a:buClr>
+        <a:buSzPct val="80000"/>
+        <a:buFont typeface="Wingdings 3" charset="2"/>
+        <a:buChar char=""/>
+        <a:defRPr sz="1400" b="0" i="0" kern="1200">
+          <a:solidFill>
+            <a:schemeClr val="tx1"/>
+          </a:solidFill>
+          <a:latin typeface="+mj-lt"/>
+          <a:ea typeface="+mj-ea"/>
+          <a:cs typeface="+mj-cs"/>
+        </a:defRPr>
+      </a:lvl8pPr>
+      <a:lvl9pPr marL="3886200" indent="-228600" algn="l" defTabSz="457200" rtl="0" eaLnBrk="1" latinLnBrk="0" hangingPunct="1">
+        <a:spcBef>
+          <a:spcPts val="1000"/>
+        </a:spcBef>
+        <a:spcAft>
+          <a:spcPts val="0"/>
+        </a:spcAft>
+        <a:buClr>
+          <a:schemeClr val="bg2">
+            <a:lumMod val="40000"/>
+            <a:lumOff val="60000"/>
+          </a:schemeClr>
+        </a:buClr>
+        <a:buSzPct val="80000"/>
+        <a:buFont typeface="Wingdings 3" charset="2"/>
+        <a:buChar char=""/>
+        <a:defRPr sz="1400" b="0" i="0" kern="1200">
+          <a:solidFill>
+            <a:schemeClr val="tx1"/>
+          </a:solidFill>
+          <a:latin typeface="+mj-lt"/>
+          <a:ea typeface="+mj-ea"/>
+          <a:cs typeface="+mj-cs"/>
+        </a:defRPr>
+      </a:lvl9pPr>
+    </p:bodyStyle>
+    <p:otherStyle>
+      <a:defPPr>
+        <a:defRPr lang="en-US"/>
+      </a:defPPr>
+      <a:lvl1pPr marL="0" algn="l" defTabSz="457200" rtl="0" eaLnBrk="1" latinLnBrk="0" hangingPunct="1">
+        <a:defRPr sz="1800" kern="1200">
           <a:solidFill>
             <a:schemeClr val="tx1"/>
           </a:solidFill>
@@ -2713,16 +6352,8 @@
           <a:cs typeface="+mn-cs"/>
         </a:defRPr>
       </a:lvl1pPr>
-      <a:lvl2pPr marL="685800" indent="-228600" algn="l" defTabSz="914400" rtl="0" eaLnBrk="1" latinLnBrk="0" hangingPunct="1">
-        <a:lnSpc>
-          <a:spcPct val="90000"/>
-        </a:lnSpc>
-        <a:spcBef>
-          <a:spcPts val="500"/>
-        </a:spcBef>
-        <a:buFont typeface="Arial" panose="020B0604020202020204" pitchFamily="34" charset="0"/>
-        <a:buChar char="•"/>
-        <a:defRPr sz="2400" kern="1200">
+      <a:lvl2pPr marL="457200" algn="l" defTabSz="457200" rtl="0" eaLnBrk="1" latinLnBrk="0" hangingPunct="1">
+        <a:defRPr sz="1800" kern="1200">
           <a:solidFill>
             <a:schemeClr val="tx1"/>
           </a:solidFill>
@@ -2731,16 +6362,8 @@
           <a:cs typeface="+mn-cs"/>
         </a:defRPr>
       </a:lvl2pPr>
-      <a:lvl3pPr marL="1143000" indent="-228600" algn="l" defTabSz="914400" rtl="0" eaLnBrk="1" latinLnBrk="0" hangingPunct="1">
-        <a:lnSpc>
-          <a:spcPct val="90000"/>
-        </a:lnSpc>
-        <a:spcBef>
-          <a:spcPts val="500"/>
-        </a:spcBef>
-        <a:buFont typeface="Arial" panose="020B0604020202020204" pitchFamily="34" charset="0"/>
-        <a:buChar char="•"/>
-        <a:defRPr sz="2000" kern="1200">
+      <a:lvl3pPr marL="914400" algn="l" defTabSz="457200" rtl="0" eaLnBrk="1" latinLnBrk="0" hangingPunct="1">
+        <a:defRPr sz="1800" kern="1200">
           <a:solidFill>
             <a:schemeClr val="tx1"/>
           </a:solidFill>
@@ -2749,15 +6372,7 @@
           <a:cs typeface="+mn-cs"/>
         </a:defRPr>
       </a:lvl3pPr>
-      <a:lvl4pPr marL="1600200" indent="-228600" algn="l" defTabSz="914400" rtl="0" eaLnBrk="1" latinLnBrk="0" hangingPunct="1">
-        <a:lnSpc>
-          <a:spcPct val="90000"/>
-        </a:lnSpc>
-        <a:spcBef>
-          <a:spcPts val="500"/>
-        </a:spcBef>
-        <a:buFont typeface="Arial" panose="020B0604020202020204" pitchFamily="34" charset="0"/>
-        <a:buChar char="•"/>
+      <a:lvl4pPr marL="1371600" algn="l" defTabSz="457200" rtl="0" eaLnBrk="1" latinLnBrk="0" hangingPunct="1">
         <a:defRPr sz="1800" kern="1200">
           <a:solidFill>
             <a:schemeClr val="tx1"/>
@@ -2767,15 +6382,7 @@
           <a:cs typeface="+mn-cs"/>
         </a:defRPr>
       </a:lvl4pPr>
-      <a:lvl5pPr marL="2057400" indent="-228600" algn="l" defTabSz="914400" rtl="0" eaLnBrk="1" latinLnBrk="0" hangingPunct="1">
-        <a:lnSpc>
-          <a:spcPct val="90000"/>
-        </a:lnSpc>
-        <a:spcBef>
-          <a:spcPts val="500"/>
-        </a:spcBef>
-        <a:buFont typeface="Arial" panose="020B0604020202020204" pitchFamily="34" charset="0"/>
-        <a:buChar char="•"/>
+      <a:lvl5pPr marL="1828800" algn="l" defTabSz="457200" rtl="0" eaLnBrk="1" latinLnBrk="0" hangingPunct="1">
         <a:defRPr sz="1800" kern="1200">
           <a:solidFill>
             <a:schemeClr val="tx1"/>
@@ -2785,15 +6392,7 @@
           <a:cs typeface="+mn-cs"/>
         </a:defRPr>
       </a:lvl5pPr>
-      <a:lvl6pPr marL="2514600" indent="-228600" algn="l" defTabSz="914400" rtl="0" eaLnBrk="1" latinLnBrk="0" hangingPunct="1">
-        <a:lnSpc>
-          <a:spcPct val="90000"/>
-        </a:lnSpc>
-        <a:spcBef>
-          <a:spcPts val="500"/>
-        </a:spcBef>
-        <a:buFont typeface="Arial" panose="020B0604020202020204" pitchFamily="34" charset="0"/>
-        <a:buChar char="•"/>
+      <a:lvl6pPr marL="2286000" algn="l" defTabSz="457200" rtl="0" eaLnBrk="1" latinLnBrk="0" hangingPunct="1">
         <a:defRPr sz="1800" kern="1200">
           <a:solidFill>
             <a:schemeClr val="tx1"/>
@@ -2803,15 +6402,7 @@
           <a:cs typeface="+mn-cs"/>
         </a:defRPr>
       </a:lvl6pPr>
-      <a:lvl7pPr marL="2971800" indent="-228600" algn="l" defTabSz="914400" rtl="0" eaLnBrk="1" latinLnBrk="0" hangingPunct="1">
-        <a:lnSpc>
-          <a:spcPct val="90000"/>
-        </a:lnSpc>
-        <a:spcBef>
-          <a:spcPts val="500"/>
-        </a:spcBef>
-        <a:buFont typeface="Arial" panose="020B0604020202020204" pitchFamily="34" charset="0"/>
-        <a:buChar char="•"/>
+      <a:lvl7pPr marL="2743200" algn="l" defTabSz="457200" rtl="0" eaLnBrk="1" latinLnBrk="0" hangingPunct="1">
         <a:defRPr sz="1800" kern="1200">
           <a:solidFill>
             <a:schemeClr val="tx1"/>
@@ -2821,15 +6412,7 @@
           <a:cs typeface="+mn-cs"/>
         </a:defRPr>
       </a:lvl7pPr>
-      <a:lvl8pPr marL="3429000" indent="-228600" algn="l" defTabSz="914400" rtl="0" eaLnBrk="1" latinLnBrk="0" hangingPunct="1">
-        <a:lnSpc>
-          <a:spcPct val="90000"/>
-        </a:lnSpc>
-        <a:spcBef>
-          <a:spcPts val="500"/>
-        </a:spcBef>
-        <a:buFont typeface="Arial" panose="020B0604020202020204" pitchFamily="34" charset="0"/>
-        <a:buChar char="•"/>
+      <a:lvl8pPr marL="3200400" algn="l" defTabSz="457200" rtl="0" eaLnBrk="1" latinLnBrk="0" hangingPunct="1">
         <a:defRPr sz="1800" kern="1200">
           <a:solidFill>
             <a:schemeClr val="tx1"/>
@@ -2839,110 +6422,7 @@
           <a:cs typeface="+mn-cs"/>
         </a:defRPr>
       </a:lvl8pPr>
-      <a:lvl9pPr marL="3886200" indent="-228600" algn="l" defTabSz="914400" rtl="0" eaLnBrk="1" latinLnBrk="0" hangingPunct="1">
-        <a:lnSpc>
-          <a:spcPct val="90000"/>
-        </a:lnSpc>
-        <a:spcBef>
-          <a:spcPts val="500"/>
-        </a:spcBef>
-        <a:buFont typeface="Arial" panose="020B0604020202020204" pitchFamily="34" charset="0"/>
-        <a:buChar char="•"/>
-        <a:defRPr sz="1800" kern="1200">
-          <a:solidFill>
-            <a:schemeClr val="tx1"/>
-          </a:solidFill>
-          <a:latin typeface="+mn-lt"/>
-          <a:ea typeface="+mn-ea"/>
-          <a:cs typeface="+mn-cs"/>
-        </a:defRPr>
-      </a:lvl9pPr>
-    </p:bodyStyle>
-    <p:otherStyle>
-      <a:defPPr>
-        <a:defRPr lang="de-DE"/>
-      </a:defPPr>
-      <a:lvl1pPr marL="0" algn="l" defTabSz="914400" rtl="0" eaLnBrk="1" latinLnBrk="0" hangingPunct="1">
-        <a:defRPr sz="1800" kern="1200">
-          <a:solidFill>
-            <a:schemeClr val="tx1"/>
-          </a:solidFill>
-          <a:latin typeface="+mn-lt"/>
-          <a:ea typeface="+mn-ea"/>
-          <a:cs typeface="+mn-cs"/>
-        </a:defRPr>
-      </a:lvl1pPr>
-      <a:lvl2pPr marL="457200" algn="l" defTabSz="914400" rtl="0" eaLnBrk="1" latinLnBrk="0" hangingPunct="1">
-        <a:defRPr sz="1800" kern="1200">
-          <a:solidFill>
-            <a:schemeClr val="tx1"/>
-          </a:solidFill>
-          <a:latin typeface="+mn-lt"/>
-          <a:ea typeface="+mn-ea"/>
-          <a:cs typeface="+mn-cs"/>
-        </a:defRPr>
-      </a:lvl2pPr>
-      <a:lvl3pPr marL="914400" algn="l" defTabSz="914400" rtl="0" eaLnBrk="1" latinLnBrk="0" hangingPunct="1">
-        <a:defRPr sz="1800" kern="1200">
-          <a:solidFill>
-            <a:schemeClr val="tx1"/>
-          </a:solidFill>
-          <a:latin typeface="+mn-lt"/>
-          <a:ea typeface="+mn-ea"/>
-          <a:cs typeface="+mn-cs"/>
-        </a:defRPr>
-      </a:lvl3pPr>
-      <a:lvl4pPr marL="1371600" algn="l" defTabSz="914400" rtl="0" eaLnBrk="1" latinLnBrk="0" hangingPunct="1">
-        <a:defRPr sz="1800" kern="1200">
-          <a:solidFill>
-            <a:schemeClr val="tx1"/>
-          </a:solidFill>
-          <a:latin typeface="+mn-lt"/>
-          <a:ea typeface="+mn-ea"/>
-          <a:cs typeface="+mn-cs"/>
-        </a:defRPr>
-      </a:lvl4pPr>
-      <a:lvl5pPr marL="1828800" algn="l" defTabSz="914400" rtl="0" eaLnBrk="1" latinLnBrk="0" hangingPunct="1">
-        <a:defRPr sz="1800" kern="1200">
-          <a:solidFill>
-            <a:schemeClr val="tx1"/>
-          </a:solidFill>
-          <a:latin typeface="+mn-lt"/>
-          <a:ea typeface="+mn-ea"/>
-          <a:cs typeface="+mn-cs"/>
-        </a:defRPr>
-      </a:lvl5pPr>
-      <a:lvl6pPr marL="2286000" algn="l" defTabSz="914400" rtl="0" eaLnBrk="1" latinLnBrk="0" hangingPunct="1">
-        <a:defRPr sz="1800" kern="1200">
-          <a:solidFill>
-            <a:schemeClr val="tx1"/>
-          </a:solidFill>
-          <a:latin typeface="+mn-lt"/>
-          <a:ea typeface="+mn-ea"/>
-          <a:cs typeface="+mn-cs"/>
-        </a:defRPr>
-      </a:lvl6pPr>
-      <a:lvl7pPr marL="2743200" algn="l" defTabSz="914400" rtl="0" eaLnBrk="1" latinLnBrk="0" hangingPunct="1">
-        <a:defRPr sz="1800" kern="1200">
-          <a:solidFill>
-            <a:schemeClr val="tx1"/>
-          </a:solidFill>
-          <a:latin typeface="+mn-lt"/>
-          <a:ea typeface="+mn-ea"/>
-          <a:cs typeface="+mn-cs"/>
-        </a:defRPr>
-      </a:lvl7pPr>
-      <a:lvl8pPr marL="3200400" algn="l" defTabSz="914400" rtl="0" eaLnBrk="1" latinLnBrk="0" hangingPunct="1">
-        <a:defRPr sz="1800" kern="1200">
-          <a:solidFill>
-            <a:schemeClr val="tx1"/>
-          </a:solidFill>
-          <a:latin typeface="+mn-lt"/>
-          <a:ea typeface="+mn-ea"/>
-          <a:cs typeface="+mn-cs"/>
-        </a:defRPr>
-      </a:lvl8pPr>
-      <a:lvl9pPr marL="3657600" algn="l" defTabSz="914400" rtl="0" eaLnBrk="1" latinLnBrk="0" hangingPunct="1">
+      <a:lvl9pPr marL="3657600" algn="l" defTabSz="457200" rtl="0" eaLnBrk="1" latinLnBrk="0" hangingPunct="1">
         <a:defRPr sz="1800" kern="1200">
           <a:solidFill>
             <a:schemeClr val="tx1"/>
@@ -2987,23 +6467,23 @@
         <p:spPr/>
         <p:txBody>
           <a:bodyPr>
-            <a:normAutofit fontScale="90000"/>
+            <a:noAutofit/>
           </a:bodyPr>
           <a:lstStyle/>
           <a:p>
             <a:r>
-              <a:rPr lang="de-DE" b="1" dirty="0" smtClean="0"/>
+              <a:rPr lang="de-DE" sz="5400" b="1" dirty="0" smtClean="0"/>
               <a:t>Rasterkartierung zur </a:t>
             </a:r>
             <a:r>
-              <a:rPr lang="de-DE" b="1" dirty="0"/>
+              <a:rPr lang="de-DE" sz="5400" b="1" dirty="0"/>
               <a:t>Kronendach-Durchlässigkeit im </a:t>
             </a:r>
             <a:r>
-              <a:rPr lang="de-DE" b="1" dirty="0" smtClean="0"/>
+              <a:rPr lang="de-DE" sz="5400" b="1" dirty="0" smtClean="0"/>
               <a:t>Wald</a:t>
             </a:r>
-            <a:endParaRPr lang="de-DE" dirty="0"/>
+            <a:endParaRPr lang="de-DE" sz="5400" dirty="0"/>
           </a:p>
         </p:txBody>
       </p:sp>
@@ -3019,13 +6499,13 @@
         </p:nvSpPr>
         <p:spPr>
           <a:xfrm>
-            <a:off x="1524000" y="4343909"/>
+            <a:off x="1214034" y="4777381"/>
             <a:ext cx="9144000" cy="1655762"/>
           </a:xfrm>
         </p:spPr>
         <p:txBody>
           <a:bodyPr>
-            <a:normAutofit fontScale="77500" lnSpcReduction="20000"/>
+            <a:normAutofit fontScale="85000" lnSpcReduction="20000"/>
           </a:bodyPr>
           <a:lstStyle/>
           <a:p>
@@ -3036,8 +6516,12 @@
           </a:p>
           <a:p>
             <a:r>
+              <a:rPr lang="de-DE" b="1" dirty="0" smtClean="0"/>
+              <a:t>Geoinformatik</a:t>
+            </a:r>
+            <a:r>
               <a:rPr lang="de-DE" b="1" dirty="0"/>
-              <a:t>Geoinformatik: </a:t>
+              <a:t>: </a:t>
             </a:r>
             <a:r>
               <a:rPr lang="de-DE" b="1" dirty="0" smtClean="0"/>
@@ -3151,141 +6635,168 @@
           <a:bodyPr/>
           <a:lstStyle/>
           <a:p>
+            <a:r>
+              <a:rPr lang="de-DE" dirty="0" smtClean="0"/>
+              <a:t>Fazit</a:t>
+            </a:r>
+            <a:endParaRPr lang="de-DE" dirty="0"/>
+          </a:p>
+        </p:txBody>
+      </p:sp>
+      <p:sp>
+        <p:nvSpPr>
+          <p:cNvPr id="3" name="Inhaltsplatzhalter 2"/>
+          <p:cNvSpPr>
+            <a:spLocks noGrp="1"/>
+          </p:cNvSpPr>
+          <p:nvPr>
+            <p:ph idx="1"/>
+          </p:nvPr>
+        </p:nvSpPr>
+        <p:spPr/>
+        <p:txBody>
+          <a:bodyPr>
+            <a:normAutofit/>
+          </a:bodyPr>
+          <a:lstStyle/>
+          <a:p>
+            <a:r>
+              <a:rPr lang="de-DE" sz="2200" dirty="0"/>
+              <a:t>Durchlässigkeit der Kronendachs kann mithilfe einer </a:t>
+            </a:r>
+            <a:r>
+              <a:rPr lang="de-DE" sz="2200" dirty="0" err="1"/>
+              <a:t>LiDAR</a:t>
+            </a:r>
+            <a:r>
+              <a:rPr lang="de-DE" sz="2200" dirty="0"/>
+              <a:t> Punktwolke gut </a:t>
+            </a:r>
+            <a:r>
+              <a:rPr lang="de-DE" sz="2200" dirty="0" smtClean="0"/>
+              <a:t>quantifizierbar</a:t>
+            </a:r>
+          </a:p>
+          <a:p>
+            <a:r>
+              <a:rPr lang="de-DE" sz="2200" dirty="0" smtClean="0"/>
+              <a:t>Prozessieren </a:t>
+            </a:r>
+            <a:r>
+              <a:rPr lang="de-DE" sz="2200" dirty="0"/>
+              <a:t>großer </a:t>
+            </a:r>
+            <a:r>
+              <a:rPr lang="de-DE" sz="2200" dirty="0" smtClean="0"/>
+              <a:t>Punktwolken – Rechenaufwendig - </a:t>
+            </a:r>
+            <a:r>
+              <a:rPr lang="de-DE" sz="2200" dirty="0"/>
+              <a:t>Code </a:t>
+            </a:r>
+            <a:r>
+              <a:rPr lang="de-DE" sz="2200" dirty="0" smtClean="0"/>
+              <a:t>optimieren und unnötige </a:t>
+            </a:r>
+            <a:r>
+              <a:rPr lang="de-DE" sz="2200" dirty="0"/>
+              <a:t>Doppelabfragen </a:t>
+            </a:r>
+            <a:r>
+              <a:rPr lang="de-DE" sz="2200" dirty="0" smtClean="0"/>
+              <a:t>vermeiden</a:t>
+            </a:r>
+            <a:endParaRPr lang="de-DE" sz="2200" dirty="0"/>
+          </a:p>
+          <a:p>
+            <a:endParaRPr lang="de-DE" sz="2200" dirty="0" smtClean="0"/>
+          </a:p>
+          <a:p>
+            <a:r>
+              <a:rPr lang="de-DE" sz="2200" dirty="0" smtClean="0"/>
+              <a:t>Ausblick:</a:t>
+            </a:r>
+          </a:p>
+          <a:p>
+            <a:pPr lvl="1"/>
+            <a:r>
+              <a:rPr lang="de-DE" sz="2000" dirty="0" smtClean="0"/>
+              <a:t>Höhenverteilung </a:t>
+            </a:r>
+            <a:r>
+              <a:rPr lang="de-DE" sz="2000" dirty="0"/>
+              <a:t>der Vegetationspunkte </a:t>
+            </a:r>
+            <a:r>
+              <a:rPr lang="de-DE" sz="2000" dirty="0" smtClean="0"/>
+              <a:t>untersuchen und so möglicherweise </a:t>
+            </a:r>
+            <a:r>
+              <a:rPr lang="de-DE" sz="2000" dirty="0"/>
+              <a:t>Rückschlüsse auf </a:t>
+            </a:r>
+            <a:r>
+              <a:rPr lang="de-DE" sz="2000" dirty="0" err="1"/>
+              <a:t>Baumtyp</a:t>
+            </a:r>
+            <a:r>
+              <a:rPr lang="de-DE" sz="2000" dirty="0"/>
+              <a:t> </a:t>
+            </a:r>
+            <a:r>
+              <a:rPr lang="de-DE" sz="2000" dirty="0" smtClean="0"/>
+              <a:t>ziehen</a:t>
+            </a:r>
+          </a:p>
+          <a:p>
+            <a:pPr lvl="1"/>
+            <a:r>
+              <a:rPr lang="de-DE" sz="2000" dirty="0" smtClean="0"/>
+              <a:t>Durchlässigkeit des Kronendachs ohne Vorklassifizierung berechnen</a:t>
+            </a:r>
+          </a:p>
+          <a:p>
+            <a:pPr lvl="1"/>
+            <a:endParaRPr lang="de-DE" dirty="0" smtClean="0"/>
+          </a:p>
+          <a:p>
+            <a:endParaRPr lang="de-DE" dirty="0"/>
+          </a:p>
+        </p:txBody>
+      </p:sp>
+      <p:sp>
+        <p:nvSpPr>
+          <p:cNvPr id="4" name="Foliennummernplatzhalter 3"/>
+          <p:cNvSpPr>
+            <a:spLocks noGrp="1"/>
+          </p:cNvSpPr>
+          <p:nvPr>
+            <p:ph type="sldNum" sz="quarter" idx="12"/>
+          </p:nvPr>
+        </p:nvSpPr>
+        <p:spPr/>
+        <p:txBody>
+          <a:bodyPr/>
+          <a:lstStyle/>
+          <a:p>
+            <a:fld id="{4D97A03B-941A-4DB2-9027-144FC3ED8D76}" type="slidenum">
+              <a:rPr lang="de-DE" smtClean="0"/>
+              <a:t>10</a:t>
+            </a:fld>
             <a:endParaRPr lang="de-DE"/>
           </a:p>
         </p:txBody>
       </p:sp>
-      <p:pic>
-        <p:nvPicPr>
-          <p:cNvPr id="4" name="Inhaltsplatzhalter 3"/>
-          <p:cNvPicPr>
-            <a:picLocks noGrp="1" noChangeAspect="1"/>
-          </p:cNvPicPr>
-          <p:nvPr>
-            <p:ph idx="1"/>
-          </p:nvPr>
-        </p:nvPicPr>
-        <p:blipFill>
-          <a:blip r:embed="rId2">
-            <a:extLst>
-              <a:ext uri="{28A0092B-C50C-407E-A947-70E740481C1C}">
-                <a14:useLocalDpi xmlns:a14="http://schemas.microsoft.com/office/drawing/2010/main" val="0"/>
-              </a:ext>
-            </a:extLst>
-          </a:blip>
-          <a:stretch>
-            <a:fillRect/>
-          </a:stretch>
-        </p:blipFill>
-        <p:spPr>
-          <a:xfrm>
-            <a:off x="2272407" y="1830615"/>
-            <a:ext cx="7647186" cy="4860000"/>
-          </a:xfrm>
-        </p:spPr>
-      </p:pic>
     </p:spTree>
     <p:extLst>
       <p:ext uri="{BB962C8B-B14F-4D97-AF65-F5344CB8AC3E}">
-        <p14:creationId xmlns:p14="http://schemas.microsoft.com/office/powerpoint/2010/main" val="2980085722"/>
+        <p14:creationId xmlns:p14="http://schemas.microsoft.com/office/powerpoint/2010/main" val="3093553462"/>
       </p:ext>
     </p:extLst>
   </p:cSld>
   <p:clrMapOvr>
     <a:masterClrMapping/>
   </p:clrMapOvr>
-  <p:timing>
-    <p:tnLst>
-      <p:par>
-        <p:cTn id="1" dur="indefinite" restart="never" nodeType="tmRoot"/>
-      </p:par>
-    </p:tnLst>
-  </p:timing>
-</p:sld>
-</file>
-
-<file path=ppt/slides/slide11.xml><?xml version="1.0" encoding="utf-8"?>
-<p:sld xmlns:a="http://schemas.openxmlformats.org/drawingml/2006/main" xmlns:r="http://schemas.openxmlformats.org/officeDocument/2006/relationships" xmlns:p="http://schemas.openxmlformats.org/presentationml/2006/main">
-  <p:cSld>
-    <p:spTree>
-      <p:nvGrpSpPr>
-        <p:cNvPr id="1" name=""/>
-        <p:cNvGrpSpPr/>
-        <p:nvPr/>
-      </p:nvGrpSpPr>
-      <p:grpSpPr>
-        <a:xfrm>
-          <a:off x="0" y="0"/>
-          <a:ext cx="0" cy="0"/>
-          <a:chOff x="0" y="0"/>
-          <a:chExt cx="0" cy="0"/>
-        </a:xfrm>
-      </p:grpSpPr>
-      <p:sp>
-        <p:nvSpPr>
-          <p:cNvPr id="2" name="Titel 1"/>
-          <p:cNvSpPr>
-            <a:spLocks noGrp="1"/>
-          </p:cNvSpPr>
-          <p:nvPr>
-            <p:ph type="title"/>
-          </p:nvPr>
-        </p:nvSpPr>
-        <p:spPr/>
-        <p:txBody>
-          <a:bodyPr/>
-          <a:lstStyle/>
-          <a:p>
-            <a:endParaRPr lang="de-DE"/>
-          </a:p>
-        </p:txBody>
-      </p:sp>
-      <p:pic>
-        <p:nvPicPr>
-          <p:cNvPr id="4" name="Inhaltsplatzhalter 3"/>
-          <p:cNvPicPr>
-            <a:picLocks noGrp="1" noChangeAspect="1"/>
-          </p:cNvPicPr>
-          <p:nvPr>
-            <p:ph idx="1"/>
-          </p:nvPr>
-        </p:nvPicPr>
-        <p:blipFill>
-          <a:blip r:embed="rId2">
-            <a:extLst>
-              <a:ext uri="{28A0092B-C50C-407E-A947-70E740481C1C}">
-                <a14:useLocalDpi xmlns:a14="http://schemas.microsoft.com/office/drawing/2010/main" val="0"/>
-              </a:ext>
-            </a:extLst>
-          </a:blip>
-          <a:stretch>
-            <a:fillRect/>
-          </a:stretch>
-        </p:blipFill>
-        <p:spPr>
-          <a:xfrm>
-            <a:off x="1387874" y="1690688"/>
-            <a:ext cx="9416251" cy="4860000"/>
-          </a:xfrm>
-        </p:spPr>
-      </p:pic>
-    </p:spTree>
-    <p:extLst>
-      <p:ext uri="{BB962C8B-B14F-4D97-AF65-F5344CB8AC3E}">
-        <p14:creationId xmlns:p14="http://schemas.microsoft.com/office/powerpoint/2010/main" val="3546862122"/>
-      </p:ext>
-    </p:extLst>
-  </p:cSld>
-  <p:clrMapOvr>
-    <a:masterClrMapping/>
-  </p:clrMapOvr>
-  <p:timing>
-    <p:tnLst>
-      <p:par>
-        <p:cTn id="1" dur="indefinite" restart="never" nodeType="tmRoot"/>
-      </p:par>
-    </p:tnLst>
-  </p:timing>
 </p:sld>
 </file>
 
@@ -3321,57 +6832,95 @@
           <a:bodyPr/>
           <a:lstStyle/>
           <a:p>
+            <a:r>
+              <a:rPr lang="de-DE" dirty="0" smtClean="0"/>
+              <a:t>Übersicht</a:t>
+            </a:r>
+            <a:endParaRPr lang="de-DE" dirty="0"/>
+          </a:p>
+        </p:txBody>
+      </p:sp>
+      <p:sp>
+        <p:nvSpPr>
+          <p:cNvPr id="3" name="Inhaltsplatzhalter 2"/>
+          <p:cNvSpPr>
+            <a:spLocks noGrp="1"/>
+          </p:cNvSpPr>
+          <p:nvPr>
+            <p:ph idx="1"/>
+          </p:nvPr>
+        </p:nvSpPr>
+        <p:spPr/>
+        <p:txBody>
+          <a:bodyPr>
+            <a:normAutofit/>
+          </a:bodyPr>
+          <a:lstStyle/>
+          <a:p>
+            <a:r>
+              <a:rPr lang="de-DE" sz="2400" dirty="0"/>
+              <a:t>Kronendach Durchlässigkeit eines Waldstücks anhand von </a:t>
+            </a:r>
+            <a:r>
+              <a:rPr lang="de-DE" sz="2400" dirty="0" err="1"/>
+              <a:t>LiDAR</a:t>
+            </a:r>
+            <a:r>
+              <a:rPr lang="de-DE" sz="2400" dirty="0"/>
+              <a:t> Punktwolkendaten ermittelt und visualisiert </a:t>
+            </a:r>
+            <a:endParaRPr lang="de-DE" sz="2400" dirty="0" smtClean="0"/>
+          </a:p>
+          <a:p>
+            <a:endParaRPr lang="de-DE" sz="2400" dirty="0"/>
+          </a:p>
+          <a:p>
+            <a:r>
+              <a:rPr lang="de-DE" sz="2400" dirty="0" smtClean="0"/>
+              <a:t>Ansatz:</a:t>
+            </a:r>
+          </a:p>
+          <a:p>
+            <a:pPr marL="0" indent="0" algn="ctr">
+              <a:buNone/>
+            </a:pPr>
+            <a:r>
+              <a:rPr lang="de-DE" sz="2400" dirty="0" smtClean="0"/>
+              <a:t>Vergleich der Anzahl von Bodenpunkten und Vegetationspunkten in einer </a:t>
+            </a:r>
+            <a:r>
+              <a:rPr lang="de-DE" sz="2400" dirty="0" smtClean="0"/>
+              <a:t>Rasterzelle</a:t>
+            </a:r>
+          </a:p>
+          <a:p>
+            <a:pPr marL="0" indent="0">
+              <a:buNone/>
+            </a:pPr>
+            <a:endParaRPr lang="de-DE" dirty="0"/>
+          </a:p>
+        </p:txBody>
+      </p:sp>
+      <p:sp>
+        <p:nvSpPr>
+          <p:cNvPr id="4" name="Foliennummernplatzhalter 3"/>
+          <p:cNvSpPr>
+            <a:spLocks noGrp="1"/>
+          </p:cNvSpPr>
+          <p:nvPr>
+            <p:ph type="sldNum" sz="quarter" idx="12"/>
+          </p:nvPr>
+        </p:nvSpPr>
+        <p:spPr/>
+        <p:txBody>
+          <a:bodyPr/>
+          <a:lstStyle/>
+          <a:p>
+            <a:fld id="{4D97A03B-941A-4DB2-9027-144FC3ED8D76}" type="slidenum">
+              <a:rPr lang="de-DE" smtClean="0"/>
+              <a:t>2</a:t>
+            </a:fld>
             <a:endParaRPr lang="de-DE"/>
-          </a:p>
-        </p:txBody>
-      </p:sp>
-      <p:sp>
-        <p:nvSpPr>
-          <p:cNvPr id="3" name="Inhaltsplatzhalter 2"/>
-          <p:cNvSpPr>
-            <a:spLocks noGrp="1"/>
-          </p:cNvSpPr>
-          <p:nvPr>
-            <p:ph idx="1"/>
-          </p:nvPr>
-        </p:nvSpPr>
-        <p:spPr/>
-        <p:txBody>
-          <a:bodyPr/>
-          <a:lstStyle/>
-          <a:p>
-            <a:r>
-              <a:rPr lang="de-DE" dirty="0"/>
-              <a:t>Kronendach Durchlässigkeit eines Waldstücks anhand von </a:t>
-            </a:r>
-            <a:r>
-              <a:rPr lang="de-DE" dirty="0" err="1"/>
-              <a:t>LiDAR</a:t>
-            </a:r>
-            <a:r>
-              <a:rPr lang="de-DE" dirty="0"/>
-              <a:t> Punktwolkendaten ermittelt und visualisiert </a:t>
-            </a:r>
-            <a:endParaRPr lang="de-DE" dirty="0" smtClean="0"/>
-          </a:p>
-          <a:p>
-            <a:endParaRPr lang="de-DE" dirty="0"/>
-          </a:p>
-          <a:p>
-            <a:r>
-              <a:rPr lang="de-DE" dirty="0" smtClean="0"/>
-              <a:t>Ansatz:</a:t>
-            </a:r>
-          </a:p>
-          <a:p>
-            <a:pPr marL="0" indent="0" algn="ctr">
-              <a:buNone/>
-            </a:pPr>
-            <a:r>
-              <a:rPr lang="de-DE" dirty="0" smtClean="0"/>
-              <a:t>Vergleich der Anzahl von Bodenpunkten und Vegetationspunkten in einer Rasterzelle</a:t>
-            </a:r>
-            <a:endParaRPr lang="de-DE" dirty="0"/>
           </a:p>
         </p:txBody>
       </p:sp>
@@ -3427,36 +6976,136 @@
           <a:bodyPr/>
           <a:lstStyle/>
           <a:p>
+            <a:r>
+              <a:rPr lang="de-DE" dirty="0" smtClean="0"/>
+              <a:t>Vorgehensweise</a:t>
+            </a:r>
+            <a:endParaRPr lang="de-DE" dirty="0"/>
+          </a:p>
+        </p:txBody>
+      </p:sp>
+      <p:sp>
+        <p:nvSpPr>
+          <p:cNvPr id="3" name="Inhaltsplatzhalter 2"/>
+          <p:cNvSpPr>
+            <a:spLocks noGrp="1"/>
+          </p:cNvSpPr>
+          <p:nvPr>
+            <p:ph idx="1"/>
+          </p:nvPr>
+        </p:nvSpPr>
+        <p:spPr/>
+        <p:txBody>
+          <a:bodyPr>
+            <a:normAutofit/>
+          </a:bodyPr>
+          <a:lstStyle/>
+          <a:p>
+            <a:pPr>
+              <a:lnSpc>
+                <a:spcPct val="150000"/>
+              </a:lnSpc>
+            </a:pPr>
+            <a:r>
+              <a:rPr lang="de-DE" sz="2200" dirty="0"/>
+              <a:t>Daten sind im LAS-Format 1.1 vorklassifiziert</a:t>
+            </a:r>
+            <a:endParaRPr lang="de-DE" sz="2200" dirty="0" smtClean="0"/>
+          </a:p>
+          <a:p>
+            <a:pPr>
+              <a:lnSpc>
+                <a:spcPct val="150000"/>
+              </a:lnSpc>
+            </a:pPr>
+            <a:r>
+              <a:rPr lang="de-DE" sz="2200" dirty="0" smtClean="0"/>
+              <a:t>Rasterzellen </a:t>
+            </a:r>
+            <a:r>
+              <a:rPr lang="de-DE" sz="2200" dirty="0"/>
+              <a:t>von 1 m </a:t>
+            </a:r>
+            <a:r>
+              <a:rPr lang="de-DE" sz="2200" dirty="0" smtClean="0"/>
+              <a:t>Auflösung</a:t>
+            </a:r>
+          </a:p>
+          <a:p>
+            <a:pPr>
+              <a:lnSpc>
+                <a:spcPct val="150000"/>
+              </a:lnSpc>
+            </a:pPr>
+            <a:r>
+              <a:rPr lang="de-DE" sz="2200" dirty="0" smtClean="0"/>
+              <a:t>Daten in Arrays </a:t>
+            </a:r>
+            <a:r>
+              <a:rPr lang="de-DE" sz="2200" dirty="0" smtClean="0"/>
+              <a:t>für Boden und Vegetation </a:t>
+            </a:r>
+            <a:r>
+              <a:rPr lang="de-DE" sz="2200" dirty="0" smtClean="0"/>
+              <a:t>aufgeteilt</a:t>
+            </a:r>
+          </a:p>
+          <a:p>
+            <a:pPr>
+              <a:lnSpc>
+                <a:spcPct val="150000"/>
+              </a:lnSpc>
+            </a:pPr>
+            <a:r>
+              <a:rPr lang="de-DE" sz="2200" dirty="0"/>
+              <a:t>P</a:t>
+            </a:r>
+            <a:r>
+              <a:rPr lang="de-DE" sz="2200" dirty="0" smtClean="0"/>
+              <a:t>unkte </a:t>
+            </a:r>
+            <a:r>
+              <a:rPr lang="de-DE" sz="2200" dirty="0"/>
+              <a:t>je Zelle gezählt </a:t>
+            </a:r>
+            <a:endParaRPr lang="de-DE" sz="2200" dirty="0" smtClean="0"/>
+          </a:p>
+          <a:p>
+            <a:pPr>
+              <a:lnSpc>
+                <a:spcPct val="150000"/>
+              </a:lnSpc>
+            </a:pPr>
+            <a:r>
+              <a:rPr lang="de-DE" sz="2200" dirty="0" smtClean="0"/>
+              <a:t>Erweiterter Index – nur Vegetationspunkte mit einer Höhe von mehr als 2 m</a:t>
+            </a:r>
+          </a:p>
+          <a:p>
+            <a:endParaRPr lang="de-DE" dirty="0"/>
+          </a:p>
+        </p:txBody>
+      </p:sp>
+      <p:sp>
+        <p:nvSpPr>
+          <p:cNvPr id="4" name="Foliennummernplatzhalter 3"/>
+          <p:cNvSpPr>
+            <a:spLocks noGrp="1"/>
+          </p:cNvSpPr>
+          <p:nvPr>
+            <p:ph type="sldNum" sz="quarter" idx="12"/>
+          </p:nvPr>
+        </p:nvSpPr>
+        <p:spPr/>
+        <p:txBody>
+          <a:bodyPr/>
+          <a:lstStyle/>
+          <a:p>
+            <a:fld id="{4D97A03B-941A-4DB2-9027-144FC3ED8D76}" type="slidenum">
+              <a:rPr lang="de-DE" smtClean="0"/>
+              <a:t>3</a:t>
+            </a:fld>
             <a:endParaRPr lang="de-DE"/>
-          </a:p>
-        </p:txBody>
-      </p:sp>
-      <p:sp>
-        <p:nvSpPr>
-          <p:cNvPr id="3" name="Inhaltsplatzhalter 2"/>
-          <p:cNvSpPr>
-            <a:spLocks noGrp="1"/>
-          </p:cNvSpPr>
-          <p:nvPr>
-            <p:ph idx="1"/>
-          </p:nvPr>
-        </p:nvSpPr>
-        <p:spPr/>
-        <p:txBody>
-          <a:bodyPr/>
-          <a:lstStyle/>
-          <a:p>
-            <a:r>
-              <a:rPr lang="de-DE" dirty="0"/>
-              <a:t>Rasterzellen von 1 m </a:t>
-            </a:r>
-            <a:r>
-              <a:rPr lang="de-DE" dirty="0" smtClean="0"/>
-              <a:t>Auflösung</a:t>
-            </a:r>
-          </a:p>
-          <a:p>
-            <a:endParaRPr lang="de-DE" dirty="0"/>
           </a:p>
         </p:txBody>
       </p:sp>
@@ -3512,6 +7161,10 @@
           <a:bodyPr/>
           <a:lstStyle/>
           <a:p>
+            <a:r>
+              <a:rPr lang="de-DE" dirty="0" smtClean="0"/>
+              <a:t>Herausforderungen</a:t>
+            </a:r>
             <a:endParaRPr lang="de-DE" dirty="0"/>
           </a:p>
         </p:txBody>
@@ -3531,25 +7184,48 @@
           <a:bodyPr/>
           <a:lstStyle/>
           <a:p>
-            <a:r>
-              <a:rPr lang="de-DE" dirty="0" smtClean="0"/>
-              <a:t>Herausforderungen:</a:t>
-            </a:r>
-          </a:p>
-          <a:p>
             <a:pPr lvl="1"/>
             <a:r>
-              <a:rPr lang="de-DE" dirty="0" smtClean="0"/>
-              <a:t>nicht in jeder Rasterzelle ein Bodenpunkt – Interpolation zu einem DTM</a:t>
-            </a:r>
+              <a:rPr lang="de-DE" sz="2200" dirty="0" smtClean="0"/>
+              <a:t>nicht </a:t>
+            </a:r>
+            <a:r>
+              <a:rPr lang="de-DE" sz="2200" dirty="0" smtClean="0"/>
+              <a:t>in jeder Rasterzelle ein Bodenpunkt – Interpolation zu einem DTM</a:t>
+            </a:r>
+          </a:p>
+          <a:p>
+            <a:pPr marL="457200" lvl="1" indent="0">
+              <a:buNone/>
+            </a:pPr>
+            <a:endParaRPr lang="de-DE" sz="2200" dirty="0"/>
           </a:p>
           <a:p>
             <a:pPr lvl="1"/>
             <a:endParaRPr lang="de-DE" dirty="0"/>
           </a:p>
-          <a:p>
-            <a:pPr lvl="1"/>
-            <a:endParaRPr lang="de-DE" dirty="0"/>
+        </p:txBody>
+      </p:sp>
+      <p:sp>
+        <p:nvSpPr>
+          <p:cNvPr id="5" name="Foliennummernplatzhalter 4"/>
+          <p:cNvSpPr>
+            <a:spLocks noGrp="1"/>
+          </p:cNvSpPr>
+          <p:nvPr>
+            <p:ph type="sldNum" sz="quarter" idx="12"/>
+          </p:nvPr>
+        </p:nvSpPr>
+        <p:spPr/>
+        <p:txBody>
+          <a:bodyPr/>
+          <a:lstStyle/>
+          <a:p>
+            <a:fld id="{4D97A03B-941A-4DB2-9027-144FC3ED8D76}" type="slidenum">
+              <a:rPr lang="de-DE" smtClean="0"/>
+              <a:t>4</a:t>
+            </a:fld>
+            <a:endParaRPr lang="de-DE"/>
           </a:p>
         </p:txBody>
       </p:sp>
@@ -3569,7 +7245,7 @@
         </p:blipFill>
         <p:spPr>
           <a:xfrm>
-            <a:off x="1057702" y="3275100"/>
+            <a:off x="1057702" y="2872144"/>
             <a:ext cx="10076596" cy="3240000"/>
           </a:xfrm>
           <a:prstGeom prst="rect">
@@ -3653,18 +7329,30 @@
           <a:lstStyle/>
           <a:p>
             <a:r>
-              <a:rPr lang="de-DE" dirty="0"/>
-              <a:t>Als praktisches Feature wurde zudem ein Ladebalken integriert, der den </a:t>
-            </a:r>
-            <a:r>
-              <a:rPr lang="de-DE" dirty="0" smtClean="0"/>
+              <a:rPr lang="de-DE" sz="2200" dirty="0" smtClean="0"/>
+              <a:t>praktisches </a:t>
+            </a:r>
+            <a:r>
+              <a:rPr lang="de-DE" sz="2200" dirty="0"/>
+              <a:t>Feature </a:t>
+            </a:r>
+            <a:r>
+              <a:rPr lang="de-DE" sz="2200" dirty="0" smtClean="0"/>
+              <a:t>- Ladebalken </a:t>
+            </a:r>
+            <a:r>
+              <a:rPr lang="de-DE" sz="2200" dirty="0"/>
+              <a:t>der den </a:t>
+            </a:r>
+            <a:r>
+              <a:rPr lang="de-DE" sz="2200" dirty="0" smtClean="0"/>
               <a:t>Fortschritt </a:t>
             </a:r>
             <a:r>
-              <a:rPr lang="de-DE" dirty="0"/>
+              <a:rPr lang="de-DE" sz="2200" dirty="0"/>
               <a:t>der teilweise zeitaufwändigen Berechnungen zeigt </a:t>
             </a:r>
-            <a:endParaRPr lang="de-DE" dirty="0" smtClean="0"/>
+            <a:endParaRPr lang="de-DE" sz="2200" dirty="0" smtClean="0"/>
           </a:p>
           <a:p>
             <a:endParaRPr lang="de-DE" dirty="0"/>
@@ -3680,6 +7368,29 @@
               <a:rPr lang="de-DE" dirty="0" smtClean="0"/>
               <a:t>Beispiel:</a:t>
             </a:r>
+          </a:p>
+        </p:txBody>
+      </p:sp>
+      <p:sp>
+        <p:nvSpPr>
+          <p:cNvPr id="4" name="Foliennummernplatzhalter 3"/>
+          <p:cNvSpPr>
+            <a:spLocks noGrp="1"/>
+          </p:cNvSpPr>
+          <p:nvPr>
+            <p:ph type="sldNum" sz="quarter" idx="12"/>
+          </p:nvPr>
+        </p:nvSpPr>
+        <p:spPr/>
+        <p:txBody>
+          <a:bodyPr/>
+          <a:lstStyle/>
+          <a:p>
+            <a:fld id="{4D97A03B-941A-4DB2-9027-144FC3ED8D76}" type="slidenum">
+              <a:rPr lang="de-DE" smtClean="0"/>
+              <a:t>5</a:t>
+            </a:fld>
+            <a:endParaRPr lang="de-DE"/>
           </a:p>
         </p:txBody>
       </p:sp>
@@ -3770,7 +7481,7 @@
       </p:grpSpPr>
       <p:sp>
         <p:nvSpPr>
-          <p:cNvPr id="2" name="Titel 1"/>
+          <p:cNvPr id="4" name="Titel 3"/>
           <p:cNvSpPr>
             <a:spLocks noGrp="1"/>
           </p:cNvSpPr>
@@ -3783,61 +7494,107 @@
           <a:bodyPr/>
           <a:lstStyle/>
           <a:p>
+            <a:r>
+              <a:rPr lang="de-DE" dirty="0" smtClean="0"/>
+              <a:t>Ergebnis I</a:t>
+            </a:r>
+            <a:endParaRPr lang="de-DE" dirty="0"/>
+          </a:p>
+        </p:txBody>
+      </p:sp>
+      <p:pic>
+        <p:nvPicPr>
+          <p:cNvPr id="7" name="Inhaltsplatzhalter 3"/>
+          <p:cNvPicPr>
+            <a:picLocks noGrp="1" noChangeAspect="1"/>
+          </p:cNvPicPr>
+          <p:nvPr>
+            <p:ph sz="half" idx="1"/>
+          </p:nvPr>
+        </p:nvPicPr>
+        <p:blipFill>
+          <a:blip r:embed="rId2">
+            <a:extLst>
+              <a:ext uri="{28A0092B-C50C-407E-A947-70E740481C1C}">
+                <a14:useLocalDpi xmlns:a14="http://schemas.microsoft.com/office/drawing/2010/main" val="0"/>
+              </a:ext>
+            </a:extLst>
+          </a:blip>
+          <a:stretch>
+            <a:fillRect/>
+          </a:stretch>
+        </p:blipFill>
+        <p:spPr>
+          <a:xfrm>
+            <a:off x="646111" y="2769738"/>
+            <a:ext cx="5241822" cy="3312000"/>
+          </a:xfrm>
+          <a:ln w="19050">
+            <a:solidFill>
+              <a:schemeClr val="bg1"/>
+            </a:solidFill>
+          </a:ln>
+        </p:spPr>
+      </p:pic>
+      <p:pic>
+        <p:nvPicPr>
+          <p:cNvPr id="8" name="Inhaltsplatzhalter 3"/>
+          <p:cNvPicPr>
+            <a:picLocks noGrp="1" noChangeAspect="1"/>
+          </p:cNvPicPr>
+          <p:nvPr>
+            <p:ph sz="half" idx="2"/>
+          </p:nvPr>
+        </p:nvPicPr>
+        <p:blipFill rotWithShape="1">
+          <a:blip r:embed="rId3">
+            <a:extLst>
+              <a:ext uri="{28A0092B-C50C-407E-A947-70E740481C1C}">
+                <a14:useLocalDpi xmlns:a14="http://schemas.microsoft.com/office/drawing/2010/main" val="0"/>
+              </a:ext>
+            </a:extLst>
+          </a:blip>
+          <a:stretch/>
+        </p:blipFill>
+        <p:spPr>
+          <a:xfrm>
+            <a:off x="6114459" y="2769738"/>
+            <a:ext cx="5076280" cy="3312000"/>
+          </a:xfrm>
+          <a:ln w="19050">
+            <a:solidFill>
+              <a:schemeClr val="bg1"/>
+            </a:solidFill>
+          </a:ln>
+        </p:spPr>
+      </p:pic>
+      <p:sp>
+        <p:nvSpPr>
+          <p:cNvPr id="2" name="Foliennummernplatzhalter 1"/>
+          <p:cNvSpPr>
+            <a:spLocks noGrp="1"/>
+          </p:cNvSpPr>
+          <p:nvPr>
+            <p:ph type="sldNum" sz="quarter" idx="12"/>
+          </p:nvPr>
+        </p:nvSpPr>
+        <p:spPr/>
+        <p:txBody>
+          <a:bodyPr/>
+          <a:lstStyle/>
+          <a:p>
+            <a:fld id="{4D97A03B-941A-4DB2-9027-144FC3ED8D76}" type="slidenum">
+              <a:rPr lang="de-DE" smtClean="0"/>
+              <a:t>6</a:t>
+            </a:fld>
             <a:endParaRPr lang="de-DE"/>
-          </a:p>
-        </p:txBody>
-      </p:sp>
-      <p:sp>
-        <p:nvSpPr>
-          <p:cNvPr id="3" name="Inhaltsplatzhalter 2"/>
-          <p:cNvSpPr>
-            <a:spLocks noGrp="1"/>
-          </p:cNvSpPr>
-          <p:nvPr>
-            <p:ph idx="1"/>
-          </p:nvPr>
-        </p:nvSpPr>
-        <p:spPr/>
-        <p:txBody>
-          <a:bodyPr/>
-          <a:lstStyle/>
-          <a:p>
-            <a:r>
-              <a:rPr lang="de-DE" dirty="0" smtClean="0">
-                <a:latin typeface="Calibri" panose="020F0502020204030204" pitchFamily="34" charset="0"/>
-                <a:ea typeface="Calibri" panose="020F0502020204030204" pitchFamily="34" charset="0"/>
-                <a:cs typeface="Times New Roman" panose="02020603050405020304" pitchFamily="18" charset="0"/>
-              </a:rPr>
-              <a:t>Index 1 als Verhältnis aller Vegetationspunkte zu den Bodenpunkten</a:t>
-            </a:r>
-          </a:p>
-          <a:p>
-            <a:endParaRPr lang="de-DE" dirty="0" smtClean="0">
-              <a:latin typeface="Calibri" panose="020F0502020204030204" pitchFamily="34" charset="0"/>
-              <a:ea typeface="Calibri" panose="020F0502020204030204" pitchFamily="34" charset="0"/>
-              <a:cs typeface="Times New Roman" panose="02020603050405020304" pitchFamily="18" charset="0"/>
-            </a:endParaRPr>
-          </a:p>
-          <a:p>
-            <a:r>
-              <a:rPr lang="de-DE" dirty="0" smtClean="0">
-                <a:latin typeface="Calibri" panose="020F0502020204030204" pitchFamily="34" charset="0"/>
-                <a:ea typeface="Calibri" panose="020F0502020204030204" pitchFamily="34" charset="0"/>
-                <a:cs typeface="Times New Roman" panose="02020603050405020304" pitchFamily="18" charset="0"/>
-              </a:rPr>
-              <a:t>Index 2 als Verhältnis aller Vegetationspunkte über 2m zu den Bodenpunkten </a:t>
-            </a:r>
-            <a:endParaRPr lang="de-DE" dirty="0" smtClean="0"/>
-          </a:p>
-          <a:p>
-            <a:endParaRPr lang="de-DE" dirty="0"/>
           </a:p>
         </p:txBody>
       </p:sp>
     </p:spTree>
     <p:extLst>
       <p:ext uri="{BB962C8B-B14F-4D97-AF65-F5344CB8AC3E}">
-        <p14:creationId xmlns:p14="http://schemas.microsoft.com/office/powerpoint/2010/main" val="4067860907"/>
+        <p14:creationId xmlns:p14="http://schemas.microsoft.com/office/powerpoint/2010/main" val="4225409263"/>
       </p:ext>
     </p:extLst>
   </p:cSld>
@@ -3886,7 +7643,11 @@
           <a:bodyPr/>
           <a:lstStyle/>
           <a:p>
-            <a:endParaRPr lang="de-DE"/>
+            <a:r>
+              <a:rPr lang="de-DE" dirty="0" smtClean="0"/>
+              <a:t>Ergebnis II</a:t>
+            </a:r>
+            <a:endParaRPr lang="de-DE" dirty="0"/>
           </a:p>
         </p:txBody>
       </p:sp>
@@ -3914,11 +7675,39 @@
         </p:blipFill>
         <p:spPr>
           <a:xfrm>
-            <a:off x="3206433" y="365125"/>
+            <a:off x="4221573" y="365125"/>
             <a:ext cx="5225508" cy="6222821"/>
           </a:xfrm>
+          <a:ln w="19050">
+            <a:solidFill>
+              <a:schemeClr val="bg1"/>
+            </a:solidFill>
+          </a:ln>
         </p:spPr>
       </p:pic>
+      <p:sp>
+        <p:nvSpPr>
+          <p:cNvPr id="5" name="Foliennummernplatzhalter 4"/>
+          <p:cNvSpPr>
+            <a:spLocks noGrp="1"/>
+          </p:cNvSpPr>
+          <p:nvPr>
+            <p:ph type="sldNum" sz="quarter" idx="12"/>
+          </p:nvPr>
+        </p:nvSpPr>
+        <p:spPr/>
+        <p:txBody>
+          <a:bodyPr/>
+          <a:lstStyle/>
+          <a:p>
+            <a:fld id="{4D97A03B-941A-4DB2-9027-144FC3ED8D76}" type="slidenum">
+              <a:rPr lang="de-DE" smtClean="0"/>
+              <a:t>7</a:t>
+            </a:fld>
+            <a:endParaRPr lang="de-DE"/>
+          </a:p>
+        </p:txBody>
+      </p:sp>
     </p:spTree>
     <p:extLst>
       <p:ext uri="{BB962C8B-B14F-4D97-AF65-F5344CB8AC3E}">
@@ -3958,7 +7747,7 @@
       </p:grpSpPr>
       <p:sp>
         <p:nvSpPr>
-          <p:cNvPr id="4" name="Titel 3"/>
+          <p:cNvPr id="2" name="Titel 1"/>
           <p:cNvSpPr>
             <a:spLocks noGrp="1"/>
           </p:cNvSpPr>
@@ -3972,8 +7761,12 @@
           <a:lstStyle/>
           <a:p>
             <a:r>
+              <a:rPr lang="de-DE" dirty="0"/>
+              <a:t>Ergebnis </a:t>
+            </a:r>
+            <a:r>
               <a:rPr lang="de-DE" dirty="0" smtClean="0"/>
-              <a:t>Ergebnis</a:t>
+              <a:t>III</a:t>
             </a:r>
             <a:endParaRPr lang="de-DE" dirty="0"/>
           </a:p>
@@ -3981,12 +7774,12 @@
       </p:sp>
       <p:pic>
         <p:nvPicPr>
-          <p:cNvPr id="7" name="Inhaltsplatzhalter 3"/>
+          <p:cNvPr id="4" name="Inhaltsplatzhalter 3"/>
           <p:cNvPicPr>
             <a:picLocks noGrp="1" noChangeAspect="1"/>
           </p:cNvPicPr>
           <p:nvPr>
-            <p:ph sz="half" idx="1"/>
+            <p:ph idx="1"/>
           </p:nvPr>
         </p:nvPicPr>
         <p:blipFill>
@@ -4003,44 +7796,43 @@
         </p:blipFill>
         <p:spPr>
           <a:xfrm>
-            <a:off x="838200" y="2364321"/>
-            <a:ext cx="5181600" cy="3273945"/>
+            <a:off x="2466541" y="2173805"/>
+            <a:ext cx="6220693" cy="3953427"/>
           </a:xfrm>
+          <a:ln w="19050">
+            <a:solidFill>
+              <a:schemeClr val="bg1"/>
+            </a:solidFill>
+          </a:ln>
         </p:spPr>
       </p:pic>
-      <p:pic>
-        <p:nvPicPr>
-          <p:cNvPr id="8" name="Inhaltsplatzhalter 3"/>
-          <p:cNvPicPr>
-            <a:picLocks noGrp="1" noChangeAspect="1"/>
-          </p:cNvPicPr>
-          <p:nvPr>
-            <p:ph sz="half" idx="2"/>
-          </p:nvPr>
-        </p:nvPicPr>
-        <p:blipFill>
-          <a:blip r:embed="rId3">
-            <a:extLst>
-              <a:ext uri="{28A0092B-C50C-407E-A947-70E740481C1C}">
-                <a14:useLocalDpi xmlns:a14="http://schemas.microsoft.com/office/drawing/2010/main" val="0"/>
-              </a:ext>
-            </a:extLst>
-          </a:blip>
-          <a:stretch>
-            <a:fillRect/>
-          </a:stretch>
-        </p:blipFill>
-        <p:spPr>
-          <a:xfrm>
-            <a:off x="6172200" y="2310935"/>
-            <a:ext cx="5181600" cy="3380717"/>
-          </a:xfrm>
-        </p:spPr>
-      </p:pic>
+      <p:sp>
+        <p:nvSpPr>
+          <p:cNvPr id="3" name="Foliennummernplatzhalter 2"/>
+          <p:cNvSpPr>
+            <a:spLocks noGrp="1"/>
+          </p:cNvSpPr>
+          <p:nvPr>
+            <p:ph type="sldNum" sz="quarter" idx="12"/>
+          </p:nvPr>
+        </p:nvSpPr>
+        <p:spPr/>
+        <p:txBody>
+          <a:bodyPr/>
+          <a:lstStyle/>
+          <a:p>
+            <a:fld id="{4D97A03B-941A-4DB2-9027-144FC3ED8D76}" type="slidenum">
+              <a:rPr lang="de-DE" smtClean="0"/>
+              <a:t>8</a:t>
+            </a:fld>
+            <a:endParaRPr lang="de-DE"/>
+          </a:p>
+        </p:txBody>
+      </p:sp>
     </p:spTree>
     <p:extLst>
       <p:ext uri="{BB962C8B-B14F-4D97-AF65-F5344CB8AC3E}">
-        <p14:creationId xmlns:p14="http://schemas.microsoft.com/office/powerpoint/2010/main" val="4225409263"/>
+        <p14:creationId xmlns:p14="http://schemas.microsoft.com/office/powerpoint/2010/main" val="2980085722"/>
       </p:ext>
     </p:extLst>
   </p:cSld>
@@ -4089,7 +7881,15 @@
           <a:bodyPr/>
           <a:lstStyle/>
           <a:p>
-            <a:endParaRPr lang="de-DE"/>
+            <a:r>
+              <a:rPr lang="de-DE" dirty="0"/>
+              <a:t>Ergebnis </a:t>
+            </a:r>
+            <a:r>
+              <a:rPr lang="de-DE" dirty="0" smtClean="0"/>
+              <a:t>IV</a:t>
+            </a:r>
+            <a:endParaRPr lang="de-DE" dirty="0"/>
           </a:p>
         </p:txBody>
       </p:sp>
@@ -4117,15 +7917,43 @@
         </p:blipFill>
         <p:spPr>
           <a:xfrm>
-            <a:off x="2159207" y="1801524"/>
-            <a:ext cx="7873585" cy="4860000"/>
+            <a:off x="1737777" y="2169042"/>
+            <a:ext cx="7678222" cy="3962953"/>
           </a:xfrm>
+          <a:ln w="19050">
+            <a:solidFill>
+              <a:schemeClr val="bg1"/>
+            </a:solidFill>
+          </a:ln>
         </p:spPr>
       </p:pic>
+      <p:sp>
+        <p:nvSpPr>
+          <p:cNvPr id="3" name="Foliennummernplatzhalter 2"/>
+          <p:cNvSpPr>
+            <a:spLocks noGrp="1"/>
+          </p:cNvSpPr>
+          <p:nvPr>
+            <p:ph type="sldNum" sz="quarter" idx="12"/>
+          </p:nvPr>
+        </p:nvSpPr>
+        <p:spPr/>
+        <p:txBody>
+          <a:bodyPr/>
+          <a:lstStyle/>
+          <a:p>
+            <a:fld id="{4D97A03B-941A-4DB2-9027-144FC3ED8D76}" type="slidenum">
+              <a:rPr lang="de-DE" smtClean="0"/>
+              <a:t>9</a:t>
+            </a:fld>
+            <a:endParaRPr lang="de-DE"/>
+          </a:p>
+        </p:txBody>
+      </p:sp>
     </p:spTree>
     <p:extLst>
       <p:ext uri="{BB962C8B-B14F-4D97-AF65-F5344CB8AC3E}">
-        <p14:creationId xmlns:p14="http://schemas.microsoft.com/office/powerpoint/2010/main" val="3940899064"/>
+        <p14:creationId xmlns:p14="http://schemas.microsoft.com/office/powerpoint/2010/main" val="3546862122"/>
       </p:ext>
     </p:extLst>
   </p:cSld>
@@ -4143,6 +7971,272 @@
 </file>
 
 <file path=ppt/theme/theme1.xml><?xml version="1.0" encoding="utf-8"?>
+<a:theme xmlns:a="http://schemas.openxmlformats.org/drawingml/2006/main" name="Ion">
+  <a:themeElements>
+    <a:clrScheme name="Ion">
+      <a:dk1>
+        <a:sysClr val="windowText" lastClr="000000"/>
+      </a:dk1>
+      <a:lt1>
+        <a:sysClr val="window" lastClr="FFFFFF"/>
+      </a:lt1>
+      <a:dk2>
+        <a:srgbClr val="1E5155"/>
+      </a:dk2>
+      <a:lt2>
+        <a:srgbClr val="EBEBEB"/>
+      </a:lt2>
+      <a:accent1>
+        <a:srgbClr val="B01513"/>
+      </a:accent1>
+      <a:accent2>
+        <a:srgbClr val="EA6312"/>
+      </a:accent2>
+      <a:accent3>
+        <a:srgbClr val="E6B729"/>
+      </a:accent3>
+      <a:accent4>
+        <a:srgbClr val="6AAC90"/>
+      </a:accent4>
+      <a:accent5>
+        <a:srgbClr val="54849A"/>
+      </a:accent5>
+      <a:accent6>
+        <a:srgbClr val="9E5E9B"/>
+      </a:accent6>
+      <a:hlink>
+        <a:srgbClr val="58C1BA"/>
+      </a:hlink>
+      <a:folHlink>
+        <a:srgbClr val="9DFFCB"/>
+      </a:folHlink>
+    </a:clrScheme>
+    <a:fontScheme name="Ion">
+      <a:majorFont>
+        <a:latin typeface="Century Gothic" panose="020B0502020202020204"/>
+        <a:ea typeface=""/>
+        <a:cs typeface=""/>
+        <a:font script="Jpan" typeface="メイリオ"/>
+        <a:font script="Hang" typeface="맑은 고딕"/>
+        <a:font script="Hans" typeface="宋体"/>
+        <a:font script="Hant" typeface="新細明體"/>
+        <a:font script="Arab" typeface="Times New Roman"/>
+        <a:font script="Hebr" typeface="Times New Roman"/>
+        <a:font script="Thai" typeface="Angsana New"/>
+        <a:font script="Ethi" typeface="Nyala"/>
+        <a:font script="Beng" typeface="Vrinda"/>
+        <a:font script="Gujr" typeface="Shruti"/>
+        <a:font script="Khmr" typeface="MoolBoran"/>
+        <a:font script="Knda" typeface="Tunga"/>
+        <a:font script="Guru" typeface="Raavi"/>
+        <a:font script="Cans" typeface="Euphemia"/>
+        <a:font script="Cher" typeface="Plantagenet Cherokee"/>
+        <a:font script="Yiii" typeface="Microsoft Yi Baiti"/>
+        <a:font script="Tibt" typeface="Microsoft Himalaya"/>
+        <a:font script="Thaa" typeface="MV Boli"/>
+        <a:font script="Deva" typeface="Mangal"/>
+        <a:font script="Telu" typeface="Gautami"/>
+        <a:font script="Taml" typeface="Latha"/>
+        <a:font script="Syrc" typeface="Estrangelo Edessa"/>
+        <a:font script="Orya" typeface="Kalinga"/>
+        <a:font script="Mlym" typeface="Kartika"/>
+        <a:font script="Laoo" typeface="DokChampa"/>
+        <a:font script="Sinh" typeface="Iskoola Pota"/>
+        <a:font script="Mong" typeface="Mongolian Baiti"/>
+        <a:font script="Viet" typeface="Times New Roman"/>
+        <a:font script="Uigh" typeface="Microsoft Uighur"/>
+        <a:font script="Geor" typeface="Sylfaen"/>
+      </a:majorFont>
+      <a:minorFont>
+        <a:latin typeface="Century Gothic" panose="020B0502020202020204"/>
+        <a:ea typeface=""/>
+        <a:cs typeface=""/>
+        <a:font script="Jpan" typeface="メイリオ"/>
+        <a:font script="Hang" typeface="맑은 고딕"/>
+        <a:font script="Hans" typeface="宋体"/>
+        <a:font script="Hant" typeface="新細明體"/>
+        <a:font script="Arab" typeface="Arial"/>
+        <a:font script="Hebr" typeface="Arial"/>
+        <a:font script="Thai" typeface="Cordia New"/>
+        <a:font script="Ethi" typeface="Nyala"/>
+        <a:font script="Beng" typeface="Vrinda"/>
+        <a:font script="Gujr" typeface="Shruti"/>
+        <a:font script="Khmr" typeface="DaunPenh"/>
+        <a:font script="Knda" typeface="Tunga"/>
+        <a:font script="Guru" typeface="Raavi"/>
+        <a:font script="Cans" typeface="Euphemia"/>
+        <a:font script="Cher" typeface="Plantagenet Cherokee"/>
+        <a:font script="Yiii" typeface="Microsoft Yi Baiti"/>
+        <a:font script="Tibt" typeface="Microsoft Himalaya"/>
+        <a:font script="Thaa" typeface="MV Boli"/>
+        <a:font script="Deva" typeface="Mangal"/>
+        <a:font script="Telu" typeface="Gautami"/>
+        <a:font script="Taml" typeface="Latha"/>
+        <a:font script="Syrc" typeface="Estrangelo Edessa"/>
+        <a:font script="Orya" typeface="Kalinga"/>
+        <a:font script="Mlym" typeface="Kartika"/>
+        <a:font script="Laoo" typeface="DokChampa"/>
+        <a:font script="Sinh" typeface="Iskoola Pota"/>
+        <a:font script="Mong" typeface="Mongolian Baiti"/>
+        <a:font script="Viet" typeface="Arial"/>
+        <a:font script="Uigh" typeface="Microsoft Uighur"/>
+        <a:font script="Geor" typeface="Sylfaen"/>
+      </a:minorFont>
+    </a:fontScheme>
+    <a:fmtScheme name="Ion">
+      <a:fillStyleLst>
+        <a:solidFill>
+          <a:schemeClr val="phClr"/>
+        </a:solidFill>
+        <a:gradFill rotWithShape="1">
+          <a:gsLst>
+            <a:gs pos="0">
+              <a:schemeClr val="phClr">
+                <a:tint val="64000"/>
+                <a:lumMod val="118000"/>
+              </a:schemeClr>
+            </a:gs>
+            <a:gs pos="100000">
+              <a:schemeClr val="phClr">
+                <a:tint val="92000"/>
+                <a:alpha val="100000"/>
+                <a:lumMod val="110000"/>
+              </a:schemeClr>
+            </a:gs>
+          </a:gsLst>
+          <a:lin ang="5400000" scaled="0"/>
+        </a:gradFill>
+        <a:gradFill rotWithShape="1">
+          <a:gsLst>
+            <a:gs pos="0">
+              <a:schemeClr val="phClr">
+                <a:tint val="98000"/>
+                <a:lumMod val="114000"/>
+              </a:schemeClr>
+            </a:gs>
+            <a:gs pos="100000">
+              <a:schemeClr val="phClr">
+                <a:shade val="90000"/>
+                <a:lumMod val="84000"/>
+              </a:schemeClr>
+            </a:gs>
+          </a:gsLst>
+          <a:lin ang="5400000" scaled="0"/>
+        </a:gradFill>
+      </a:fillStyleLst>
+      <a:lnStyleLst>
+        <a:ln w="9525" cap="rnd" cmpd="sng" algn="ctr">
+          <a:solidFill>
+            <a:schemeClr val="phClr"/>
+          </a:solidFill>
+          <a:prstDash val="solid"/>
+        </a:ln>
+        <a:ln w="19050" cap="rnd" cmpd="sng" algn="ctr">
+          <a:solidFill>
+            <a:schemeClr val="phClr"/>
+          </a:solidFill>
+          <a:prstDash val="solid"/>
+        </a:ln>
+        <a:ln w="28575" cap="rnd" cmpd="sng" algn="ctr">
+          <a:solidFill>
+            <a:schemeClr val="phClr"/>
+          </a:solidFill>
+          <a:prstDash val="solid"/>
+        </a:ln>
+      </a:lnStyleLst>
+      <a:effectStyleLst>
+        <a:effectStyle>
+          <a:effectLst/>
+        </a:effectStyle>
+        <a:effectStyle>
+          <a:effectLst>
+            <a:outerShdw blurRad="38100" dist="25400" dir="5400000" rotWithShape="0">
+              <a:srgbClr val="000000">
+                <a:alpha val="45000"/>
+              </a:srgbClr>
+            </a:outerShdw>
+          </a:effectLst>
+        </a:effectStyle>
+        <a:effectStyle>
+          <a:effectLst>
+            <a:outerShdw blurRad="63500" dist="38100" dir="5400000" rotWithShape="0">
+              <a:srgbClr val="000000">
+                <a:alpha val="60000"/>
+              </a:srgbClr>
+            </a:outerShdw>
+          </a:effectLst>
+          <a:scene3d>
+            <a:camera prst="orthographicFront">
+              <a:rot lat="0" lon="0" rev="0"/>
+            </a:camera>
+            <a:lightRig rig="threePt" dir="tl"/>
+          </a:scene3d>
+          <a:sp3d prstMaterial="plastic">
+            <a:bevelT w="0" h="0"/>
+          </a:sp3d>
+        </a:effectStyle>
+      </a:effectStyleLst>
+      <a:bgFillStyleLst>
+        <a:solidFill>
+          <a:schemeClr val="phClr"/>
+        </a:solidFill>
+        <a:gradFill rotWithShape="1">
+          <a:gsLst>
+            <a:gs pos="0">
+              <a:schemeClr val="phClr">
+                <a:tint val="97000"/>
+                <a:hueMod val="88000"/>
+                <a:satMod val="130000"/>
+                <a:lumMod val="124000"/>
+              </a:schemeClr>
+            </a:gs>
+            <a:gs pos="100000">
+              <a:schemeClr val="phClr">
+                <a:tint val="96000"/>
+                <a:shade val="88000"/>
+                <a:hueMod val="108000"/>
+                <a:satMod val="164000"/>
+                <a:lumMod val="76000"/>
+              </a:schemeClr>
+            </a:gs>
+          </a:gsLst>
+          <a:path path="circle">
+            <a:fillToRect l="45000" t="65000" r="125000" b="100000"/>
+          </a:path>
+        </a:gradFill>
+        <a:blipFill rotWithShape="1">
+          <a:blip xmlns:r="http://schemas.openxmlformats.org/officeDocument/2006/relationships" r:embed="rId1">
+            <a:duotone>
+              <a:schemeClr val="phClr">
+                <a:shade val="69000"/>
+                <a:hueMod val="108000"/>
+                <a:satMod val="164000"/>
+                <a:lumMod val="74000"/>
+              </a:schemeClr>
+              <a:schemeClr val="phClr">
+                <a:tint val="96000"/>
+                <a:hueMod val="88000"/>
+                <a:satMod val="140000"/>
+                <a:lumMod val="132000"/>
+              </a:schemeClr>
+            </a:duotone>
+          </a:blip>
+          <a:stretch/>
+        </a:blipFill>
+      </a:bgFillStyleLst>
+    </a:fmtScheme>
+  </a:themeElements>
+  <a:objectDefaults/>
+  <a:extraClrSchemeLst/>
+  <a:extLst>
+    <a:ext uri="{05A4C25C-085E-4340-85A3-A5531E510DB2}">
+      <thm15:themeFamily xmlns:thm15="http://schemas.microsoft.com/office/thememl/2012/main" name="Ion" id="{B8441ADB-2E43-4AF7-B97A-BD870242C6A8}" vid="{292E63A9-BB86-4E3D-B92A-7223C6510D2E}"/>
+    </a:ext>
+  </a:extLst>
+</a:theme>
+</file>
+
+<file path=ppt/theme/theme2.xml><?xml version="1.0" encoding="utf-8"?>
 <a:theme xmlns:a="http://schemas.openxmlformats.org/drawingml/2006/main" name="Office">
   <a:themeElements>
     <a:clrScheme name="Office">

--- a/Kronendach-Durchlässigkeit.pptx
+++ b/Kronendach-Durchlässigkeit.pptx
@@ -6662,51 +6662,30 @@
           <a:p>
             <a:r>
               <a:rPr lang="de-DE" sz="2200" dirty="0"/>
-              <a:t>Durchlässigkeit der Kronendachs kann mithilfe einer </a:t>
-            </a:r>
-            <a:r>
-              <a:rPr lang="de-DE" sz="2200" dirty="0" err="1"/>
+              <a:t>Durchlässigkeit des Kronendachs kann mithilfe einer </a:t>
+            </a:r>
+            <a:r>
+              <a:rPr lang="de-DE" sz="2200" dirty="0" err="1" smtClean="0"/>
               <a:t>LiDAR</a:t>
             </a:r>
             <a:r>
+              <a:rPr lang="de-DE" sz="2200" smtClean="0"/>
+              <a:t> Punktwolke </a:t>
+            </a:r>
+            <a:r>
               <a:rPr lang="de-DE" sz="2200" dirty="0"/>
-              <a:t> Punktwolke gut </a:t>
+              <a:t>gut quantifiziert </a:t>
             </a:r>
             <a:r>
               <a:rPr lang="de-DE" sz="2200" dirty="0" smtClean="0"/>
-              <a:t>quantifizierbar</a:t>
+              <a:t>werden</a:t>
             </a:r>
           </a:p>
           <a:p>
             <a:r>
               <a:rPr lang="de-DE" sz="2200" dirty="0" smtClean="0"/>
-              <a:t>Prozessieren </a:t>
-            </a:r>
-            <a:r>
-              <a:rPr lang="de-DE" sz="2200" dirty="0"/>
-              <a:t>großer </a:t>
-            </a:r>
-            <a:r>
-              <a:rPr lang="de-DE" sz="2200" dirty="0" smtClean="0"/>
-              <a:t>Punktwolken – Rechenaufwendig - </a:t>
-            </a:r>
-            <a:r>
-              <a:rPr lang="de-DE" sz="2200" dirty="0"/>
-              <a:t>Code </a:t>
-            </a:r>
-            <a:r>
-              <a:rPr lang="de-DE" sz="2200" dirty="0" smtClean="0"/>
-              <a:t>optimieren und unnötige </a:t>
-            </a:r>
-            <a:r>
-              <a:rPr lang="de-DE" sz="2200" dirty="0"/>
-              <a:t>Doppelabfragen </a:t>
-            </a:r>
-            <a:r>
-              <a:rPr lang="de-DE" sz="2200" dirty="0" smtClean="0"/>
-              <a:t>vermeiden</a:t>
-            </a:r>
-            <a:endParaRPr lang="de-DE" sz="2200" dirty="0"/>
+              <a:t>Prozessieren großer Punktwolken – Rechenaufwendig - Code optimieren und unnötige Doppelabfragen vermeiden</a:t>
+            </a:r>
           </a:p>
           <a:p>
             <a:endParaRPr lang="de-DE" sz="2200" dirty="0" smtClean="0"/>
@@ -6886,11 +6865,7 @@
             </a:pPr>
             <a:r>
               <a:rPr lang="de-DE" sz="2400" dirty="0" smtClean="0"/>
-              <a:t>Vergleich der Anzahl von Bodenpunkten und Vegetationspunkten in einer </a:t>
-            </a:r>
-            <a:r>
-              <a:rPr lang="de-DE" sz="2400" dirty="0" smtClean="0"/>
-              <a:t>Rasterzelle</a:t>
+              <a:t>Vergleich der Anzahl von Bodenpunkten und Vegetationspunkten in einer Rasterzelle</a:t>
             </a:r>
           </a:p>
           <a:p>
@@ -7039,15 +7014,7 @@
             </a:pPr>
             <a:r>
               <a:rPr lang="de-DE" sz="2200" dirty="0" smtClean="0"/>
-              <a:t>Daten in Arrays </a:t>
-            </a:r>
-            <a:r>
-              <a:rPr lang="de-DE" sz="2200" dirty="0" smtClean="0"/>
-              <a:t>für Boden und Vegetation </a:t>
-            </a:r>
-            <a:r>
-              <a:rPr lang="de-DE" sz="2200" dirty="0" smtClean="0"/>
-              <a:t>aufgeteilt</a:t>
+              <a:t>Daten in Arrays für Boden und Vegetation aufgeteilt</a:t>
             </a:r>
           </a:p>
           <a:p>
@@ -7187,11 +7154,7 @@
             <a:pPr lvl="1"/>
             <a:r>
               <a:rPr lang="de-DE" sz="2200" dirty="0" smtClean="0"/>
-              <a:t>nicht </a:t>
-            </a:r>
-            <a:r>
-              <a:rPr lang="de-DE" sz="2200" dirty="0" smtClean="0"/>
-              <a:t>in jeder Rasterzelle ein Bodenpunkt – Interpolation zu einem DTM</a:t>
+              <a:t>nicht in jeder Rasterzelle ein Bodenpunkt – Interpolation zu einem DTM</a:t>
             </a:r>
           </a:p>
           <a:p>
